--- a/プレゼン/成果発表(相吉澤).pptx
+++ b/プレゼン/成果発表(相吉澤).pptx
@@ -5,21 +5,23 @@
     <p:sldMasterId id="2147483661" r:id="rId1"/>
   </p:sldMasterIdLst>
   <p:notesMasterIdLst>
-    <p:notesMasterId r:id="rId11"/>
+    <p:notesMasterId r:id="rId13"/>
   </p:notesMasterIdLst>
   <p:handoutMasterIdLst>
-    <p:handoutMasterId r:id="rId12"/>
+    <p:handoutMasterId r:id="rId14"/>
   </p:handoutMasterIdLst>
   <p:sldIdLst>
     <p:sldId id="256" r:id="rId2"/>
-    <p:sldId id="257" r:id="rId3"/>
-    <p:sldId id="263" r:id="rId4"/>
-    <p:sldId id="259" r:id="rId5"/>
-    <p:sldId id="264" r:id="rId6"/>
-    <p:sldId id="260" r:id="rId7"/>
-    <p:sldId id="261" r:id="rId8"/>
-    <p:sldId id="262" r:id="rId9"/>
-    <p:sldId id="258" r:id="rId10"/>
+    <p:sldId id="265" r:id="rId3"/>
+    <p:sldId id="257" r:id="rId4"/>
+    <p:sldId id="263" r:id="rId5"/>
+    <p:sldId id="259" r:id="rId6"/>
+    <p:sldId id="264" r:id="rId7"/>
+    <p:sldId id="260" r:id="rId8"/>
+    <p:sldId id="266" r:id="rId9"/>
+    <p:sldId id="261" r:id="rId10"/>
+    <p:sldId id="262" r:id="rId11"/>
+    <p:sldId id="258" r:id="rId12"/>
   </p:sldIdLst>
   <p:sldSz cx="12192000" cy="6858000"/>
   <p:notesSz cx="6858000" cy="9144000"/>
@@ -129,6 +131,10 @@
 </p:presentation>
 </file>
 
+<file path=ppt/revisionInfo.xml><?xml version="1.0" encoding="utf-8"?>
+<p1510:revInfo xmlns:a="http://schemas.openxmlformats.org/drawingml/2006/main" xmlns:r="http://schemas.openxmlformats.org/officeDocument/2006/relationships" xmlns:p1510="http://schemas.microsoft.com/office/powerpoint/2015/10/main"/>
+</file>
+
 <file path=ppt/handoutMasters/handoutMaster1.xml><?xml version="1.0" encoding="utf-8"?>
 <p:handoutMaster xmlns:a="http://schemas.openxmlformats.org/drawingml/2006/main" xmlns:r="http://schemas.openxmlformats.org/officeDocument/2006/relationships" xmlns:p="http://schemas.openxmlformats.org/presentationml/2006/main">
   <p:cSld>
@@ -211,7 +217,7 @@
           <a:p>
             <a:fld id="{CDF0FFA8-4BA0-465D-AFBB-C23495AFAE57}" type="datetimeFigureOut">
               <a:rPr kumimoji="1" lang="ja-JP" altLang="en-US" smtClean="0"/>
-              <a:t>2017/4/28</a:t>
+              <a:t>2017/4/29</a:t>
             </a:fld>
             <a:endParaRPr kumimoji="1" lang="ja-JP" altLang="en-US"/>
           </a:p>
@@ -376,7 +382,7 @@
           <a:p>
             <a:fld id="{6C2CD678-25D7-4565-963F-A838C62DF6B5}" type="datetimeFigureOut">
               <a:rPr kumimoji="1" lang="ja-JP" altLang="en-US" smtClean="0"/>
-              <a:t>2017/4/28</a:t>
+              <a:t>2017/4/29</a:t>
             </a:fld>
             <a:endParaRPr kumimoji="1" lang="ja-JP" altLang="en-US"/>
           </a:p>
@@ -719,9 +725,41 @@
           <a:bodyPr/>
           <a:lstStyle/>
           <a:p>
-            <a:r>
-              <a:rPr kumimoji="1" lang="en-US" altLang="ja-JP" dirty="0" err="1"/>
-              <a:t>aaaa</a:t>
+            <a:endParaRPr lang="en-US" altLang="ja-JP" dirty="0"/>
+          </a:p>
+          <a:p>
+            <a:endParaRPr lang="en-US" altLang="ja-JP" dirty="0"/>
+          </a:p>
+          <a:p>
+            <a:r>
+              <a:rPr lang="ja-JP" altLang="en-US" dirty="0"/>
+              <a:t>入社</a:t>
+            </a:r>
+            <a:r>
+              <a:rPr lang="ja-JP" altLang="en-US" dirty="0" err="1"/>
+              <a:t>時のの</a:t>
+            </a:r>
+            <a:r>
+              <a:rPr lang="en-US" altLang="ja-JP" dirty="0"/>
+              <a:t>3</a:t>
+            </a:r>
+            <a:r>
+              <a:rPr lang="ja-JP" altLang="en-US" dirty="0"/>
+              <a:t>次面接のときのプレゼンの内容が苦手なことを克服できる</a:t>
+            </a:r>
+            <a:r>
+              <a:rPr lang="ja-JP" altLang="en-US" dirty="0" err="1"/>
+              <a:t>だった</a:t>
+            </a:r>
+            <a:endParaRPr lang="en-US" altLang="ja-JP" dirty="0"/>
+          </a:p>
+          <a:p>
+            <a:endParaRPr kumimoji="1" lang="en-US" altLang="ja-JP" dirty="0"/>
+          </a:p>
+          <a:p>
+            <a:r>
+              <a:rPr lang="ja-JP" altLang="en-US" dirty="0"/>
+              <a:t>苦手な部分というところに焦点を当てて今日のプレゼンテーションを始めたいと思います。</a:t>
             </a:r>
             <a:endParaRPr kumimoji="1" lang="ja-JP" altLang="en-US" dirty="0"/>
           </a:p>
@@ -744,7 +782,7 @@
           <a:p>
             <a:fld id="{CBF5BE68-8646-425B-8286-811A612EA33E}" type="slidenum">
               <a:rPr kumimoji="1" lang="ja-JP" altLang="en-US" smtClean="0"/>
-              <a:t>3</a:t>
+              <a:t>1</a:t>
             </a:fld>
             <a:endParaRPr kumimoji="1" lang="ja-JP" altLang="en-US"/>
           </a:p>
@@ -753,7 +791,7 @@
     </p:spTree>
     <p:extLst>
       <p:ext uri="{BB962C8B-B14F-4D97-AF65-F5344CB8AC3E}">
-        <p14:creationId xmlns:p14="http://schemas.microsoft.com/office/powerpoint/2010/main" val="12366925"/>
+        <p14:creationId xmlns:p14="http://schemas.microsoft.com/office/powerpoint/2010/main" val="1076690226"/>
       </p:ext>
     </p:extLst>
   </p:cSld>
@@ -828,7 +866,7 @@
           <a:p>
             <a:fld id="{CBF5BE68-8646-425B-8286-811A612EA33E}" type="slidenum">
               <a:rPr kumimoji="1" lang="ja-JP" altLang="en-US" smtClean="0"/>
-              <a:t>5</a:t>
+              <a:t>2</a:t>
             </a:fld>
             <a:endParaRPr kumimoji="1" lang="ja-JP" altLang="en-US"/>
           </a:p>
@@ -837,7 +875,7 @@
     </p:spTree>
     <p:extLst>
       <p:ext uri="{BB962C8B-B14F-4D97-AF65-F5344CB8AC3E}">
-        <p14:creationId xmlns:p14="http://schemas.microsoft.com/office/powerpoint/2010/main" val="2642989754"/>
+        <p14:creationId xmlns:p14="http://schemas.microsoft.com/office/powerpoint/2010/main" val="2663091354"/>
       </p:ext>
     </p:extLst>
   </p:cSld>
@@ -891,7 +929,22 @@
           <a:bodyPr/>
           <a:lstStyle/>
           <a:p>
-            <a:endParaRPr kumimoji="1" lang="ja-JP" altLang="en-US"/>
+            <a:r>
+              <a:rPr kumimoji="1" lang="ja-JP" altLang="en-US" dirty="0"/>
+              <a:t>まず第</a:t>
+            </a:r>
+            <a:r>
+              <a:rPr kumimoji="1" lang="en-US" altLang="ja-JP" dirty="0"/>
+              <a:t>1</a:t>
+            </a:r>
+            <a:r>
+              <a:rPr kumimoji="1" lang="ja-JP" altLang="en-US" dirty="0"/>
+              <a:t>の苦手なこと</a:t>
+            </a:r>
+            <a:endParaRPr kumimoji="1" lang="en-US" altLang="ja-JP" dirty="0"/>
+          </a:p>
+          <a:p>
+            <a:endParaRPr kumimoji="1" lang="ja-JP" altLang="en-US" dirty="0"/>
           </a:p>
         </p:txBody>
       </p:sp>
@@ -912,7 +965,7 @@
           <a:p>
             <a:fld id="{CBF5BE68-8646-425B-8286-811A612EA33E}" type="slidenum">
               <a:rPr kumimoji="1" lang="ja-JP" altLang="en-US" smtClean="0"/>
-              <a:t>6</a:t>
+              <a:t>3</a:t>
             </a:fld>
             <a:endParaRPr kumimoji="1" lang="ja-JP" altLang="en-US"/>
           </a:p>
@@ -921,7 +974,7 @@
     </p:spTree>
     <p:extLst>
       <p:ext uri="{BB962C8B-B14F-4D97-AF65-F5344CB8AC3E}">
-        <p14:creationId xmlns:p14="http://schemas.microsoft.com/office/powerpoint/2010/main" val="3295397735"/>
+        <p14:creationId xmlns:p14="http://schemas.microsoft.com/office/powerpoint/2010/main" val="3243963175"/>
       </p:ext>
     </p:extLst>
   </p:cSld>
@@ -975,7 +1028,425 @@
           <a:bodyPr/>
           <a:lstStyle/>
           <a:p>
+            <a:r>
+              <a:rPr kumimoji="1" lang="en-US" altLang="ja-JP" dirty="0" err="1"/>
+              <a:t>aaaa</a:t>
+            </a:r>
+            <a:endParaRPr kumimoji="1" lang="ja-JP" altLang="en-US" dirty="0"/>
+          </a:p>
+        </p:txBody>
+      </p:sp>
+      <p:sp>
+        <p:nvSpPr>
+          <p:cNvPr id="4" name="スライド番号プレースホルダー 3"/>
+          <p:cNvSpPr>
+            <a:spLocks noGrp="1"/>
+          </p:cNvSpPr>
+          <p:nvPr>
+            <p:ph type="sldNum" sz="quarter" idx="10"/>
+          </p:nvPr>
+        </p:nvSpPr>
+        <p:spPr/>
+        <p:txBody>
+          <a:bodyPr/>
+          <a:lstStyle/>
+          <a:p>
+            <a:fld id="{CBF5BE68-8646-425B-8286-811A612EA33E}" type="slidenum">
+              <a:rPr kumimoji="1" lang="ja-JP" altLang="en-US" smtClean="0"/>
+              <a:t>4</a:t>
+            </a:fld>
             <a:endParaRPr kumimoji="1" lang="ja-JP" altLang="en-US"/>
+          </a:p>
+        </p:txBody>
+      </p:sp>
+    </p:spTree>
+    <p:extLst>
+      <p:ext uri="{BB962C8B-B14F-4D97-AF65-F5344CB8AC3E}">
+        <p14:creationId xmlns:p14="http://schemas.microsoft.com/office/powerpoint/2010/main" val="12366925"/>
+      </p:ext>
+    </p:extLst>
+  </p:cSld>
+  <p:clrMapOvr>
+    <a:masterClrMapping/>
+  </p:clrMapOvr>
+</p:notes>
+</file>
+
+<file path=ppt/notesSlides/notesSlide5.xml><?xml version="1.0" encoding="utf-8"?>
+<p:notes xmlns:a="http://schemas.openxmlformats.org/drawingml/2006/main" xmlns:r="http://schemas.openxmlformats.org/officeDocument/2006/relationships" xmlns:p="http://schemas.openxmlformats.org/presentationml/2006/main">
+  <p:cSld>
+    <p:spTree>
+      <p:nvGrpSpPr>
+        <p:cNvPr id="1" name=""/>
+        <p:cNvGrpSpPr/>
+        <p:nvPr/>
+      </p:nvGrpSpPr>
+      <p:grpSpPr>
+        <a:xfrm>
+          <a:off x="0" y="0"/>
+          <a:ext cx="0" cy="0"/>
+          <a:chOff x="0" y="0"/>
+          <a:chExt cx="0" cy="0"/>
+        </a:xfrm>
+      </p:grpSpPr>
+      <p:sp>
+        <p:nvSpPr>
+          <p:cNvPr id="2" name="スライド イメージ プレースホルダー 1"/>
+          <p:cNvSpPr>
+            <a:spLocks noGrp="1" noRot="1" noChangeAspect="1"/>
+          </p:cNvSpPr>
+          <p:nvPr>
+            <p:ph type="sldImg"/>
+          </p:nvPr>
+        </p:nvSpPr>
+        <p:spPr/>
+      </p:sp>
+      <p:sp>
+        <p:nvSpPr>
+          <p:cNvPr id="3" name="ノート プレースホルダー 2"/>
+          <p:cNvSpPr>
+            <a:spLocks noGrp="1"/>
+          </p:cNvSpPr>
+          <p:nvPr>
+            <p:ph type="body" idx="1"/>
+          </p:nvPr>
+        </p:nvSpPr>
+        <p:spPr/>
+        <p:txBody>
+          <a:bodyPr/>
+          <a:lstStyle/>
+          <a:p>
+            <a:r>
+              <a:rPr lang="ja-JP" altLang="en-US" dirty="0"/>
+              <a:t>なぜ</a:t>
+            </a:r>
+            <a:r>
+              <a:rPr lang="en-US" altLang="ja-JP" dirty="0"/>
+              <a:t>String</a:t>
+            </a:r>
+            <a:r>
+              <a:rPr lang="ja-JP" altLang="en-US" dirty="0"/>
+              <a:t>型は参照値を渡しているのに値渡しの動きを</a:t>
+            </a:r>
+            <a:r>
+              <a:rPr lang="ja-JP" altLang="en-US" dirty="0" err="1"/>
+              <a:t>するの</a:t>
+            </a:r>
+            <a:r>
+              <a:rPr lang="ja-JP" altLang="en-US" dirty="0"/>
+              <a:t>かとうことをここで説明したいと思います。</a:t>
+            </a:r>
+          </a:p>
+          <a:p>
+            <a:r>
+              <a:rPr lang="ja-JP" altLang="en-US" dirty="0"/>
+              <a:t>結論から言います。</a:t>
+            </a:r>
+          </a:p>
+          <a:p>
+            <a:r>
+              <a:rPr lang="en-US" altLang="ja-JP" dirty="0"/>
+              <a:t>String</a:t>
+            </a:r>
+            <a:r>
+              <a:rPr lang="ja-JP" altLang="en-US" dirty="0"/>
+              <a:t>型は値の変更を行うことが出来ません。</a:t>
+            </a:r>
+          </a:p>
+          <a:p>
+            <a:r>
+              <a:rPr lang="ja-JP" altLang="en-US" dirty="0" err="1"/>
+              <a:t>なので</a:t>
+            </a:r>
+            <a:r>
+              <a:rPr lang="ja-JP" altLang="en-US" dirty="0"/>
+              <a:t>値を変更する時は新しい領域を確保し、</a:t>
+            </a:r>
+          </a:p>
+          <a:p>
+            <a:r>
+              <a:rPr lang="ja-JP" altLang="en-US" dirty="0"/>
+              <a:t>新しい参照値になるため値渡しのような動きになります。</a:t>
+            </a:r>
+          </a:p>
+          <a:p>
+            <a:endParaRPr lang="ja-JP" altLang="en-US" dirty="0"/>
+          </a:p>
+          <a:p>
+            <a:r>
+              <a:rPr lang="en-US" altLang="ja-JP" dirty="0"/>
+              <a:t>1</a:t>
+            </a:r>
+          </a:p>
+          <a:p>
+            <a:r>
+              <a:rPr lang="en-US" altLang="ja-JP" dirty="0"/>
+              <a:t>2</a:t>
+            </a:r>
+          </a:p>
+          <a:p>
+            <a:r>
+              <a:rPr lang="en-US" altLang="ja-JP" dirty="0"/>
+              <a:t>3</a:t>
+            </a:r>
+          </a:p>
+          <a:p>
+            <a:r>
+              <a:rPr lang="en-US" altLang="ja-JP" dirty="0"/>
+              <a:t>4</a:t>
+            </a:r>
+          </a:p>
+          <a:p>
+            <a:r>
+              <a:rPr lang="en-US" altLang="ja-JP" dirty="0"/>
+              <a:t>5</a:t>
+            </a:r>
+          </a:p>
+          <a:p>
+            <a:r>
+              <a:rPr lang="en-US" altLang="ja-JP" dirty="0"/>
+              <a:t>6</a:t>
+            </a:r>
+          </a:p>
+          <a:p>
+            <a:r>
+              <a:rPr lang="en-US" altLang="ja-JP" dirty="0"/>
+              <a:t>7</a:t>
+            </a:r>
+          </a:p>
+          <a:p>
+            <a:r>
+              <a:rPr lang="en-US" altLang="ja-JP" dirty="0"/>
+              <a:t>8</a:t>
+            </a:r>
+          </a:p>
+          <a:p>
+            <a:r>
+              <a:rPr lang="en-US" altLang="ja-JP" dirty="0"/>
+              <a:t>9</a:t>
+            </a:r>
+          </a:p>
+          <a:p>
+            <a:r>
+              <a:rPr lang="en-US" altLang="ja-JP" dirty="0"/>
+              <a:t>10</a:t>
+            </a:r>
+          </a:p>
+          <a:p>
+            <a:r>
+              <a:rPr lang="en-US" altLang="ja-JP" dirty="0"/>
+              <a:t>11</a:t>
+            </a:r>
+          </a:p>
+          <a:p>
+            <a:r>
+              <a:rPr lang="en-US" altLang="ja-JP" dirty="0"/>
+              <a:t>12</a:t>
+            </a:r>
+          </a:p>
+          <a:p>
+            <a:r>
+              <a:rPr lang="en-US" altLang="ja-JP" dirty="0"/>
+              <a:t>13</a:t>
+            </a:r>
+          </a:p>
+          <a:p>
+            <a:r>
+              <a:rPr lang="en-US" altLang="ja-JP" dirty="0"/>
+              <a:t>14</a:t>
+            </a:r>
+          </a:p>
+          <a:p>
+            <a:endParaRPr lang="en-US" altLang="ja-JP" dirty="0"/>
+          </a:p>
+          <a:p>
+            <a:r>
+              <a:rPr lang="ja-JP" altLang="en-US" dirty="0"/>
+              <a:t>これを参照渡しと呼ぶのか値渡しと呼ぶのかは別れる部分であるのでここでは</a:t>
+            </a:r>
+            <a:endParaRPr kumimoji="1" lang="ja-JP" altLang="en-US" dirty="0"/>
+          </a:p>
+        </p:txBody>
+      </p:sp>
+      <p:sp>
+        <p:nvSpPr>
+          <p:cNvPr id="4" name="スライド番号プレースホルダー 3"/>
+          <p:cNvSpPr>
+            <a:spLocks noGrp="1"/>
+          </p:cNvSpPr>
+          <p:nvPr>
+            <p:ph type="sldNum" sz="quarter" idx="10"/>
+          </p:nvPr>
+        </p:nvSpPr>
+        <p:spPr/>
+        <p:txBody>
+          <a:bodyPr/>
+          <a:lstStyle/>
+          <a:p>
+            <a:fld id="{CBF5BE68-8646-425B-8286-811A612EA33E}" type="slidenum">
+              <a:rPr kumimoji="1" lang="ja-JP" altLang="en-US" smtClean="0"/>
+              <a:t>5</a:t>
+            </a:fld>
+            <a:endParaRPr kumimoji="1" lang="ja-JP" altLang="en-US"/>
+          </a:p>
+        </p:txBody>
+      </p:sp>
+    </p:spTree>
+    <p:extLst>
+      <p:ext uri="{BB962C8B-B14F-4D97-AF65-F5344CB8AC3E}">
+        <p14:creationId xmlns:p14="http://schemas.microsoft.com/office/powerpoint/2010/main" val="3380586277"/>
+      </p:ext>
+    </p:extLst>
+  </p:cSld>
+  <p:clrMapOvr>
+    <a:masterClrMapping/>
+  </p:clrMapOvr>
+</p:notes>
+</file>
+
+<file path=ppt/notesSlides/notesSlide6.xml><?xml version="1.0" encoding="utf-8"?>
+<p:notes xmlns:a="http://schemas.openxmlformats.org/drawingml/2006/main" xmlns:r="http://schemas.openxmlformats.org/officeDocument/2006/relationships" xmlns:p="http://schemas.openxmlformats.org/presentationml/2006/main">
+  <p:cSld>
+    <p:spTree>
+      <p:nvGrpSpPr>
+        <p:cNvPr id="1" name=""/>
+        <p:cNvGrpSpPr/>
+        <p:nvPr/>
+      </p:nvGrpSpPr>
+      <p:grpSpPr>
+        <a:xfrm>
+          <a:off x="0" y="0"/>
+          <a:ext cx="0" cy="0"/>
+          <a:chOff x="0" y="0"/>
+          <a:chExt cx="0" cy="0"/>
+        </a:xfrm>
+      </p:grpSpPr>
+      <p:sp>
+        <p:nvSpPr>
+          <p:cNvPr id="2" name="スライド イメージ プレースホルダー 1"/>
+          <p:cNvSpPr>
+            <a:spLocks noGrp="1" noRot="1" noChangeAspect="1"/>
+          </p:cNvSpPr>
+          <p:nvPr>
+            <p:ph type="sldImg"/>
+          </p:nvPr>
+        </p:nvSpPr>
+        <p:spPr/>
+      </p:sp>
+      <p:sp>
+        <p:nvSpPr>
+          <p:cNvPr id="3" name="ノート プレースホルダー 2"/>
+          <p:cNvSpPr>
+            <a:spLocks noGrp="1"/>
+          </p:cNvSpPr>
+          <p:nvPr>
+            <p:ph type="body" idx="1"/>
+          </p:nvPr>
+        </p:nvSpPr>
+        <p:spPr/>
+        <p:txBody>
+          <a:bodyPr/>
+          <a:lstStyle/>
+          <a:p>
+            <a:endParaRPr kumimoji="1" lang="ja-JP" altLang="en-US"/>
+          </a:p>
+        </p:txBody>
+      </p:sp>
+      <p:sp>
+        <p:nvSpPr>
+          <p:cNvPr id="4" name="スライド番号プレースホルダー 3"/>
+          <p:cNvSpPr>
+            <a:spLocks noGrp="1"/>
+          </p:cNvSpPr>
+          <p:nvPr>
+            <p:ph type="sldNum" sz="quarter" idx="10"/>
+          </p:nvPr>
+        </p:nvSpPr>
+        <p:spPr/>
+        <p:txBody>
+          <a:bodyPr/>
+          <a:lstStyle/>
+          <a:p>
+            <a:fld id="{CBF5BE68-8646-425B-8286-811A612EA33E}" type="slidenum">
+              <a:rPr kumimoji="1" lang="ja-JP" altLang="en-US" smtClean="0"/>
+              <a:t>6</a:t>
+            </a:fld>
+            <a:endParaRPr kumimoji="1" lang="ja-JP" altLang="en-US"/>
+          </a:p>
+        </p:txBody>
+      </p:sp>
+    </p:spTree>
+    <p:extLst>
+      <p:ext uri="{BB962C8B-B14F-4D97-AF65-F5344CB8AC3E}">
+        <p14:creationId xmlns:p14="http://schemas.microsoft.com/office/powerpoint/2010/main" val="2642989754"/>
+      </p:ext>
+    </p:extLst>
+  </p:cSld>
+  <p:clrMapOvr>
+    <a:masterClrMapping/>
+  </p:clrMapOvr>
+</p:notes>
+</file>
+
+<file path=ppt/notesSlides/notesSlide7.xml><?xml version="1.0" encoding="utf-8"?>
+<p:notes xmlns:a="http://schemas.openxmlformats.org/drawingml/2006/main" xmlns:r="http://schemas.openxmlformats.org/officeDocument/2006/relationships" xmlns:p="http://schemas.openxmlformats.org/presentationml/2006/main">
+  <p:cSld>
+    <p:spTree>
+      <p:nvGrpSpPr>
+        <p:cNvPr id="1" name=""/>
+        <p:cNvGrpSpPr/>
+        <p:nvPr/>
+      </p:nvGrpSpPr>
+      <p:grpSpPr>
+        <a:xfrm>
+          <a:off x="0" y="0"/>
+          <a:ext cx="0" cy="0"/>
+          <a:chOff x="0" y="0"/>
+          <a:chExt cx="0" cy="0"/>
+        </a:xfrm>
+      </p:grpSpPr>
+      <p:sp>
+        <p:nvSpPr>
+          <p:cNvPr id="2" name="スライド イメージ プレースホルダー 1"/>
+          <p:cNvSpPr>
+            <a:spLocks noGrp="1" noRot="1" noChangeAspect="1"/>
+          </p:cNvSpPr>
+          <p:nvPr>
+            <p:ph type="sldImg"/>
+          </p:nvPr>
+        </p:nvSpPr>
+        <p:spPr/>
+      </p:sp>
+      <p:sp>
+        <p:nvSpPr>
+          <p:cNvPr id="3" name="ノート プレースホルダー 2"/>
+          <p:cNvSpPr>
+            <a:spLocks noGrp="1"/>
+          </p:cNvSpPr>
+          <p:nvPr>
+            <p:ph type="body" idx="1"/>
+          </p:nvPr>
+        </p:nvSpPr>
+        <p:spPr/>
+        <p:txBody>
+          <a:bodyPr/>
+          <a:lstStyle/>
+          <a:p>
+            <a:r>
+              <a:rPr kumimoji="1" lang="ja-JP" altLang="en-US" dirty="0"/>
+              <a:t>電話を取るのもでるのも苦手だった。</a:t>
+            </a:r>
+            <a:endParaRPr kumimoji="1" lang="en-US" altLang="ja-JP" dirty="0"/>
+          </a:p>
+          <a:p>
+            <a:r>
+              <a:rPr kumimoji="1" lang="ja-JP" altLang="en-US" dirty="0"/>
+              <a:t>サポセン電話</a:t>
+            </a:r>
+            <a:endParaRPr kumimoji="1" lang="en-US" altLang="ja-JP" dirty="0"/>
+          </a:p>
+          <a:p>
+            <a:endParaRPr kumimoji="1" lang="ja-JP" altLang="en-US" dirty="0"/>
           </a:p>
         </p:txBody>
       </p:sp>
@@ -997,6 +1468,174 @@
             <a:fld id="{CBF5BE68-8646-425B-8286-811A612EA33E}" type="slidenum">
               <a:rPr kumimoji="1" lang="ja-JP" altLang="en-US" smtClean="0"/>
               <a:t>7</a:t>
+            </a:fld>
+            <a:endParaRPr kumimoji="1" lang="ja-JP" altLang="en-US"/>
+          </a:p>
+        </p:txBody>
+      </p:sp>
+    </p:spTree>
+    <p:extLst>
+      <p:ext uri="{BB962C8B-B14F-4D97-AF65-F5344CB8AC3E}">
+        <p14:creationId xmlns:p14="http://schemas.microsoft.com/office/powerpoint/2010/main" val="1605302921"/>
+      </p:ext>
+    </p:extLst>
+  </p:cSld>
+  <p:clrMapOvr>
+    <a:masterClrMapping/>
+  </p:clrMapOvr>
+</p:notes>
+</file>
+
+<file path=ppt/notesSlides/notesSlide8.xml><?xml version="1.0" encoding="utf-8"?>
+<p:notes xmlns:a="http://schemas.openxmlformats.org/drawingml/2006/main" xmlns:r="http://schemas.openxmlformats.org/officeDocument/2006/relationships" xmlns:p="http://schemas.openxmlformats.org/presentationml/2006/main">
+  <p:cSld>
+    <p:spTree>
+      <p:nvGrpSpPr>
+        <p:cNvPr id="1" name=""/>
+        <p:cNvGrpSpPr/>
+        <p:nvPr/>
+      </p:nvGrpSpPr>
+      <p:grpSpPr>
+        <a:xfrm>
+          <a:off x="0" y="0"/>
+          <a:ext cx="0" cy="0"/>
+          <a:chOff x="0" y="0"/>
+          <a:chExt cx="0" cy="0"/>
+        </a:xfrm>
+      </p:grpSpPr>
+      <p:sp>
+        <p:nvSpPr>
+          <p:cNvPr id="2" name="スライド イメージ プレースホルダー 1"/>
+          <p:cNvSpPr>
+            <a:spLocks noGrp="1" noRot="1" noChangeAspect="1"/>
+          </p:cNvSpPr>
+          <p:nvPr>
+            <p:ph type="sldImg"/>
+          </p:nvPr>
+        </p:nvSpPr>
+        <p:spPr/>
+      </p:sp>
+      <p:sp>
+        <p:nvSpPr>
+          <p:cNvPr id="3" name="ノート プレースホルダー 2"/>
+          <p:cNvSpPr>
+            <a:spLocks noGrp="1"/>
+          </p:cNvSpPr>
+          <p:nvPr>
+            <p:ph type="body" idx="1"/>
+          </p:nvPr>
+        </p:nvSpPr>
+        <p:spPr/>
+        <p:txBody>
+          <a:bodyPr/>
+          <a:lstStyle/>
+          <a:p>
+            <a:endParaRPr kumimoji="1" lang="ja-JP" altLang="en-US"/>
+          </a:p>
+        </p:txBody>
+      </p:sp>
+      <p:sp>
+        <p:nvSpPr>
+          <p:cNvPr id="4" name="スライド番号プレースホルダー 3"/>
+          <p:cNvSpPr>
+            <a:spLocks noGrp="1"/>
+          </p:cNvSpPr>
+          <p:nvPr>
+            <p:ph type="sldNum" sz="quarter" idx="10"/>
+          </p:nvPr>
+        </p:nvSpPr>
+        <p:spPr/>
+        <p:txBody>
+          <a:bodyPr/>
+          <a:lstStyle/>
+          <a:p>
+            <a:fld id="{CBF5BE68-8646-425B-8286-811A612EA33E}" type="slidenum">
+              <a:rPr kumimoji="1" lang="ja-JP" altLang="en-US" smtClean="0"/>
+              <a:t>8</a:t>
+            </a:fld>
+            <a:endParaRPr kumimoji="1" lang="ja-JP" altLang="en-US"/>
+          </a:p>
+        </p:txBody>
+      </p:sp>
+    </p:spTree>
+    <p:extLst>
+      <p:ext uri="{BB962C8B-B14F-4D97-AF65-F5344CB8AC3E}">
+        <p14:creationId xmlns:p14="http://schemas.microsoft.com/office/powerpoint/2010/main" val="3295397735"/>
+      </p:ext>
+    </p:extLst>
+  </p:cSld>
+  <p:clrMapOvr>
+    <a:masterClrMapping/>
+  </p:clrMapOvr>
+</p:notes>
+</file>
+
+<file path=ppt/notesSlides/notesSlide9.xml><?xml version="1.0" encoding="utf-8"?>
+<p:notes xmlns:a="http://schemas.openxmlformats.org/drawingml/2006/main" xmlns:r="http://schemas.openxmlformats.org/officeDocument/2006/relationships" xmlns:p="http://schemas.openxmlformats.org/presentationml/2006/main">
+  <p:cSld>
+    <p:spTree>
+      <p:nvGrpSpPr>
+        <p:cNvPr id="1" name=""/>
+        <p:cNvGrpSpPr/>
+        <p:nvPr/>
+      </p:nvGrpSpPr>
+      <p:grpSpPr>
+        <a:xfrm>
+          <a:off x="0" y="0"/>
+          <a:ext cx="0" cy="0"/>
+          <a:chOff x="0" y="0"/>
+          <a:chExt cx="0" cy="0"/>
+        </a:xfrm>
+      </p:grpSpPr>
+      <p:sp>
+        <p:nvSpPr>
+          <p:cNvPr id="2" name="スライド イメージ プレースホルダー 1"/>
+          <p:cNvSpPr>
+            <a:spLocks noGrp="1" noRot="1" noChangeAspect="1"/>
+          </p:cNvSpPr>
+          <p:nvPr>
+            <p:ph type="sldImg"/>
+          </p:nvPr>
+        </p:nvSpPr>
+        <p:spPr/>
+      </p:sp>
+      <p:sp>
+        <p:nvSpPr>
+          <p:cNvPr id="3" name="ノート プレースホルダー 2"/>
+          <p:cNvSpPr>
+            <a:spLocks noGrp="1"/>
+          </p:cNvSpPr>
+          <p:nvPr>
+            <p:ph type="body" idx="1"/>
+          </p:nvPr>
+        </p:nvSpPr>
+        <p:spPr/>
+        <p:txBody>
+          <a:bodyPr/>
+          <a:lstStyle/>
+          <a:p>
+            <a:endParaRPr kumimoji="1" lang="ja-JP" altLang="en-US"/>
+          </a:p>
+        </p:txBody>
+      </p:sp>
+      <p:sp>
+        <p:nvSpPr>
+          <p:cNvPr id="4" name="スライド番号プレースホルダー 3"/>
+          <p:cNvSpPr>
+            <a:spLocks noGrp="1"/>
+          </p:cNvSpPr>
+          <p:nvPr>
+            <p:ph type="sldNum" sz="quarter" idx="10"/>
+          </p:nvPr>
+        </p:nvSpPr>
+        <p:spPr/>
+        <p:txBody>
+          <a:bodyPr/>
+          <a:lstStyle/>
+          <a:p>
+            <a:fld id="{CBF5BE68-8646-425B-8286-811A612EA33E}" type="slidenum">
+              <a:rPr kumimoji="1" lang="ja-JP" altLang="en-US" smtClean="0"/>
+              <a:t>9</a:t>
             </a:fld>
             <a:endParaRPr kumimoji="1" lang="ja-JP" altLang="en-US"/>
           </a:p>
@@ -1241,7 +1880,7 @@
           <a:p>
             <a:fld id="{B42B6356-61B0-499F-8F57-1A8B98A92062}" type="datetime1">
               <a:rPr lang="en-US" altLang="ja-JP" smtClean="0"/>
-              <a:t>4/28/2017</a:t>
+              <a:t>4/29/2017</a:t>
             </a:fld>
             <a:endParaRPr lang="en-US" dirty="0"/>
           </a:p>
@@ -1481,7 +2120,7 @@
           <a:p>
             <a:fld id="{6DBE768B-FE97-49B7-A90C-9A232A0EF449}" type="datetime1">
               <a:rPr lang="en-US" altLang="ja-JP" smtClean="0"/>
-              <a:t>4/28/2017</a:t>
+              <a:t>4/29/2017</a:t>
             </a:fld>
             <a:endParaRPr lang="en-US" dirty="0"/>
           </a:p>
@@ -1769,7 +2408,7 @@
           <a:p>
             <a:fld id="{E8B07D8F-D3FF-4F48-AE6B-7E1A73427EC2}" type="datetime1">
               <a:rPr lang="en-US" altLang="ja-JP" smtClean="0"/>
-              <a:t>4/28/2017</a:t>
+              <a:t>4/29/2017</a:t>
             </a:fld>
             <a:endParaRPr lang="en-US" dirty="0"/>
           </a:p>
@@ -1887,67 +2526,67 @@
           <a:p>
             <a:pPr lvl="0"/>
             <a:r>
-              <a:rPr lang="ja-JP" altLang="en-US"/>
+              <a:rPr lang="ja-JP" altLang="en-US" dirty="0"/>
               <a:t>マスター テキストの書式設定</a:t>
             </a:r>
           </a:p>
           <a:p>
             <a:pPr lvl="1"/>
             <a:r>
-              <a:rPr lang="ja-JP" altLang="en-US"/>
+              <a:rPr lang="ja-JP" altLang="en-US" dirty="0"/>
               <a:t>第 </a:t>
             </a:r>
             <a:r>
-              <a:rPr lang="en-US" altLang="ja-JP"/>
+              <a:rPr lang="en-US" altLang="ja-JP" dirty="0"/>
               <a:t>2 </a:t>
             </a:r>
             <a:r>
-              <a:rPr lang="ja-JP" altLang="en-US"/>
+              <a:rPr lang="ja-JP" altLang="en-US" dirty="0"/>
               <a:t>レベル</a:t>
             </a:r>
           </a:p>
           <a:p>
             <a:pPr lvl="2"/>
             <a:r>
-              <a:rPr lang="ja-JP" altLang="en-US"/>
+              <a:rPr lang="ja-JP" altLang="en-US" dirty="0"/>
               <a:t>第 </a:t>
             </a:r>
             <a:r>
-              <a:rPr lang="en-US" altLang="ja-JP"/>
+              <a:rPr lang="en-US" altLang="ja-JP" dirty="0"/>
               <a:t>3 </a:t>
             </a:r>
             <a:r>
-              <a:rPr lang="ja-JP" altLang="en-US"/>
+              <a:rPr lang="ja-JP" altLang="en-US" dirty="0"/>
               <a:t>レベル</a:t>
             </a:r>
           </a:p>
           <a:p>
             <a:pPr lvl="3"/>
             <a:r>
-              <a:rPr lang="ja-JP" altLang="en-US"/>
+              <a:rPr lang="ja-JP" altLang="en-US" dirty="0"/>
               <a:t>第 </a:t>
             </a:r>
             <a:r>
-              <a:rPr lang="en-US" altLang="ja-JP"/>
+              <a:rPr lang="en-US" altLang="ja-JP" dirty="0"/>
               <a:t>4 </a:t>
             </a:r>
             <a:r>
-              <a:rPr lang="ja-JP" altLang="en-US"/>
+              <a:rPr lang="ja-JP" altLang="en-US" dirty="0"/>
               <a:t>レベル</a:t>
             </a:r>
           </a:p>
           <a:p>
             <a:pPr lvl="4"/>
             <a:r>
-              <a:rPr lang="ja-JP" altLang="en-US"/>
+              <a:rPr lang="ja-JP" altLang="en-US" dirty="0"/>
               <a:t>第 </a:t>
             </a:r>
             <a:r>
-              <a:rPr lang="en-US" altLang="ja-JP"/>
+              <a:rPr lang="en-US" altLang="ja-JP" dirty="0"/>
               <a:t>5 </a:t>
             </a:r>
             <a:r>
-              <a:rPr lang="ja-JP" altLang="en-US"/>
+              <a:rPr lang="ja-JP" altLang="en-US" dirty="0"/>
               <a:t>レベル</a:t>
             </a:r>
             <a:endParaRPr lang="en-US" dirty="0"/>
@@ -1971,7 +2610,7 @@
           <a:p>
             <a:fld id="{D3AF2997-750D-43CC-ABE3-CA9AECF246AB}" type="datetime1">
               <a:rPr lang="en-US" altLang="ja-JP" smtClean="0"/>
-              <a:t>4/28/2017</a:t>
+              <a:t>4/29/2017</a:t>
             </a:fld>
             <a:endParaRPr lang="en-US" dirty="0"/>
           </a:p>
@@ -2319,7 +2958,7 @@
           <a:p>
             <a:fld id="{2DAAEF50-F8F0-4D65-924D-E9EDB2E94BAA}" type="datetime1">
               <a:rPr lang="en-US" altLang="ja-JP" smtClean="0"/>
-              <a:t>4/28/2017</a:t>
+              <a:t>4/29/2017</a:t>
             </a:fld>
             <a:endParaRPr lang="en-US" dirty="0"/>
           </a:p>
@@ -2658,7 +3297,7 @@
           <a:p>
             <a:fld id="{7DD4AF03-3104-49E1-A055-F9CBA41F00F3}" type="datetime1">
               <a:rPr lang="en-US" altLang="ja-JP" smtClean="0"/>
-              <a:t>4/28/2017</a:t>
+              <a:t>4/29/2017</a:t>
             </a:fld>
             <a:endParaRPr lang="en-US" dirty="0"/>
           </a:p>
@@ -3101,7 +3740,7 @@
           <a:p>
             <a:fld id="{FF0D45FE-C881-4969-81BF-4DDAEA6F97A5}" type="datetime1">
               <a:rPr lang="en-US" altLang="ja-JP" smtClean="0"/>
-              <a:t>4/28/2017</a:t>
+              <a:t>4/29/2017</a:t>
             </a:fld>
             <a:endParaRPr lang="en-US" dirty="0"/>
           </a:p>
@@ -3219,7 +3858,7 @@
           <a:p>
             <a:fld id="{D6D8704D-D75A-45B8-97A4-3FFFBB438CF2}" type="datetime1">
               <a:rPr lang="en-US" altLang="ja-JP" smtClean="0"/>
-              <a:t>4/28/2017</a:t>
+              <a:t>4/29/2017</a:t>
             </a:fld>
             <a:endParaRPr lang="en-US" dirty="0"/>
           </a:p>
@@ -3390,7 +4029,7 @@
           <a:p>
             <a:fld id="{8A0E49A1-99DF-4A10-8920-595A2673E1EE}" type="datetime1">
               <a:rPr lang="en-US" altLang="ja-JP" smtClean="0"/>
-              <a:t>4/28/2017</a:t>
+              <a:t>4/29/2017</a:t>
             </a:fld>
             <a:endParaRPr lang="en-US" dirty="0"/>
           </a:p>
@@ -3781,7 +4420,7 @@
           <a:p>
             <a:fld id="{D682D3D4-45B3-4DAE-8940-E75B8FB01BBA}" type="datetime1">
               <a:rPr lang="en-US" altLang="ja-JP" smtClean="0"/>
-              <a:t>4/28/2017</a:t>
+              <a:t>4/29/2017</a:t>
             </a:fld>
             <a:endParaRPr lang="en-US" dirty="0"/>
           </a:p>
@@ -4159,7 +4798,7 @@
           <a:p>
             <a:fld id="{BB63FF05-AB67-4E88-966A-A9F6731CB903}" type="datetime1">
               <a:rPr lang="en-US" altLang="ja-JP" smtClean="0"/>
-              <a:t>4/28/2017</a:t>
+              <a:t>4/29/2017</a:t>
             </a:fld>
             <a:endParaRPr lang="en-US" dirty="0"/>
           </a:p>
@@ -4478,7 +5117,7 @@
           <a:p>
             <a:fld id="{5F0311A2-7FB0-43E3-88DA-9E4233BFA6E0}" type="datetime1">
               <a:rPr lang="en-US" altLang="ja-JP" smtClean="0"/>
-              <a:t>4/28/2017</a:t>
+              <a:t>4/29/2017</a:t>
             </a:fld>
             <a:endParaRPr lang="en-US" dirty="0"/>
           </a:p>
@@ -5069,6 +5708,218 @@
 </p:sld>
 </file>
 
+<file path=ppt/slides/slide10.xml><?xml version="1.0" encoding="utf-8"?>
+<p:sld xmlns:a="http://schemas.openxmlformats.org/drawingml/2006/main" xmlns:r="http://schemas.openxmlformats.org/officeDocument/2006/relationships" xmlns:p="http://schemas.openxmlformats.org/presentationml/2006/main">
+  <p:cSld>
+    <p:spTree>
+      <p:nvGrpSpPr>
+        <p:cNvPr id="1" name=""/>
+        <p:cNvGrpSpPr/>
+        <p:nvPr/>
+      </p:nvGrpSpPr>
+      <p:grpSpPr>
+        <a:xfrm>
+          <a:off x="0" y="0"/>
+          <a:ext cx="0" cy="0"/>
+          <a:chOff x="0" y="0"/>
+          <a:chExt cx="0" cy="0"/>
+        </a:xfrm>
+      </p:grpSpPr>
+      <p:sp>
+        <p:nvSpPr>
+          <p:cNvPr id="2" name="タイトル 1"/>
+          <p:cNvSpPr>
+            <a:spLocks noGrp="1"/>
+          </p:cNvSpPr>
+          <p:nvPr>
+            <p:ph type="title"/>
+          </p:nvPr>
+        </p:nvSpPr>
+        <p:spPr/>
+        <p:txBody>
+          <a:bodyPr/>
+          <a:lstStyle/>
+          <a:p>
+            <a:r>
+              <a:rPr kumimoji="1" lang="ja-JP" altLang="en-US" dirty="0"/>
+              <a:t>次に</a:t>
+            </a:r>
+            <a:r>
+              <a:rPr lang="ja-JP" altLang="en-US" dirty="0"/>
+              <a:t>生かすこと</a:t>
+            </a:r>
+            <a:endParaRPr kumimoji="1" lang="ja-JP" altLang="en-US" dirty="0"/>
+          </a:p>
+        </p:txBody>
+      </p:sp>
+      <p:sp>
+        <p:nvSpPr>
+          <p:cNvPr id="3" name="コンテンツ プレースホルダー 2"/>
+          <p:cNvSpPr>
+            <a:spLocks noGrp="1"/>
+          </p:cNvSpPr>
+          <p:nvPr>
+            <p:ph idx="1"/>
+          </p:nvPr>
+        </p:nvSpPr>
+        <p:spPr/>
+        <p:txBody>
+          <a:bodyPr/>
+          <a:lstStyle/>
+          <a:p>
+            <a:endParaRPr kumimoji="1" lang="en-US" altLang="ja-JP" dirty="0"/>
+          </a:p>
+          <a:p>
+            <a:pPr>
+              <a:buFont typeface="Wingdings" panose="05000000000000000000" pitchFamily="2" charset="2"/>
+              <a:buChar char="l"/>
+            </a:pPr>
+            <a:r>
+              <a:rPr lang="ja-JP" altLang="en-US" sz="2800" dirty="0"/>
+              <a:t>　日記を書く</a:t>
+            </a:r>
+            <a:endParaRPr lang="en-US" altLang="ja-JP" sz="2800" dirty="0"/>
+          </a:p>
+          <a:p>
+            <a:pPr>
+              <a:buFont typeface="Wingdings" panose="05000000000000000000" pitchFamily="2" charset="2"/>
+              <a:buChar char="l"/>
+            </a:pPr>
+            <a:endParaRPr kumimoji="1" lang="en-US" altLang="ja-JP" sz="2800" dirty="0"/>
+          </a:p>
+          <a:p>
+            <a:pPr>
+              <a:buFont typeface="Wingdings" panose="05000000000000000000" pitchFamily="2" charset="2"/>
+              <a:buChar char="l"/>
+            </a:pPr>
+            <a:r>
+              <a:rPr lang="ja-JP" altLang="en-US" sz="2800" dirty="0"/>
+              <a:t>　オブジェクト指向の本を読む</a:t>
+            </a:r>
+            <a:endParaRPr kumimoji="1" lang="ja-JP" altLang="en-US" sz="2800" dirty="0"/>
+          </a:p>
+        </p:txBody>
+      </p:sp>
+      <p:sp>
+        <p:nvSpPr>
+          <p:cNvPr id="4" name="スライド番号プレースホルダー 3"/>
+          <p:cNvSpPr>
+            <a:spLocks noGrp="1"/>
+          </p:cNvSpPr>
+          <p:nvPr>
+            <p:ph type="sldNum" sz="quarter" idx="12"/>
+          </p:nvPr>
+        </p:nvSpPr>
+        <p:spPr/>
+        <p:txBody>
+          <a:bodyPr/>
+          <a:lstStyle/>
+          <a:p>
+            <a:fld id="{4CE482DC-2269-4F26-9D2A-7E44B1A4CD85}" type="slidenum">
+              <a:rPr lang="en-US" smtClean="0"/>
+              <a:pPr/>
+              <a:t>9</a:t>
+            </a:fld>
+            <a:endParaRPr lang="en-US" dirty="0"/>
+          </a:p>
+        </p:txBody>
+      </p:sp>
+    </p:spTree>
+    <p:extLst>
+      <p:ext uri="{BB962C8B-B14F-4D97-AF65-F5344CB8AC3E}">
+        <p14:creationId xmlns:p14="http://schemas.microsoft.com/office/powerpoint/2010/main" val="3932478208"/>
+      </p:ext>
+    </p:extLst>
+  </p:cSld>
+  <p:clrMapOvr>
+    <a:masterClrMapping/>
+  </p:clrMapOvr>
+</p:sld>
+</file>
+
+<file path=ppt/slides/slide11.xml><?xml version="1.0" encoding="utf-8"?>
+<p:sld xmlns:a="http://schemas.openxmlformats.org/drawingml/2006/main" xmlns:r="http://schemas.openxmlformats.org/officeDocument/2006/relationships" xmlns:p="http://schemas.openxmlformats.org/presentationml/2006/main">
+  <p:cSld>
+    <p:spTree>
+      <p:nvGrpSpPr>
+        <p:cNvPr id="1" name=""/>
+        <p:cNvGrpSpPr/>
+        <p:nvPr/>
+      </p:nvGrpSpPr>
+      <p:grpSpPr>
+        <a:xfrm>
+          <a:off x="0" y="0"/>
+          <a:ext cx="0" cy="0"/>
+          <a:chOff x="0" y="0"/>
+          <a:chExt cx="0" cy="0"/>
+        </a:xfrm>
+      </p:grpSpPr>
+      <p:sp>
+        <p:nvSpPr>
+          <p:cNvPr id="5" name="テキスト ボックス 4"/>
+          <p:cNvSpPr txBox="1"/>
+          <p:nvPr/>
+        </p:nvSpPr>
+        <p:spPr>
+          <a:xfrm>
+            <a:off x="1694576" y="2726422"/>
+            <a:ext cx="8819626" cy="923330"/>
+          </a:xfrm>
+          <a:prstGeom prst="rect">
+            <a:avLst/>
+          </a:prstGeom>
+          <a:noFill/>
+        </p:spPr>
+        <p:txBody>
+          <a:bodyPr wrap="square" rtlCol="0">
+            <a:spAutoFit/>
+          </a:bodyPr>
+          <a:lstStyle/>
+          <a:p>
+            <a:r>
+              <a:rPr kumimoji="1" lang="ja-JP" altLang="en-US" sz="5400" dirty="0"/>
+              <a:t>ご清聴ありがとうございました</a:t>
+            </a:r>
+          </a:p>
+        </p:txBody>
+      </p:sp>
+      <p:sp>
+        <p:nvSpPr>
+          <p:cNvPr id="6" name="スライド番号プレースホルダー 5"/>
+          <p:cNvSpPr>
+            <a:spLocks noGrp="1"/>
+          </p:cNvSpPr>
+          <p:nvPr>
+            <p:ph type="sldNum" sz="quarter" idx="12"/>
+          </p:nvPr>
+        </p:nvSpPr>
+        <p:spPr/>
+        <p:txBody>
+          <a:bodyPr/>
+          <a:lstStyle/>
+          <a:p>
+            <a:fld id="{4FAB73BC-B049-4115-A692-8D63A059BFB8}" type="slidenum">
+              <a:rPr lang="en-US" smtClean="0"/>
+              <a:pPr/>
+              <a:t>10</a:t>
+            </a:fld>
+            <a:endParaRPr lang="en-US" dirty="0"/>
+          </a:p>
+        </p:txBody>
+      </p:sp>
+    </p:spTree>
+    <p:extLst>
+      <p:ext uri="{BB962C8B-B14F-4D97-AF65-F5344CB8AC3E}">
+        <p14:creationId xmlns:p14="http://schemas.microsoft.com/office/powerpoint/2010/main" val="3716417010"/>
+      </p:ext>
+    </p:extLst>
+  </p:cSld>
+  <p:clrMapOvr>
+    <a:masterClrMapping/>
+  </p:clrMapOvr>
+</p:sld>
+</file>
+
 <file path=ppt/slides/slide2.xml><?xml version="1.0" encoding="utf-8"?>
 <p:sld xmlns:a="http://schemas.openxmlformats.org/drawingml/2006/main" xmlns:r="http://schemas.openxmlformats.org/officeDocument/2006/relationships" xmlns:p="http://schemas.openxmlformats.org/presentationml/2006/main">
   <p:cSld>
@@ -5088,7 +5939,7 @@
       </p:grpSpPr>
       <p:sp>
         <p:nvSpPr>
-          <p:cNvPr id="2" name="タイトル 1"/>
+          <p:cNvPr id="9" name="タイトル 8"/>
           <p:cNvSpPr>
             <a:spLocks noGrp="1"/>
           </p:cNvSpPr>
@@ -5103,14 +5954,14 @@
           <a:p>
             <a:r>
               <a:rPr kumimoji="1" lang="ja-JP" altLang="en-US" dirty="0"/>
-              <a:t>アジェンダ</a:t>
-            </a:r>
-          </a:p>
-        </p:txBody>
-      </p:sp>
-      <p:sp>
-        <p:nvSpPr>
-          <p:cNvPr id="3" name="コンテンツ プレースホルダー 2"/>
+              <a:t>得たこと</a:t>
+            </a:r>
+          </a:p>
+        </p:txBody>
+      </p:sp>
+      <p:sp>
+        <p:nvSpPr>
+          <p:cNvPr id="10" name="コンテンツ プレースホルダー 9"/>
           <p:cNvSpPr>
             <a:spLocks noGrp="1"/>
           </p:cNvSpPr>
@@ -5122,109 +5973,29 @@
         <p:txBody>
           <a:bodyPr/>
           <a:lstStyle/>
-          <a:p>
-            <a:pPr marL="457200" indent="-457200">
-              <a:buFont typeface="+mj-lt"/>
-              <a:buAutoNum type="arabicPeriod"/>
-            </a:pPr>
-            <a:endParaRPr lang="en-US" altLang="ja-JP" dirty="0"/>
-          </a:p>
-          <a:p>
-            <a:pPr marL="457200" indent="-457200">
-              <a:buFont typeface="+mj-lt"/>
-              <a:buAutoNum type="arabicPeriod"/>
-            </a:pPr>
-            <a:r>
-              <a:rPr lang="en-US" altLang="ja-JP" dirty="0"/>
-              <a:t>WBA</a:t>
-            </a:r>
-            <a:r>
-              <a:rPr lang="ja-JP" altLang="en-US" dirty="0"/>
-              <a:t>や木鶏会について</a:t>
-            </a:r>
-            <a:endParaRPr lang="en-US" altLang="ja-JP" dirty="0"/>
-          </a:p>
-          <a:p>
-            <a:pPr marL="457200" indent="-457200">
-              <a:buFont typeface="+mj-lt"/>
-              <a:buAutoNum type="arabicPeriod"/>
-            </a:pPr>
-            <a:r>
-              <a:rPr lang="ja-JP" altLang="en-US" dirty="0"/>
-              <a:t>輪講について</a:t>
-            </a:r>
-            <a:endParaRPr lang="en-US" altLang="ja-JP" dirty="0"/>
-          </a:p>
-          <a:p>
-            <a:pPr marL="457200" indent="-457200">
-              <a:buFont typeface="+mj-lt"/>
-              <a:buAutoNum type="arabicPeriod"/>
-            </a:pPr>
-            <a:r>
-              <a:rPr lang="ja-JP" altLang="en-US" dirty="0"/>
-              <a:t>最終課題について</a:t>
-            </a:r>
-            <a:endParaRPr lang="en-US" altLang="ja-JP" dirty="0"/>
-          </a:p>
-          <a:p>
-            <a:pPr marL="457200" indent="-457200">
-              <a:buFont typeface="+mj-lt"/>
-              <a:buAutoNum type="arabicPeriod"/>
-            </a:pPr>
-            <a:r>
-              <a:rPr lang="ja-JP" altLang="en-US" dirty="0"/>
-              <a:t>得たこと</a:t>
-            </a:r>
-            <a:endParaRPr lang="en-US" altLang="ja-JP" dirty="0"/>
-          </a:p>
-          <a:p>
-            <a:pPr marL="457200" indent="-457200">
-              <a:buFont typeface="+mj-lt"/>
-              <a:buAutoNum type="arabicPeriod"/>
-            </a:pPr>
-            <a:r>
-              <a:rPr lang="ja-JP" altLang="en-US" dirty="0"/>
-              <a:t>次に生かすこと</a:t>
-            </a:r>
-            <a:endParaRPr lang="en-US" altLang="ja-JP" dirty="0"/>
-          </a:p>
-          <a:p>
-            <a:pPr marL="457200" indent="-457200">
-              <a:buFont typeface="+mj-lt"/>
-              <a:buAutoNum type="arabicPeriod"/>
-            </a:pPr>
-            <a:endParaRPr lang="en-US" altLang="ja-JP" dirty="0"/>
-          </a:p>
-          <a:p>
-            <a:pPr marL="457200" indent="-457200">
-              <a:buFont typeface="+mj-lt"/>
-              <a:buAutoNum type="arabicPeriod"/>
-            </a:pPr>
-            <a:endParaRPr lang="en-US" altLang="ja-JP" dirty="0"/>
-          </a:p>
           <a:p>
             <a:pPr marL="0" indent="0">
               <a:buNone/>
             </a:pPr>
-            <a:endParaRPr lang="en-US" altLang="ja-JP" dirty="0"/>
-          </a:p>
-          <a:p>
-            <a:pPr marL="0" indent="0">
-              <a:buNone/>
+            <a:endParaRPr lang="en-US" altLang="ja-JP" sz="4800" dirty="0"/>
+          </a:p>
+          <a:p>
+            <a:pPr>
+              <a:buFont typeface="Wingdings" panose="05000000000000000000" pitchFamily="2" charset="2"/>
+              <a:buChar char="l"/>
             </a:pPr>
-            <a:endParaRPr lang="en-US" altLang="ja-JP" dirty="0"/>
-          </a:p>
-          <a:p>
-            <a:pPr marL="0" indent="0">
-              <a:buNone/>
+            <a:endParaRPr lang="en-US" altLang="ja-JP" sz="4800" dirty="0"/>
+          </a:p>
+          <a:p>
+            <a:pPr>
+              <a:buFont typeface="Wingdings" panose="05000000000000000000" pitchFamily="2" charset="2"/>
+              <a:buChar char="l"/>
             </a:pPr>
-            <a:endParaRPr kumimoji="1" lang="en-US" altLang="ja-JP" dirty="0"/>
-          </a:p>
-          <a:p>
-            <a:pPr marL="0" indent="0">
-              <a:buNone/>
-            </a:pPr>
-            <a:endParaRPr kumimoji="1" lang="ja-JP" altLang="en-US" dirty="0"/>
+            <a:r>
+              <a:rPr lang="ja-JP" altLang="en-US" sz="4800" dirty="0"/>
+              <a:t>　苦手な部分がはっきりした</a:t>
+            </a:r>
+            <a:endParaRPr lang="en-US" altLang="ja-JP" sz="4800" dirty="0"/>
           </a:p>
         </p:txBody>
       </p:sp>
@@ -5245,6 +6016,7 @@
           <a:p>
             <a:fld id="{4CE482DC-2269-4F26-9D2A-7E44B1A4CD85}" type="slidenum">
               <a:rPr lang="en-US" smtClean="0"/>
+              <a:pPr/>
               <a:t>1</a:t>
             </a:fld>
             <a:endParaRPr lang="en-US" dirty="0"/>
@@ -5254,7 +6026,7 @@
     </p:spTree>
     <p:extLst>
       <p:ext uri="{BB962C8B-B14F-4D97-AF65-F5344CB8AC3E}">
-        <p14:creationId xmlns:p14="http://schemas.microsoft.com/office/powerpoint/2010/main" val="3943968630"/>
+        <p14:creationId xmlns:p14="http://schemas.microsoft.com/office/powerpoint/2010/main" val="3464896087"/>
       </p:ext>
     </p:extLst>
   </p:cSld>
@@ -5297,31 +6069,110 @@
           <a:lstStyle/>
           <a:p>
             <a:r>
-              <a:rPr lang="en-US" altLang="ja-JP" dirty="0"/>
+              <a:rPr kumimoji="1" lang="ja-JP" altLang="en-US" dirty="0"/>
+              <a:t>アジェンダ</a:t>
+            </a:r>
+          </a:p>
+        </p:txBody>
+      </p:sp>
+      <p:sp>
+        <p:nvSpPr>
+          <p:cNvPr id="3" name="コンテンツ プレースホルダー 2"/>
+          <p:cNvSpPr>
+            <a:spLocks noGrp="1"/>
+          </p:cNvSpPr>
+          <p:nvPr>
+            <p:ph idx="1"/>
+          </p:nvPr>
+        </p:nvSpPr>
+        <p:spPr/>
+        <p:txBody>
+          <a:bodyPr/>
+          <a:lstStyle/>
+          <a:p>
+            <a:pPr marL="457200" indent="-457200">
+              <a:buFont typeface="+mj-lt"/>
+              <a:buAutoNum type="arabicPeriod"/>
+            </a:pPr>
+            <a:r>
+              <a:rPr lang="en-US" altLang="ja-JP" sz="2800" dirty="0"/>
               <a:t>WBA</a:t>
             </a:r>
             <a:r>
-              <a:rPr lang="ja-JP" altLang="en-US" dirty="0"/>
+              <a:rPr lang="ja-JP" altLang="en-US" sz="2800" dirty="0"/>
               <a:t>や木鶏会について</a:t>
             </a:r>
-            <a:endParaRPr kumimoji="1" lang="ja-JP" altLang="en-US" dirty="0"/>
-          </a:p>
-        </p:txBody>
-      </p:sp>
-      <p:sp>
-        <p:nvSpPr>
-          <p:cNvPr id="3" name="コンテンツ プレースホルダー 2"/>
-          <p:cNvSpPr>
-            <a:spLocks noGrp="1"/>
-          </p:cNvSpPr>
-          <p:nvPr>
-            <p:ph idx="1"/>
-          </p:nvPr>
-        </p:nvSpPr>
-        <p:spPr/>
-        <p:txBody>
-          <a:bodyPr/>
-          <a:lstStyle/>
+            <a:endParaRPr lang="en-US" altLang="ja-JP" sz="2800" dirty="0"/>
+          </a:p>
+          <a:p>
+            <a:pPr marL="457200" indent="-457200">
+              <a:buFont typeface="+mj-lt"/>
+              <a:buAutoNum type="arabicPeriod"/>
+            </a:pPr>
+            <a:r>
+              <a:rPr lang="ja-JP" altLang="en-US" sz="2800" dirty="0"/>
+              <a:t>輪講について</a:t>
+            </a:r>
+            <a:endParaRPr lang="en-US" altLang="ja-JP" sz="2800" dirty="0"/>
+          </a:p>
+          <a:p>
+            <a:pPr marL="457200" indent="-457200">
+              <a:buFont typeface="+mj-lt"/>
+              <a:buAutoNum type="arabicPeriod"/>
+            </a:pPr>
+            <a:r>
+              <a:rPr lang="ja-JP" altLang="en-US" sz="2800" dirty="0"/>
+              <a:t>最終課題について</a:t>
+            </a:r>
+            <a:endParaRPr lang="en-US" altLang="ja-JP" sz="2800" dirty="0"/>
+          </a:p>
+          <a:p>
+            <a:pPr marL="457200" indent="-457200">
+              <a:buFont typeface="+mj-lt"/>
+              <a:buAutoNum type="arabicPeriod"/>
+            </a:pPr>
+            <a:r>
+              <a:rPr lang="ja-JP" altLang="en-US" sz="2800" dirty="0"/>
+              <a:t>克服したこと</a:t>
+            </a:r>
+            <a:endParaRPr lang="en-US" altLang="ja-JP" sz="2800" dirty="0"/>
+          </a:p>
+          <a:p>
+            <a:pPr marL="457200" indent="-457200">
+              <a:buFont typeface="+mj-lt"/>
+              <a:buAutoNum type="arabicPeriod"/>
+            </a:pPr>
+            <a:r>
+              <a:rPr lang="ja-JP" altLang="en-US" sz="2800" dirty="0"/>
+              <a:t>克服したいこと</a:t>
+            </a:r>
+            <a:endParaRPr lang="en-US" altLang="ja-JP" sz="2800" dirty="0"/>
+          </a:p>
+          <a:p>
+            <a:pPr marL="457200" indent="-457200">
+              <a:buFont typeface="+mj-lt"/>
+              <a:buAutoNum type="arabicPeriod"/>
+            </a:pPr>
+            <a:r>
+              <a:rPr lang="ja-JP" altLang="en-US" sz="2800" dirty="0"/>
+              <a:t>次に生かすこと</a:t>
+            </a:r>
+            <a:endParaRPr lang="en-US" altLang="ja-JP" sz="2800" dirty="0"/>
+          </a:p>
+          <a:p>
+            <a:pPr marL="457200" indent="-457200">
+              <a:buFont typeface="+mj-lt"/>
+              <a:buAutoNum type="arabicPeriod"/>
+            </a:pPr>
+            <a:endParaRPr lang="en-US" altLang="ja-JP" dirty="0"/>
+          </a:p>
+          <a:p>
+            <a:pPr marL="457200" indent="-457200">
+              <a:buFont typeface="+mj-lt"/>
+              <a:buAutoNum type="arabicPeriod"/>
+            </a:pPr>
+            <a:endParaRPr lang="en-US" altLang="ja-JP" dirty="0"/>
+          </a:p>
           <a:p>
             <a:pPr marL="0" indent="0">
               <a:buNone/>
@@ -5329,31 +6180,20 @@
             <a:endParaRPr lang="en-US" altLang="ja-JP" dirty="0"/>
           </a:p>
           <a:p>
-            <a:pPr>
-              <a:buFont typeface="Wingdings" panose="05000000000000000000" pitchFamily="2" charset="2"/>
-              <a:buChar char="l"/>
-            </a:pPr>
-            <a:r>
-              <a:rPr lang="ja-JP" altLang="en-US" dirty="0"/>
-              <a:t>　</a:t>
-            </a:r>
-            <a:r>
-              <a:rPr kumimoji="1" lang="ja-JP" altLang="en-US" dirty="0"/>
-              <a:t>質問や感想が思いつかない</a:t>
-            </a:r>
-            <a:endParaRPr kumimoji="1" lang="en-US" altLang="ja-JP" dirty="0"/>
-          </a:p>
-          <a:p>
-            <a:pPr>
-              <a:buFont typeface="Wingdings" panose="05000000000000000000" pitchFamily="2" charset="2"/>
-              <a:buChar char="l"/>
+            <a:pPr marL="0" indent="0">
+              <a:buNone/>
             </a:pPr>
             <a:endParaRPr lang="en-US" altLang="ja-JP" dirty="0"/>
           </a:p>
           <a:p>
-            <a:pPr>
-              <a:buFont typeface="Wingdings" panose="05000000000000000000" pitchFamily="2" charset="2"/>
-              <a:buChar char="l"/>
+            <a:pPr marL="0" indent="0">
+              <a:buNone/>
+            </a:pPr>
+            <a:endParaRPr kumimoji="1" lang="en-US" altLang="ja-JP" dirty="0"/>
+          </a:p>
+          <a:p>
+            <a:pPr marL="0" indent="0">
+              <a:buNone/>
             </a:pPr>
             <a:endParaRPr kumimoji="1" lang="ja-JP" altLang="en-US" dirty="0"/>
           </a:p>
@@ -5376,7 +6216,6 @@
           <a:p>
             <a:fld id="{4CE482DC-2269-4F26-9D2A-7E44B1A4CD85}" type="slidenum">
               <a:rPr lang="en-US" smtClean="0"/>
-              <a:pPr/>
               <a:t>2</a:t>
             </a:fld>
             <a:endParaRPr lang="en-US" dirty="0"/>
@@ -5386,7 +6225,7 @@
     </p:spTree>
     <p:extLst>
       <p:ext uri="{BB962C8B-B14F-4D97-AF65-F5344CB8AC3E}">
-        <p14:creationId xmlns:p14="http://schemas.microsoft.com/office/powerpoint/2010/main" val="4040609888"/>
+        <p14:creationId xmlns:p14="http://schemas.microsoft.com/office/powerpoint/2010/main" val="3943968630"/>
       </p:ext>
     </p:extLst>
   </p:cSld>
@@ -5429,9 +6268,14 @@
           <a:lstStyle/>
           <a:p>
             <a:r>
-              <a:rPr kumimoji="1" lang="ja-JP" altLang="en-US" dirty="0"/>
-              <a:t>輪講について</a:t>
-            </a:r>
+              <a:rPr lang="en-US" altLang="ja-JP" dirty="0"/>
+              <a:t>WBA</a:t>
+            </a:r>
+            <a:r>
+              <a:rPr lang="ja-JP" altLang="en-US" dirty="0"/>
+              <a:t>や木鶏会について</a:t>
+            </a:r>
+            <a:endParaRPr kumimoji="1" lang="ja-JP" altLang="en-US" dirty="0"/>
           </a:p>
         </p:txBody>
       </p:sp>
@@ -5450,35 +6294,16 @@
           <a:bodyPr/>
           <a:lstStyle/>
           <a:p>
-            <a:endParaRPr kumimoji="1" lang="en-US" altLang="ja-JP" dirty="0"/>
+            <a:pPr marL="0" indent="0">
+              <a:buNone/>
+            </a:pPr>
+            <a:endParaRPr lang="en-US" altLang="ja-JP" dirty="0"/>
           </a:p>
           <a:p>
             <a:pPr>
               <a:buFont typeface="Wingdings" panose="05000000000000000000" pitchFamily="2" charset="2"/>
               <a:buChar char="l"/>
             </a:pPr>
-            <a:r>
-              <a:rPr lang="ja-JP" altLang="en-US" dirty="0"/>
-              <a:t>　分かっている部分とわからない部分がはっきりした</a:t>
-            </a:r>
-            <a:endParaRPr lang="en-US" altLang="ja-JP" dirty="0"/>
-          </a:p>
-          <a:p>
-            <a:pPr lvl="1"/>
-            <a:endParaRPr lang="en-US" altLang="ja-JP" dirty="0"/>
-          </a:p>
-          <a:p>
-            <a:pPr lvl="1"/>
-            <a:r>
-              <a:rPr lang="ja-JP" altLang="en-US" dirty="0"/>
-              <a:t>オブジェクト指向の理解が浅い</a:t>
-            </a:r>
-            <a:endParaRPr lang="en-US" altLang="ja-JP" dirty="0"/>
-          </a:p>
-          <a:p>
-            <a:pPr marL="201168" lvl="1" indent="0">
-              <a:buNone/>
-            </a:pPr>
             <a:endParaRPr lang="en-US" altLang="ja-JP" dirty="0"/>
           </a:p>
           <a:p>
@@ -5486,27 +6311,36 @@
               <a:buFont typeface="Wingdings" panose="05000000000000000000" pitchFamily="2" charset="2"/>
               <a:buChar char="l"/>
             </a:pPr>
-            <a:r>
-              <a:rPr lang="ja-JP" altLang="en-US" dirty="0"/>
-              <a:t>　一番印象に残っているのは</a:t>
-            </a:r>
-            <a:r>
-              <a:rPr lang="en-US" altLang="ja-JP" dirty="0"/>
-              <a:t>String</a:t>
-            </a:r>
-            <a:r>
-              <a:rPr lang="ja-JP" altLang="en-US" dirty="0"/>
-              <a:t>はクラスなのに値渡しの</a:t>
-            </a:r>
-            <a:r>
-              <a:rPr lang="ja-JP" altLang="en-US" dirty="0" err="1"/>
-              <a:t>なのか</a:t>
-            </a:r>
-            <a:r>
-              <a:rPr lang="ja-JP" altLang="en-US" dirty="0"/>
-              <a:t>？</a:t>
-            </a:r>
+            <a:endParaRPr kumimoji="1" lang="en-US" altLang="ja-JP" sz="2800" dirty="0"/>
+          </a:p>
+          <a:p>
+            <a:pPr>
+              <a:buFont typeface="Wingdings" panose="05000000000000000000" pitchFamily="2" charset="2"/>
+              <a:buChar char="l"/>
+            </a:pPr>
+            <a:r>
+              <a:rPr lang="ja-JP" altLang="en-US" sz="2800" dirty="0"/>
+              <a:t>　</a:t>
+            </a:r>
+            <a:r>
+              <a:rPr kumimoji="1" lang="ja-JP" altLang="en-US" sz="2800" dirty="0"/>
+              <a:t>質問や感想が思いつかない</a:t>
+            </a:r>
+            <a:endParaRPr kumimoji="1" lang="en-US" altLang="ja-JP" sz="2800" dirty="0"/>
+          </a:p>
+          <a:p>
+            <a:pPr>
+              <a:buFont typeface="Wingdings" panose="05000000000000000000" pitchFamily="2" charset="2"/>
+              <a:buChar char="l"/>
+            </a:pPr>
             <a:endParaRPr lang="en-US" altLang="ja-JP" dirty="0"/>
+          </a:p>
+          <a:p>
+            <a:pPr>
+              <a:buFont typeface="Wingdings" panose="05000000000000000000" pitchFamily="2" charset="2"/>
+              <a:buChar char="l"/>
+            </a:pPr>
+            <a:endParaRPr kumimoji="1" lang="ja-JP" altLang="en-US" dirty="0"/>
           </a:p>
         </p:txBody>
       </p:sp>
@@ -5537,7 +6371,7 @@
     </p:spTree>
     <p:extLst>
       <p:ext uri="{BB962C8B-B14F-4D97-AF65-F5344CB8AC3E}">
-        <p14:creationId xmlns:p14="http://schemas.microsoft.com/office/powerpoint/2010/main" val="597680251"/>
+        <p14:creationId xmlns:p14="http://schemas.microsoft.com/office/powerpoint/2010/main" val="4040609888"/>
       </p:ext>
     </p:extLst>
   </p:cSld>
@@ -5580,14 +6414,160 @@
           <a:lstStyle/>
           <a:p>
             <a:r>
+              <a:rPr kumimoji="1" lang="ja-JP" altLang="en-US" dirty="0"/>
+              <a:t>輪講について</a:t>
+            </a:r>
+          </a:p>
+        </p:txBody>
+      </p:sp>
+      <p:sp>
+        <p:nvSpPr>
+          <p:cNvPr id="3" name="コンテンツ プレースホルダー 2"/>
+          <p:cNvSpPr>
+            <a:spLocks noGrp="1"/>
+          </p:cNvSpPr>
+          <p:nvPr>
+            <p:ph idx="1"/>
+          </p:nvPr>
+        </p:nvSpPr>
+        <p:spPr/>
+        <p:txBody>
+          <a:bodyPr/>
+          <a:lstStyle/>
+          <a:p>
+            <a:endParaRPr kumimoji="1" lang="en-US" altLang="ja-JP" dirty="0"/>
+          </a:p>
+          <a:p>
+            <a:pPr>
+              <a:buFont typeface="Wingdings" panose="05000000000000000000" pitchFamily="2" charset="2"/>
+              <a:buChar char="l"/>
+            </a:pPr>
+            <a:r>
+              <a:rPr lang="ja-JP" altLang="en-US" dirty="0"/>
+              <a:t>　</a:t>
+            </a:r>
+            <a:r>
+              <a:rPr lang="ja-JP" altLang="en-US" sz="2400" dirty="0"/>
+              <a:t>分かっている部分とわからない部分がはっきりした</a:t>
+            </a:r>
+            <a:endParaRPr lang="en-US" altLang="ja-JP" sz="2400" dirty="0"/>
+          </a:p>
+          <a:p>
+            <a:pPr lvl="1"/>
+            <a:endParaRPr lang="en-US" altLang="ja-JP" sz="2400" dirty="0"/>
+          </a:p>
+          <a:p>
+            <a:pPr lvl="1"/>
+            <a:r>
+              <a:rPr lang="ja-JP" altLang="en-US" sz="2400" dirty="0"/>
+              <a:t>オブジェクト指向の理解が浅い</a:t>
+            </a:r>
+            <a:endParaRPr lang="en-US" altLang="ja-JP" sz="2400" dirty="0"/>
+          </a:p>
+          <a:p>
+            <a:pPr marL="201168" lvl="1" indent="0">
+              <a:buNone/>
+            </a:pPr>
+            <a:endParaRPr lang="en-US" altLang="ja-JP" sz="2400" dirty="0"/>
+          </a:p>
+          <a:p>
+            <a:pPr>
+              <a:buFont typeface="Wingdings" panose="05000000000000000000" pitchFamily="2" charset="2"/>
+              <a:buChar char="l"/>
+            </a:pPr>
+            <a:r>
+              <a:rPr lang="ja-JP" altLang="en-US" sz="2400" dirty="0"/>
+              <a:t>　一番印象に残っているのは</a:t>
+            </a:r>
+            <a:r>
+              <a:rPr lang="en-US" altLang="ja-JP" sz="2400" dirty="0"/>
+              <a:t>String</a:t>
+            </a:r>
+            <a:r>
+              <a:rPr lang="ja-JP" altLang="en-US" sz="2400" dirty="0"/>
+              <a:t>はクラスなのに値渡しの動きをするのか？</a:t>
+            </a:r>
+            <a:endParaRPr lang="en-US" altLang="ja-JP" sz="2400" dirty="0"/>
+          </a:p>
+        </p:txBody>
+      </p:sp>
+      <p:sp>
+        <p:nvSpPr>
+          <p:cNvPr id="4" name="スライド番号プレースホルダー 3"/>
+          <p:cNvSpPr>
+            <a:spLocks noGrp="1"/>
+          </p:cNvSpPr>
+          <p:nvPr>
+            <p:ph type="sldNum" sz="quarter" idx="12"/>
+          </p:nvPr>
+        </p:nvSpPr>
+        <p:spPr/>
+        <p:txBody>
+          <a:bodyPr/>
+          <a:lstStyle/>
+          <a:p>
+            <a:fld id="{4CE482DC-2269-4F26-9D2A-7E44B1A4CD85}" type="slidenum">
+              <a:rPr lang="en-US" smtClean="0"/>
+              <a:pPr/>
+              <a:t>4</a:t>
+            </a:fld>
+            <a:endParaRPr lang="en-US" dirty="0"/>
+          </a:p>
+        </p:txBody>
+      </p:sp>
+    </p:spTree>
+    <p:extLst>
+      <p:ext uri="{BB962C8B-B14F-4D97-AF65-F5344CB8AC3E}">
+        <p14:creationId xmlns:p14="http://schemas.microsoft.com/office/powerpoint/2010/main" val="597680251"/>
+      </p:ext>
+    </p:extLst>
+  </p:cSld>
+  <p:clrMapOvr>
+    <a:masterClrMapping/>
+  </p:clrMapOvr>
+</p:sld>
+</file>
+
+<file path=ppt/slides/slide6.xml><?xml version="1.0" encoding="utf-8"?>
+<p:sld xmlns:a="http://schemas.openxmlformats.org/drawingml/2006/main" xmlns:r="http://schemas.openxmlformats.org/officeDocument/2006/relationships" xmlns:p="http://schemas.openxmlformats.org/presentationml/2006/main">
+  <p:cSld>
+    <p:spTree>
+      <p:nvGrpSpPr>
+        <p:cNvPr id="1" name=""/>
+        <p:cNvGrpSpPr/>
+        <p:nvPr/>
+      </p:nvGrpSpPr>
+      <p:grpSpPr>
+        <a:xfrm>
+          <a:off x="0" y="0"/>
+          <a:ext cx="0" cy="0"/>
+          <a:chOff x="0" y="0"/>
+          <a:chExt cx="0" cy="0"/>
+        </a:xfrm>
+      </p:grpSpPr>
+      <p:sp>
+        <p:nvSpPr>
+          <p:cNvPr id="2" name="タイトル 1"/>
+          <p:cNvSpPr>
+            <a:spLocks noGrp="1"/>
+          </p:cNvSpPr>
+          <p:nvPr>
+            <p:ph type="title"/>
+          </p:nvPr>
+        </p:nvSpPr>
+        <p:spPr/>
+        <p:txBody>
+          <a:bodyPr/>
+          <a:lstStyle/>
+          <a:p>
+            <a:r>
               <a:rPr kumimoji="1" lang="en-US" altLang="ja-JP" dirty="0"/>
               <a:t>String</a:t>
             </a:r>
             <a:r>
-              <a:rPr kumimoji="1" lang="ja-JP" altLang="en-US"/>
-              <a:t>が値渡しの理由</a:t>
-            </a:r>
-            <a:endParaRPr kumimoji="1" lang="ja-JP" altLang="en-US" dirty="0"/>
+              <a:rPr kumimoji="1" lang="ja-JP" altLang="en-US" dirty="0"/>
+              <a:t>が値渡しの動きをする理由</a:t>
+            </a:r>
           </a:p>
         </p:txBody>
       </p:sp>
@@ -5601,14 +6581,14 @@
             <p:ph idx="1"/>
             <p:extLst>
               <p:ext uri="{D42A27DB-BD31-4B8C-83A1-F6EECF244321}">
-                <p14:modId xmlns:p14="http://schemas.microsoft.com/office/powerpoint/2010/main" val="1088061179"/>
+                <p14:modId xmlns:p14="http://schemas.microsoft.com/office/powerpoint/2010/main" val="3513589112"/>
               </p:ext>
             </p:extLst>
           </p:nvPr>
         </p:nvGraphicFramePr>
         <p:xfrm>
-          <a:off x="4685287" y="3137993"/>
-          <a:ext cx="2032131" cy="1854200"/>
+          <a:off x="4879250" y="2373639"/>
+          <a:ext cx="2345178" cy="2554105"/>
         </p:xfrm>
         <a:graphic>
           <a:graphicData uri="http://schemas.openxmlformats.org/drawingml/2006/table">
@@ -5617,14 +6597,14 @@
                 <a:tableStyleId>{5C22544A-7EE6-4342-B048-85BDC9FD1C3A}</a:tableStyleId>
               </a:tblPr>
               <a:tblGrid>
-                <a:gridCol w="967804">
+                <a:gridCol w="1116893">
                   <a:extLst>
                     <a:ext uri="{9D8B030D-6E8A-4147-A177-3AD203B41FA5}">
                       <a16:colId xmlns:a16="http://schemas.microsoft.com/office/drawing/2014/main" val="2580009634"/>
                     </a:ext>
                   </a:extLst>
                 </a:gridCol>
-                <a:gridCol w="1064327">
+                <a:gridCol w="1228285">
                   <a:extLst>
                     <a:ext uri="{9D8B030D-6E8A-4147-A177-3AD203B41FA5}">
                       <a16:colId xmlns:a16="http://schemas.microsoft.com/office/drawing/2014/main" val="581496984"/>
@@ -5632,14 +6612,15 @@
                   </a:extLst>
                 </a:gridCol>
               </a:tblGrid>
-              <a:tr h="370840">
+              <a:tr h="510821">
                 <a:tc>
                   <a:txBody>
                     <a:bodyPr/>
                     <a:lstStyle/>
                     <a:p>
+                      <a:pPr algn="ctr"/>
                       <a:r>
-                        <a:rPr kumimoji="1" lang="ja-JP" altLang="en-US" dirty="0"/>
+                        <a:rPr kumimoji="1" lang="ja-JP" altLang="en-US" sz="2400" dirty="0"/>
                         <a:t>番地</a:t>
                       </a:r>
                     </a:p>
@@ -5651,11 +6632,12 @@
                     <a:bodyPr/>
                     <a:lstStyle/>
                     <a:p>
+                      <a:pPr algn="ctr"/>
                       <a:r>
-                        <a:rPr kumimoji="1" lang="ja-JP" altLang="en-US" dirty="0"/>
+                        <a:rPr kumimoji="1" lang="ja-JP" altLang="en-US" sz="2400" dirty="0"/>
                         <a:t>値</a:t>
                       </a:r>
-                      <a:endParaRPr kumimoji="1" lang="en-US" altLang="ja-JP" dirty="0"/>
+                      <a:endParaRPr kumimoji="1" lang="en-US" altLang="ja-JP" sz="2400" dirty="0"/>
                     </a:p>
                   </a:txBody>
                   <a:tcPr/>
@@ -5666,14 +6648,15 @@
                   </a:ext>
                 </a:extLst>
               </a:tr>
-              <a:tr h="370840">
+              <a:tr h="510821">
                 <a:tc>
                   <a:txBody>
                     <a:bodyPr/>
                     <a:lstStyle/>
                     <a:p>
+                      <a:pPr algn="ctr"/>
                       <a:r>
-                        <a:rPr kumimoji="1" lang="en-US" altLang="ja-JP" dirty="0"/>
+                        <a:rPr kumimoji="1" lang="en-US" altLang="ja-JP" sz="2400" dirty="0"/>
                         <a:t>0x0010</a:t>
                       </a:r>
                     </a:p>
@@ -5685,7 +6668,8 @@
                     <a:bodyPr/>
                     <a:lstStyle/>
                     <a:p>
-                      <a:endParaRPr kumimoji="1" lang="ja-JP" altLang="en-US" dirty="0"/>
+                      <a:pPr algn="ctr"/>
+                      <a:endParaRPr kumimoji="1" lang="ja-JP" altLang="en-US" sz="2400" dirty="0"/>
                     </a:p>
                   </a:txBody>
                   <a:tcPr/>
@@ -5696,17 +6680,18 @@
                   </a:ext>
                 </a:extLst>
               </a:tr>
-              <a:tr h="370840">
+              <a:tr h="510821">
                 <a:tc>
                   <a:txBody>
                     <a:bodyPr/>
                     <a:lstStyle/>
                     <a:p>
+                      <a:pPr algn="ctr"/>
                       <a:r>
-                        <a:rPr kumimoji="1" lang="en-US" altLang="ja-JP" dirty="0"/>
+                        <a:rPr kumimoji="1" lang="en-US" altLang="ja-JP" sz="2400" dirty="0"/>
                         <a:t>0x0020</a:t>
                       </a:r>
-                      <a:endParaRPr kumimoji="1" lang="ja-JP" altLang="en-US" dirty="0"/>
+                      <a:endParaRPr kumimoji="1" lang="ja-JP" altLang="en-US" sz="2400" dirty="0"/>
                     </a:p>
                   </a:txBody>
                   <a:tcPr/>
@@ -5716,7 +6701,8 @@
                     <a:bodyPr/>
                     <a:lstStyle/>
                     <a:p>
-                      <a:endParaRPr kumimoji="1" lang="ja-JP" altLang="en-US" dirty="0"/>
+                      <a:pPr algn="ctr"/>
+                      <a:endParaRPr kumimoji="1" lang="ja-JP" altLang="en-US" sz="2400" dirty="0"/>
                     </a:p>
                   </a:txBody>
                   <a:tcPr/>
@@ -5727,17 +6713,18 @@
                   </a:ext>
                 </a:extLst>
               </a:tr>
-              <a:tr h="370840">
+              <a:tr h="510821">
                 <a:tc>
                   <a:txBody>
                     <a:bodyPr/>
                     <a:lstStyle/>
                     <a:p>
+                      <a:pPr algn="ctr"/>
                       <a:r>
-                        <a:rPr kumimoji="1" lang="en-US" altLang="ja-JP" dirty="0"/>
+                        <a:rPr kumimoji="1" lang="en-US" altLang="ja-JP" sz="2400" dirty="0"/>
                         <a:t>0x0030</a:t>
                       </a:r>
-                      <a:endParaRPr kumimoji="1" lang="ja-JP" altLang="en-US" dirty="0"/>
+                      <a:endParaRPr kumimoji="1" lang="ja-JP" altLang="en-US" sz="2400" dirty="0"/>
                     </a:p>
                   </a:txBody>
                   <a:tcPr/>
@@ -5747,7 +6734,8 @@
                     <a:bodyPr/>
                     <a:lstStyle/>
                     <a:p>
-                      <a:endParaRPr kumimoji="1" lang="ja-JP" altLang="en-US" dirty="0"/>
+                      <a:pPr algn="ctr"/>
+                      <a:endParaRPr kumimoji="1" lang="ja-JP" altLang="en-US" sz="2400" dirty="0"/>
                     </a:p>
                   </a:txBody>
                   <a:tcPr/>
@@ -5758,17 +6746,18 @@
                   </a:ext>
                 </a:extLst>
               </a:tr>
-              <a:tr h="370840">
+              <a:tr h="510821">
                 <a:tc>
                   <a:txBody>
                     <a:bodyPr/>
                     <a:lstStyle/>
                     <a:p>
+                      <a:pPr algn="ctr"/>
                       <a:r>
-                        <a:rPr kumimoji="1" lang="en-US" altLang="ja-JP" dirty="0"/>
+                        <a:rPr kumimoji="1" lang="en-US" altLang="ja-JP" sz="2400" dirty="0"/>
                         <a:t>0x0040</a:t>
                       </a:r>
-                      <a:endParaRPr kumimoji="1" lang="ja-JP" altLang="en-US" dirty="0"/>
+                      <a:endParaRPr kumimoji="1" lang="ja-JP" altLang="en-US" sz="2400" dirty="0"/>
                     </a:p>
                   </a:txBody>
                   <a:tcPr/>
@@ -5778,7 +6767,8 @@
                     <a:bodyPr/>
                     <a:lstStyle/>
                     <a:p>
-                      <a:endParaRPr kumimoji="1" lang="ja-JP" altLang="en-US" dirty="0"/>
+                      <a:pPr algn="ctr"/>
+                      <a:endParaRPr kumimoji="1" lang="ja-JP" altLang="en-US" sz="2400" dirty="0"/>
                     </a:p>
                   </a:txBody>
                   <a:tcPr/>
@@ -5811,7 +6801,7 @@
             <a:fld id="{4CE482DC-2269-4F26-9D2A-7E44B1A4CD85}" type="slidenum">
               <a:rPr lang="en-US" smtClean="0"/>
               <a:pPr/>
-              <a:t>4</a:t>
+              <a:t>5</a:t>
             </a:fld>
             <a:endParaRPr lang="en-US" dirty="0"/>
           </a:p>
@@ -5820,13 +6810,17 @@
       <p:cxnSp>
         <p:nvCxnSpPr>
           <p:cNvPr id="15" name="直線矢印コネクタ 14"/>
-          <p:cNvCxnSpPr/>
+          <p:cNvCxnSpPr>
+            <a:cxnSpLocks/>
+            <a:stCxn id="16" idx="1"/>
+            <a:endCxn id="79" idx="3"/>
+          </p:cNvCxnSpPr>
           <p:nvPr/>
         </p:nvCxnSpPr>
         <p:spPr>
           <a:xfrm flipH="1">
-            <a:off x="6487551" y="3686562"/>
-            <a:ext cx="486244" cy="1"/>
+            <a:off x="7176891" y="3144138"/>
+            <a:ext cx="519545" cy="3873"/>
           </a:xfrm>
           <a:prstGeom prst="straightConnector1">
             <a:avLst/>
@@ -5861,8 +6855,8 @@
         </p:nvSpPr>
         <p:spPr>
           <a:xfrm>
-            <a:off x="6973795" y="3501896"/>
-            <a:ext cx="428964" cy="369332"/>
+            <a:off x="7696436" y="2913305"/>
+            <a:ext cx="511422" cy="461665"/>
           </a:xfrm>
           <a:prstGeom prst="rect">
             <a:avLst/>
@@ -5876,23 +6870,25 @@
           <a:lstStyle/>
           <a:p>
             <a:r>
-              <a:rPr kumimoji="1" lang="en-US" altLang="ja-JP" dirty="0" err="1"/>
+              <a:rPr kumimoji="1" lang="en-US" altLang="ja-JP" sz="2400" dirty="0" err="1"/>
               <a:t>str</a:t>
             </a:r>
-            <a:endParaRPr kumimoji="1" lang="en-US" altLang="ja-JP" dirty="0"/>
+            <a:endParaRPr kumimoji="1" lang="en-US" altLang="ja-JP" sz="2400" dirty="0"/>
           </a:p>
         </p:txBody>
       </p:sp>
       <p:cxnSp>
         <p:nvCxnSpPr>
           <p:cNvPr id="68" name="直線矢印コネクタ 67"/>
-          <p:cNvCxnSpPr/>
+          <p:cNvCxnSpPr>
+            <a:cxnSpLocks/>
+          </p:cNvCxnSpPr>
           <p:nvPr/>
         </p:nvCxnSpPr>
         <p:spPr>
           <a:xfrm flipH="1">
-            <a:off x="5534354" y="3813477"/>
-            <a:ext cx="511727" cy="503232"/>
+            <a:off x="5755864" y="3317970"/>
+            <a:ext cx="727680" cy="657457"/>
           </a:xfrm>
           <a:prstGeom prst="straightConnector1">
             <a:avLst/>
@@ -5928,14 +6924,14 @@
           <p:nvPr>
             <p:extLst>
               <p:ext uri="{D42A27DB-BD31-4B8C-83A1-F6EECF244321}">
-                <p14:modId xmlns:p14="http://schemas.microsoft.com/office/powerpoint/2010/main" val="2075732501"/>
+                <p14:modId xmlns:p14="http://schemas.microsoft.com/office/powerpoint/2010/main" val="2501069070"/>
               </p:ext>
             </p:extLst>
           </p:nvPr>
         </p:nvGraphicFramePr>
         <p:xfrm>
-          <a:off x="8572846" y="3137993"/>
-          <a:ext cx="2032131" cy="1854200"/>
+          <a:off x="8766809" y="2373640"/>
+          <a:ext cx="2351035" cy="2554105"/>
         </p:xfrm>
         <a:graphic>
           <a:graphicData uri="http://schemas.openxmlformats.org/drawingml/2006/table">
@@ -5944,14 +6940,14 @@
                 <a:tableStyleId>{5C22544A-7EE6-4342-B048-85BDC9FD1C3A}</a:tableStyleId>
               </a:tblPr>
               <a:tblGrid>
-                <a:gridCol w="967804">
+                <a:gridCol w="1119682">
                   <a:extLst>
                     <a:ext uri="{9D8B030D-6E8A-4147-A177-3AD203B41FA5}">
                       <a16:colId xmlns:a16="http://schemas.microsoft.com/office/drawing/2014/main" val="2580009634"/>
                     </a:ext>
                   </a:extLst>
                 </a:gridCol>
-                <a:gridCol w="1064327">
+                <a:gridCol w="1231353">
                   <a:extLst>
                     <a:ext uri="{9D8B030D-6E8A-4147-A177-3AD203B41FA5}">
                       <a16:colId xmlns:a16="http://schemas.microsoft.com/office/drawing/2014/main" val="581496984"/>
@@ -5959,14 +6955,15 @@
                   </a:extLst>
                 </a:gridCol>
               </a:tblGrid>
-              <a:tr h="370840">
+              <a:tr h="510821">
                 <a:tc>
                   <a:txBody>
                     <a:bodyPr/>
                     <a:lstStyle/>
                     <a:p>
+                      <a:pPr algn="ctr"/>
                       <a:r>
-                        <a:rPr kumimoji="1" lang="ja-JP" altLang="en-US" dirty="0"/>
+                        <a:rPr kumimoji="1" lang="ja-JP" altLang="en-US" sz="2400" dirty="0"/>
                         <a:t>番地</a:t>
                       </a:r>
                     </a:p>
@@ -5978,11 +6975,12 @@
                     <a:bodyPr/>
                     <a:lstStyle/>
                     <a:p>
+                      <a:pPr algn="ctr"/>
                       <a:r>
-                        <a:rPr kumimoji="1" lang="ja-JP" altLang="en-US" dirty="0"/>
+                        <a:rPr kumimoji="1" lang="ja-JP" altLang="en-US" sz="2400" dirty="0"/>
                         <a:t>値</a:t>
                       </a:r>
-                      <a:endParaRPr kumimoji="1" lang="en-US" altLang="ja-JP" dirty="0"/>
+                      <a:endParaRPr kumimoji="1" lang="en-US" altLang="ja-JP" sz="2400" dirty="0"/>
                     </a:p>
                   </a:txBody>
                   <a:tcPr/>
@@ -5993,14 +6991,15 @@
                   </a:ext>
                 </a:extLst>
               </a:tr>
-              <a:tr h="370840">
+              <a:tr h="510821">
                 <a:tc>
                   <a:txBody>
                     <a:bodyPr/>
                     <a:lstStyle/>
                     <a:p>
+                      <a:pPr algn="ctr"/>
                       <a:r>
-                        <a:rPr kumimoji="1" lang="en-US" altLang="ja-JP" dirty="0"/>
+                        <a:rPr kumimoji="1" lang="en-US" altLang="ja-JP" sz="2400" dirty="0"/>
                         <a:t>0x0050</a:t>
                       </a:r>
                     </a:p>
@@ -6012,7 +7011,8 @@
                     <a:bodyPr/>
                     <a:lstStyle/>
                     <a:p>
-                      <a:endParaRPr kumimoji="1" lang="ja-JP" altLang="en-US" dirty="0"/>
+                      <a:pPr algn="ctr"/>
+                      <a:endParaRPr kumimoji="1" lang="ja-JP" altLang="en-US" sz="2400" dirty="0"/>
                     </a:p>
                   </a:txBody>
                   <a:tcPr/>
@@ -6023,17 +7023,18 @@
                   </a:ext>
                 </a:extLst>
               </a:tr>
-              <a:tr h="370840">
+              <a:tr h="510821">
                 <a:tc>
                   <a:txBody>
                     <a:bodyPr/>
                     <a:lstStyle/>
                     <a:p>
+                      <a:pPr algn="ctr"/>
                       <a:r>
-                        <a:rPr kumimoji="1" lang="en-US" altLang="ja-JP" dirty="0"/>
+                        <a:rPr kumimoji="1" lang="en-US" altLang="ja-JP" sz="2400" dirty="0"/>
                         <a:t>0x0060</a:t>
                       </a:r>
-                      <a:endParaRPr kumimoji="1" lang="ja-JP" altLang="en-US" dirty="0"/>
+                      <a:endParaRPr kumimoji="1" lang="ja-JP" altLang="en-US" sz="2400" dirty="0"/>
                     </a:p>
                   </a:txBody>
                   <a:tcPr/>
@@ -6043,7 +7044,8 @@
                     <a:bodyPr/>
                     <a:lstStyle/>
                     <a:p>
-                      <a:endParaRPr kumimoji="1" lang="ja-JP" altLang="en-US" dirty="0"/>
+                      <a:pPr algn="ctr"/>
+                      <a:endParaRPr kumimoji="1" lang="ja-JP" altLang="en-US" sz="2400" dirty="0"/>
                     </a:p>
                   </a:txBody>
                   <a:tcPr/>
@@ -6054,17 +7056,18 @@
                   </a:ext>
                 </a:extLst>
               </a:tr>
-              <a:tr h="370840">
+              <a:tr h="510821">
                 <a:tc>
                   <a:txBody>
                     <a:bodyPr/>
                     <a:lstStyle/>
                     <a:p>
+                      <a:pPr algn="ctr"/>
                       <a:r>
-                        <a:rPr kumimoji="1" lang="en-US" altLang="ja-JP" dirty="0"/>
+                        <a:rPr kumimoji="1" lang="en-US" altLang="ja-JP" sz="2400" dirty="0"/>
                         <a:t>0x0070</a:t>
                       </a:r>
-                      <a:endParaRPr kumimoji="1" lang="ja-JP" altLang="en-US" dirty="0"/>
+                      <a:endParaRPr kumimoji="1" lang="ja-JP" altLang="en-US" sz="2400" dirty="0"/>
                     </a:p>
                   </a:txBody>
                   <a:tcPr/>
@@ -6074,7 +7077,8 @@
                     <a:bodyPr/>
                     <a:lstStyle/>
                     <a:p>
-                      <a:endParaRPr kumimoji="1" lang="ja-JP" altLang="en-US" dirty="0"/>
+                      <a:pPr algn="ctr"/>
+                      <a:endParaRPr kumimoji="1" lang="ja-JP" altLang="en-US" sz="2400" dirty="0"/>
                     </a:p>
                   </a:txBody>
                   <a:tcPr/>
@@ -6085,17 +7089,18 @@
                   </a:ext>
                 </a:extLst>
               </a:tr>
-              <a:tr h="370840">
+              <a:tr h="510821">
                 <a:tc>
                   <a:txBody>
                     <a:bodyPr/>
                     <a:lstStyle/>
                     <a:p>
+                      <a:pPr algn="ctr"/>
                       <a:r>
-                        <a:rPr kumimoji="1" lang="en-US" altLang="ja-JP" dirty="0"/>
+                        <a:rPr kumimoji="1" lang="en-US" altLang="ja-JP" sz="2400" dirty="0"/>
                         <a:t>0x0080</a:t>
                       </a:r>
-                      <a:endParaRPr kumimoji="1" lang="ja-JP" altLang="en-US" dirty="0"/>
+                      <a:endParaRPr kumimoji="1" lang="ja-JP" altLang="en-US" sz="2400" dirty="0"/>
                     </a:p>
                   </a:txBody>
                   <a:tcPr/>
@@ -6105,7 +7110,8 @@
                     <a:bodyPr/>
                     <a:lstStyle/>
                     <a:p>
-                      <a:endParaRPr kumimoji="1" lang="ja-JP" altLang="en-US" dirty="0"/>
+                      <a:pPr algn="ctr"/>
+                      <a:endParaRPr kumimoji="1" lang="ja-JP" altLang="en-US" sz="2400" dirty="0"/>
                     </a:p>
                   </a:txBody>
                   <a:tcPr/>
@@ -6128,8 +7134,8 @@
         </p:nvSpPr>
         <p:spPr>
           <a:xfrm>
-            <a:off x="980948" y="3137993"/>
-            <a:ext cx="3280376" cy="2308324"/>
+            <a:off x="767465" y="2111588"/>
+            <a:ext cx="3637937" cy="3046988"/>
           </a:xfrm>
           <a:prstGeom prst="rect">
             <a:avLst/>
@@ -6143,97 +7149,97 @@
           <a:lstStyle/>
           <a:p>
             <a:r>
-              <a:rPr kumimoji="1" lang="en-US" altLang="ja-JP" dirty="0"/>
+              <a:rPr kumimoji="1" lang="en-US" altLang="ja-JP" sz="2400" dirty="0"/>
               <a:t>Void test(String str1){</a:t>
             </a:r>
           </a:p>
           <a:p>
             <a:r>
-              <a:rPr kumimoji="1" lang="en-US" altLang="ja-JP" dirty="0"/>
+              <a:rPr kumimoji="1" lang="en-US" altLang="ja-JP" sz="2400" dirty="0"/>
               <a:t>	str1=“123”;</a:t>
             </a:r>
           </a:p>
           <a:p>
             <a:r>
-              <a:rPr kumimoji="1" lang="en-US" altLang="ja-JP" dirty="0"/>
+              <a:rPr kumimoji="1" lang="en-US" altLang="ja-JP" sz="2400" dirty="0"/>
               <a:t>}</a:t>
             </a:r>
           </a:p>
           <a:p>
             <a:r>
-              <a:rPr kumimoji="1" lang="en-US" altLang="ja-JP" dirty="0"/>
+              <a:rPr kumimoji="1" lang="en-US" altLang="ja-JP" sz="2400" dirty="0"/>
               <a:t>Void main(String[] </a:t>
             </a:r>
             <a:r>
-              <a:rPr kumimoji="1" lang="en-US" altLang="ja-JP" dirty="0" err="1"/>
+              <a:rPr kumimoji="1" lang="en-US" altLang="ja-JP" sz="2400" dirty="0" err="1"/>
               <a:t>args</a:t>
             </a:r>
             <a:r>
-              <a:rPr kumimoji="1" lang="en-US" altLang="ja-JP" dirty="0"/>
+              <a:rPr kumimoji="1" lang="en-US" altLang="ja-JP" sz="2400" dirty="0"/>
               <a:t>){</a:t>
             </a:r>
           </a:p>
           <a:p>
             <a:r>
-              <a:rPr kumimoji="1" lang="en-US" altLang="ja-JP" dirty="0"/>
+              <a:rPr kumimoji="1" lang="en-US" altLang="ja-JP" sz="2400" dirty="0"/>
               <a:t>	String </a:t>
             </a:r>
             <a:r>
-              <a:rPr kumimoji="1" lang="en-US" altLang="ja-JP" dirty="0" err="1"/>
+              <a:rPr kumimoji="1" lang="en-US" altLang="ja-JP" sz="2400" dirty="0" err="1"/>
               <a:t>str</a:t>
             </a:r>
             <a:r>
-              <a:rPr kumimoji="1" lang="en-US" altLang="ja-JP" dirty="0"/>
+              <a:rPr kumimoji="1" lang="en-US" altLang="ja-JP" sz="2400" dirty="0"/>
               <a:t>=“</a:t>
             </a:r>
             <a:r>
-              <a:rPr kumimoji="1" lang="en-US" altLang="ja-JP" dirty="0" err="1"/>
+              <a:rPr kumimoji="1" lang="en-US" altLang="ja-JP" sz="2400" dirty="0" err="1"/>
               <a:t>abc</a:t>
             </a:r>
             <a:r>
-              <a:rPr kumimoji="1" lang="en-US" altLang="ja-JP" dirty="0"/>
+              <a:rPr kumimoji="1" lang="en-US" altLang="ja-JP" sz="2400" dirty="0"/>
               <a:t>”;</a:t>
             </a:r>
           </a:p>
           <a:p>
             <a:r>
-              <a:rPr kumimoji="1" lang="en-US" altLang="ja-JP" dirty="0"/>
+              <a:rPr kumimoji="1" lang="en-US" altLang="ja-JP" sz="2400" dirty="0"/>
               <a:t>	test(</a:t>
             </a:r>
             <a:r>
-              <a:rPr kumimoji="1" lang="en-US" altLang="ja-JP" dirty="0" err="1"/>
+              <a:rPr kumimoji="1" lang="en-US" altLang="ja-JP" sz="2400" dirty="0" err="1"/>
               <a:t>str</a:t>
             </a:r>
             <a:r>
-              <a:rPr kumimoji="1" lang="en-US" altLang="ja-JP" dirty="0"/>
+              <a:rPr kumimoji="1" lang="en-US" altLang="ja-JP" sz="2400" dirty="0"/>
               <a:t>);</a:t>
             </a:r>
           </a:p>
           <a:p>
             <a:r>
-              <a:rPr kumimoji="1" lang="en-US" altLang="ja-JP" dirty="0"/>
+              <a:rPr kumimoji="1" lang="en-US" altLang="ja-JP" sz="2400" dirty="0"/>
               <a:t>	</a:t>
             </a:r>
             <a:r>
-              <a:rPr kumimoji="1" lang="en-US" altLang="ja-JP" dirty="0" err="1"/>
+              <a:rPr kumimoji="1" lang="en-US" altLang="ja-JP" sz="2400" dirty="0" err="1"/>
               <a:t>System.out.println</a:t>
             </a:r>
             <a:r>
-              <a:rPr kumimoji="1" lang="en-US" altLang="ja-JP" dirty="0"/>
+              <a:rPr kumimoji="1" lang="en-US" altLang="ja-JP" sz="2400" dirty="0"/>
               <a:t>(</a:t>
             </a:r>
             <a:r>
-              <a:rPr kumimoji="1" lang="en-US" altLang="ja-JP" dirty="0" err="1"/>
+              <a:rPr kumimoji="1" lang="en-US" altLang="ja-JP" sz="2400" dirty="0" err="1"/>
               <a:t>str</a:t>
             </a:r>
             <a:r>
-              <a:rPr kumimoji="1" lang="en-US" altLang="ja-JP" dirty="0"/>
+              <a:rPr kumimoji="1" lang="en-US" altLang="ja-JP" sz="2400" dirty="0"/>
               <a:t>);</a:t>
             </a:r>
           </a:p>
           <a:p>
             <a:r>
-              <a:rPr kumimoji="1" lang="en-US" altLang="ja-JP" dirty="0"/>
+              <a:rPr kumimoji="1" lang="en-US" altLang="ja-JP" sz="2400" dirty="0"/>
               <a:t>}</a:t>
             </a:r>
           </a:p>
@@ -6247,7 +7253,7 @@
         </p:nvSpPr>
         <p:spPr>
           <a:xfrm>
-            <a:off x="1241147" y="4375432"/>
+            <a:off x="1086369" y="3723155"/>
             <a:ext cx="184558" cy="143014"/>
           </a:xfrm>
           <a:prstGeom prst="rightArrow">
@@ -6287,7 +7293,7 @@
         </p:nvSpPr>
         <p:spPr>
           <a:xfrm>
-            <a:off x="1241147" y="4629361"/>
+            <a:off x="1076504" y="4127411"/>
             <a:ext cx="184558" cy="143014"/>
           </a:xfrm>
           <a:prstGeom prst="rightArrow">
@@ -6327,7 +7333,7 @@
         </p:nvSpPr>
         <p:spPr>
           <a:xfrm>
-            <a:off x="1241147" y="3537310"/>
+            <a:off x="1086369" y="2662092"/>
             <a:ext cx="184558" cy="143014"/>
           </a:xfrm>
           <a:prstGeom prst="rightArrow">
@@ -6367,8 +7373,8 @@
         </p:nvSpPr>
         <p:spPr>
           <a:xfrm>
-            <a:off x="5637474" y="3495658"/>
-            <a:ext cx="869149" cy="369332"/>
+            <a:off x="6081719" y="2917178"/>
+            <a:ext cx="1095172" cy="461665"/>
           </a:xfrm>
           <a:prstGeom prst="rect">
             <a:avLst/>
@@ -6382,10 +7388,10 @@
           <a:lstStyle/>
           <a:p>
             <a:r>
-              <a:rPr kumimoji="1" lang="en-US" altLang="ja-JP" dirty="0"/>
+              <a:rPr kumimoji="1" lang="en-US" altLang="ja-JP" sz="2400" dirty="0"/>
               <a:t>0x0030</a:t>
             </a:r>
-            <a:endParaRPr kumimoji="1" lang="ja-JP" altLang="en-US" dirty="0"/>
+            <a:endParaRPr kumimoji="1" lang="ja-JP" altLang="en-US" sz="2400" dirty="0"/>
           </a:p>
         </p:txBody>
       </p:sp>
@@ -6397,8 +7403,8 @@
         </p:nvSpPr>
         <p:spPr>
           <a:xfrm>
-            <a:off x="5637473" y="4243925"/>
-            <a:ext cx="514885" cy="369332"/>
+            <a:off x="6109509" y="3932558"/>
+            <a:ext cx="623889" cy="461665"/>
           </a:xfrm>
           <a:prstGeom prst="rect">
             <a:avLst/>
@@ -6412,10 +7418,10 @@
           <a:lstStyle/>
           <a:p>
             <a:r>
-              <a:rPr kumimoji="1" lang="en-US" altLang="ja-JP" dirty="0" err="1"/>
+              <a:rPr kumimoji="1" lang="en-US" altLang="ja-JP" sz="2400" dirty="0" err="1"/>
               <a:t>abc</a:t>
             </a:r>
-            <a:endParaRPr kumimoji="1" lang="ja-JP" altLang="en-US" dirty="0"/>
+            <a:endParaRPr kumimoji="1" lang="ja-JP" altLang="en-US" sz="2400" dirty="0"/>
           </a:p>
         </p:txBody>
       </p:sp>
@@ -6427,8 +7433,8 @@
         </p:nvSpPr>
         <p:spPr>
           <a:xfrm>
-            <a:off x="9584264" y="3495658"/>
-            <a:ext cx="869149" cy="369332"/>
+            <a:off x="9972398" y="2915176"/>
+            <a:ext cx="1095172" cy="461665"/>
           </a:xfrm>
           <a:prstGeom prst="rect">
             <a:avLst/>
@@ -6442,10 +7448,10 @@
           <a:lstStyle/>
           <a:p>
             <a:r>
-              <a:rPr kumimoji="1" lang="en-US" altLang="ja-JP" dirty="0"/>
+              <a:rPr kumimoji="1" lang="en-US" altLang="ja-JP" sz="2400" dirty="0"/>
               <a:t>0x0030</a:t>
             </a:r>
-            <a:endParaRPr kumimoji="1" lang="ja-JP" altLang="en-US" dirty="0"/>
+            <a:endParaRPr kumimoji="1" lang="ja-JP" altLang="en-US" sz="2400" dirty="0"/>
           </a:p>
         </p:txBody>
       </p:sp>
@@ -6457,8 +7463,8 @@
         </p:nvSpPr>
         <p:spPr>
           <a:xfrm>
-            <a:off x="10923881" y="3495658"/>
-            <a:ext cx="545983" cy="369332"/>
+            <a:off x="11373653" y="2881116"/>
+            <a:ext cx="666914" cy="461665"/>
           </a:xfrm>
           <a:prstGeom prst="rect">
             <a:avLst/>
@@ -6472,7 +7478,7 @@
           <a:lstStyle/>
           <a:p>
             <a:r>
-              <a:rPr kumimoji="1" lang="en-US" altLang="ja-JP" dirty="0"/>
+              <a:rPr kumimoji="1" lang="en-US" altLang="ja-JP" sz="2400" dirty="0"/>
               <a:t>str1</a:t>
             </a:r>
           </a:p>
@@ -6481,13 +7487,17 @@
       <p:cxnSp>
         <p:nvCxnSpPr>
           <p:cNvPr id="83" name="直線矢印コネクタ 82"/>
-          <p:cNvCxnSpPr/>
+          <p:cNvCxnSpPr>
+            <a:cxnSpLocks/>
+            <a:stCxn id="82" idx="1"/>
+            <a:endCxn id="88" idx="3"/>
+          </p:cNvCxnSpPr>
           <p:nvPr/>
         </p:nvCxnSpPr>
         <p:spPr>
           <a:xfrm flipH="1">
-            <a:off x="10437637" y="3645469"/>
-            <a:ext cx="486244" cy="1"/>
+            <a:off x="11067570" y="3111949"/>
+            <a:ext cx="306083" cy="32189"/>
           </a:xfrm>
           <a:prstGeom prst="straightConnector1">
             <a:avLst/>
@@ -6518,14 +7528,16 @@
         <p:nvCxnSpPr>
           <p:cNvPr id="84" name="直線矢印コネクタ 83"/>
           <p:cNvCxnSpPr>
+            <a:cxnSpLocks/>
+            <a:stCxn id="88" idx="1"/>
             <a:endCxn id="80" idx="3"/>
           </p:cNvCxnSpPr>
           <p:nvPr/>
         </p:nvCxnSpPr>
         <p:spPr>
           <a:xfrm flipH="1">
-            <a:off x="6152358" y="3775776"/>
-            <a:ext cx="2420489" cy="652815"/>
+            <a:off x="6733398" y="3144138"/>
+            <a:ext cx="3239000" cy="1019253"/>
           </a:xfrm>
           <a:prstGeom prst="straightConnector1">
             <a:avLst/>
@@ -6560,8 +7572,8 @@
         </p:nvSpPr>
         <p:spPr>
           <a:xfrm>
-            <a:off x="9584263" y="3495658"/>
-            <a:ext cx="869149" cy="369332"/>
+            <a:off x="9972398" y="2913305"/>
+            <a:ext cx="1095172" cy="461665"/>
           </a:xfrm>
           <a:prstGeom prst="rect">
             <a:avLst/>
@@ -6575,10 +7587,10 @@
           <a:lstStyle/>
           <a:p>
             <a:r>
-              <a:rPr kumimoji="1" lang="en-US" altLang="ja-JP" dirty="0"/>
+              <a:rPr kumimoji="1" lang="en-US" altLang="ja-JP" sz="2400" dirty="0"/>
               <a:t>0x0040</a:t>
             </a:r>
-            <a:endParaRPr kumimoji="1" lang="ja-JP" altLang="en-US" dirty="0"/>
+            <a:endParaRPr kumimoji="1" lang="ja-JP" altLang="en-US" sz="2400" dirty="0"/>
           </a:p>
         </p:txBody>
       </p:sp>
@@ -6590,8 +7602,8 @@
         </p:nvSpPr>
         <p:spPr>
           <a:xfrm>
-            <a:off x="5637473" y="4613257"/>
-            <a:ext cx="535724" cy="369332"/>
+            <a:off x="6064882" y="4436700"/>
+            <a:ext cx="651140" cy="461665"/>
           </a:xfrm>
           <a:prstGeom prst="rect">
             <a:avLst/>
@@ -6605,10 +7617,10 @@
           <a:lstStyle/>
           <a:p>
             <a:r>
-              <a:rPr kumimoji="1" lang="en-US" altLang="ja-JP" dirty="0"/>
+              <a:rPr kumimoji="1" lang="en-US" altLang="ja-JP" sz="2400" dirty="0"/>
               <a:t>123</a:t>
             </a:r>
-            <a:endParaRPr kumimoji="1" lang="ja-JP" altLang="en-US" dirty="0"/>
+            <a:endParaRPr kumimoji="1" lang="ja-JP" altLang="en-US" sz="2400" dirty="0"/>
           </a:p>
         </p:txBody>
       </p:sp>
@@ -6616,14 +7628,16 @@
         <p:nvCxnSpPr>
           <p:cNvPr id="91" name="直線矢印コネクタ 90"/>
           <p:cNvCxnSpPr>
+            <a:cxnSpLocks/>
+            <a:stCxn id="88" idx="1"/>
             <a:endCxn id="89" idx="3"/>
           </p:cNvCxnSpPr>
           <p:nvPr/>
         </p:nvCxnSpPr>
         <p:spPr>
           <a:xfrm flipH="1">
-            <a:off x="6173197" y="3769244"/>
-            <a:ext cx="2399649" cy="1028679"/>
+            <a:off x="6716022" y="3144138"/>
+            <a:ext cx="3256376" cy="1523395"/>
           </a:xfrm>
           <a:prstGeom prst="straightConnector1">
             <a:avLst/>
@@ -6650,83 +7664,6 @@
           </a:fontRef>
         </p:style>
       </p:cxnSp>
-      <p:cxnSp>
-        <p:nvCxnSpPr>
-          <p:cNvPr id="93" name="コネクタ: カギ線 92"/>
-          <p:cNvCxnSpPr>
-            <a:stCxn id="79" idx="0"/>
-            <a:endCxn id="88" idx="0"/>
-          </p:cNvCxnSpPr>
-          <p:nvPr/>
-        </p:nvCxnSpPr>
-        <p:spPr>
-          <a:xfrm rot="5400000" flipH="1" flipV="1">
-            <a:off x="8045443" y="1522264"/>
-            <a:ext cx="12700" cy="3946789"/>
-          </a:xfrm>
-          <a:prstGeom prst="bentConnector3">
-            <a:avLst>
-              <a:gd name="adj1" fmla="val 5799984"/>
-            </a:avLst>
-          </a:prstGeom>
-          <a:ln>
-            <a:solidFill>
-              <a:srgbClr val="FF0000"/>
-            </a:solidFill>
-            <a:tailEnd type="triangle"/>
-          </a:ln>
-        </p:spPr>
-        <p:style>
-          <a:lnRef idx="1">
-            <a:schemeClr val="accent1"/>
-          </a:lnRef>
-          <a:fillRef idx="0">
-            <a:schemeClr val="accent1"/>
-          </a:fillRef>
-          <a:effectRef idx="0">
-            <a:schemeClr val="accent1"/>
-          </a:effectRef>
-          <a:fontRef idx="minor">
-            <a:schemeClr val="tx1"/>
-          </a:fontRef>
-        </p:style>
-      </p:cxnSp>
-      <p:sp>
-        <p:nvSpPr>
-          <p:cNvPr id="99" name="テキスト ボックス 98"/>
-          <p:cNvSpPr txBox="1"/>
-          <p:nvPr/>
-        </p:nvSpPr>
-        <p:spPr>
-          <a:xfrm>
-            <a:off x="6714571" y="2076220"/>
-            <a:ext cx="2674444" cy="646331"/>
-          </a:xfrm>
-          <a:prstGeom prst="rect">
-            <a:avLst/>
-          </a:prstGeom>
-          <a:noFill/>
-        </p:spPr>
-        <p:txBody>
-          <a:bodyPr wrap="square" rtlCol="0">
-            <a:spAutoFit/>
-          </a:bodyPr>
-          <a:lstStyle/>
-          <a:p>
-            <a:r>
-              <a:rPr kumimoji="1" lang="ja-JP" altLang="en-US" dirty="0"/>
-              <a:t>値をコピーして渡すことを</a:t>
-            </a:r>
-            <a:endParaRPr kumimoji="1" lang="en-US" altLang="ja-JP" dirty="0"/>
-          </a:p>
-          <a:p>
-            <a:r>
-              <a:rPr kumimoji="1" lang="ja-JP" altLang="en-US" dirty="0"/>
-              <a:t>値渡しと言う</a:t>
-            </a:r>
-          </a:p>
-        </p:txBody>
-      </p:sp>
       <p:sp>
         <p:nvSpPr>
           <p:cNvPr id="100" name="矢印: 右 99"/>
@@ -6735,7 +7672,7 @@
         </p:nvSpPr>
         <p:spPr>
           <a:xfrm>
-            <a:off x="1241147" y="4920686"/>
+            <a:off x="1086369" y="4479548"/>
             <a:ext cx="184558" cy="143014"/>
           </a:xfrm>
           <a:prstGeom prst="rightArrow">
@@ -6775,8 +7712,8 @@
         </p:nvSpPr>
         <p:spPr>
           <a:xfrm>
-            <a:off x="1097280" y="5692099"/>
-            <a:ext cx="5756102" cy="369332"/>
+            <a:off x="1097280" y="5302376"/>
+            <a:ext cx="1956313" cy="461665"/>
           </a:xfrm>
           <a:prstGeom prst="rect">
             <a:avLst/>
@@ -6790,31 +7727,34 @@
           <a:lstStyle/>
           <a:p>
             <a:r>
-              <a:rPr kumimoji="1" lang="ja-JP" altLang="en-US" dirty="0"/>
+              <a:rPr kumimoji="1" lang="ja-JP" altLang="en-US" sz="2400" dirty="0"/>
               <a:t>実行結果</a:t>
             </a:r>
             <a:r>
-              <a:rPr kumimoji="1" lang="en-US" altLang="ja-JP" dirty="0"/>
+              <a:rPr kumimoji="1" lang="en-US" altLang="ja-JP" sz="2400" dirty="0"/>
               <a:t>:</a:t>
             </a:r>
             <a:r>
-              <a:rPr kumimoji="1" lang="en-US" altLang="ja-JP" dirty="0" err="1"/>
+              <a:rPr kumimoji="1" lang="en-US" altLang="ja-JP" sz="2400" dirty="0" err="1"/>
               <a:t>abc</a:t>
             </a:r>
-            <a:endParaRPr kumimoji="1" lang="ja-JP" altLang="en-US" dirty="0"/>
+            <a:endParaRPr kumimoji="1" lang="ja-JP" altLang="en-US" sz="2400" dirty="0"/>
           </a:p>
         </p:txBody>
       </p:sp>
       <p:cxnSp>
         <p:nvCxnSpPr>
           <p:cNvPr id="103" name="直線矢印コネクタ 102"/>
-          <p:cNvCxnSpPr/>
+          <p:cNvCxnSpPr>
+            <a:cxnSpLocks/>
+            <a:endCxn id="101" idx="3"/>
+          </p:cNvCxnSpPr>
           <p:nvPr/>
         </p:nvCxnSpPr>
         <p:spPr>
           <a:xfrm flipH="1">
-            <a:off x="2621136" y="4464946"/>
-            <a:ext cx="2064151" cy="1294004"/>
+            <a:off x="3053593" y="4163391"/>
+            <a:ext cx="1910760" cy="1369818"/>
           </a:xfrm>
           <a:prstGeom prst="straightConnector1">
             <a:avLst/>
@@ -7346,191 +8286,15 @@
                                   </p:childTnLst>
                                 </p:cTn>
                               </p:par>
-                            </p:childTnLst>
-                          </p:cTn>
-                        </p:par>
-                      </p:childTnLst>
-                    </p:cTn>
-                  </p:par>
-                  <p:par>
-                    <p:cTn id="48" fill="hold">
-                      <p:stCondLst>
-                        <p:cond delay="indefinite"/>
-                      </p:stCondLst>
-                      <p:childTnLst>
-                        <p:par>
-                          <p:cTn id="49" fill="hold">
-                            <p:stCondLst>
-                              <p:cond delay="0"/>
-                            </p:stCondLst>
-                            <p:childTnLst>
                               <p:par>
-                                <p:cTn id="50" presetID="10" presetClass="entr" presetSubtype="0" fill="hold" grpId="0" nodeType="clickEffect">
+                                <p:cTn id="48" presetID="10" presetClass="entr" presetSubtype="0" fill="hold" nodeType="withEffect">
                                   <p:stCondLst>
                                     <p:cond delay="0"/>
                                   </p:stCondLst>
                                   <p:childTnLst>
                                     <p:set>
                                       <p:cBhvr>
-                                        <p:cTn id="51" dur="1" fill="hold">
-                                          <p:stCondLst>
-                                            <p:cond delay="0"/>
-                                          </p:stCondLst>
-                                        </p:cTn>
-                                        <p:tgtEl>
-                                          <p:spTgt spid="99"/>
-                                        </p:tgtEl>
-                                        <p:attrNameLst>
-                                          <p:attrName>style.visibility</p:attrName>
-                                        </p:attrNameLst>
-                                      </p:cBhvr>
-                                      <p:to>
-                                        <p:strVal val="visible"/>
-                                      </p:to>
-                                    </p:set>
-                                    <p:animEffect transition="in" filter="fade">
-                                      <p:cBhvr>
-                                        <p:cTn id="52" dur="500"/>
-                                        <p:tgtEl>
-                                          <p:spTgt spid="99"/>
-                                        </p:tgtEl>
-                                      </p:cBhvr>
-                                    </p:animEffect>
-                                  </p:childTnLst>
-                                </p:cTn>
-                              </p:par>
-                              <p:par>
-                                <p:cTn id="53" presetID="10" presetClass="entr" presetSubtype="0" fill="hold" nodeType="withEffect">
-                                  <p:stCondLst>
-                                    <p:cond delay="0"/>
-                                  </p:stCondLst>
-                                  <p:childTnLst>
-                                    <p:set>
-                                      <p:cBhvr>
-                                        <p:cTn id="54" dur="1" fill="hold">
-                                          <p:stCondLst>
-                                            <p:cond delay="0"/>
-                                          </p:stCondLst>
-                                        </p:cTn>
-                                        <p:tgtEl>
-                                          <p:spTgt spid="93"/>
-                                        </p:tgtEl>
-                                        <p:attrNameLst>
-                                          <p:attrName>style.visibility</p:attrName>
-                                        </p:attrNameLst>
-                                      </p:cBhvr>
-                                      <p:to>
-                                        <p:strVal val="visible"/>
-                                      </p:to>
-                                    </p:set>
-                                    <p:animEffect transition="in" filter="fade">
-                                      <p:cBhvr>
-                                        <p:cTn id="55" dur="500"/>
-                                        <p:tgtEl>
-                                          <p:spTgt spid="93"/>
-                                        </p:tgtEl>
-                                      </p:cBhvr>
-                                    </p:animEffect>
-                                  </p:childTnLst>
-                                </p:cTn>
-                              </p:par>
-                            </p:childTnLst>
-                          </p:cTn>
-                        </p:par>
-                      </p:childTnLst>
-                    </p:cTn>
-                  </p:par>
-                  <p:par>
-                    <p:cTn id="56" fill="hold">
-                      <p:stCondLst>
-                        <p:cond delay="indefinite"/>
-                      </p:stCondLst>
-                      <p:childTnLst>
-                        <p:par>
-                          <p:cTn id="57" fill="hold">
-                            <p:stCondLst>
-                              <p:cond delay="0"/>
-                            </p:stCondLst>
-                            <p:childTnLst>
-                              <p:par>
-                                <p:cTn id="58" presetID="10" presetClass="exit" presetSubtype="0" fill="hold" grpId="1" nodeType="clickEffect">
-                                  <p:stCondLst>
-                                    <p:cond delay="0"/>
-                                  </p:stCondLst>
-                                  <p:childTnLst>
-                                    <p:animEffect transition="out" filter="fade">
-                                      <p:cBhvr>
-                                        <p:cTn id="59" dur="500"/>
-                                        <p:tgtEl>
-                                          <p:spTgt spid="99"/>
-                                        </p:tgtEl>
-                                      </p:cBhvr>
-                                    </p:animEffect>
-                                    <p:set>
-                                      <p:cBhvr>
-                                        <p:cTn id="60" dur="1" fill="hold">
-                                          <p:stCondLst>
-                                            <p:cond delay="499"/>
-                                          </p:stCondLst>
-                                        </p:cTn>
-                                        <p:tgtEl>
-                                          <p:spTgt spid="99"/>
-                                        </p:tgtEl>
-                                        <p:attrNameLst>
-                                          <p:attrName>style.visibility</p:attrName>
-                                        </p:attrNameLst>
-                                      </p:cBhvr>
-                                      <p:to>
-                                        <p:strVal val="hidden"/>
-                                      </p:to>
-                                    </p:set>
-                                  </p:childTnLst>
-                                </p:cTn>
-                              </p:par>
-                              <p:par>
-                                <p:cTn id="61" presetID="10" presetClass="exit" presetSubtype="0" fill="hold" nodeType="withEffect">
-                                  <p:stCondLst>
-                                    <p:cond delay="0"/>
-                                  </p:stCondLst>
-                                  <p:childTnLst>
-                                    <p:animEffect transition="out" filter="fade">
-                                      <p:cBhvr>
-                                        <p:cTn id="62" dur="500"/>
-                                        <p:tgtEl>
-                                          <p:spTgt spid="93"/>
-                                        </p:tgtEl>
-                                      </p:cBhvr>
-                                    </p:animEffect>
-                                    <p:set>
-                                      <p:cBhvr>
-                                        <p:cTn id="63" dur="1" fill="hold">
-                                          <p:stCondLst>
-                                            <p:cond delay="499"/>
-                                          </p:stCondLst>
-                                        </p:cTn>
-                                        <p:tgtEl>
-                                          <p:spTgt spid="93"/>
-                                        </p:tgtEl>
-                                        <p:attrNameLst>
-                                          <p:attrName>style.visibility</p:attrName>
-                                        </p:attrNameLst>
-                                      </p:cBhvr>
-                                      <p:to>
-                                        <p:strVal val="hidden"/>
-                                      </p:to>
-                                    </p:set>
-                                  </p:childTnLst>
-                                </p:cTn>
-                              </p:par>
-                              <p:par>
-                                <p:cTn id="64" presetID="10" presetClass="entr" presetSubtype="0" fill="hold" nodeType="withEffect">
-                                  <p:stCondLst>
-                                    <p:cond delay="0"/>
-                                  </p:stCondLst>
-                                  <p:childTnLst>
-                                    <p:set>
-                                      <p:cBhvr>
-                                        <p:cTn id="65" dur="1" fill="hold">
+                                        <p:cTn id="49" dur="1" fill="hold">
                                           <p:stCondLst>
                                             <p:cond delay="0"/>
                                           </p:stCondLst>
@@ -7548,7 +8312,7 @@
                                     </p:set>
                                     <p:animEffect transition="in" filter="fade">
                                       <p:cBhvr>
-                                        <p:cTn id="66" dur="500"/>
+                                        <p:cTn id="50" dur="500"/>
                                         <p:tgtEl>
                                           <p:spTgt spid="84"/>
                                         </p:tgtEl>
@@ -7564,26 +8328,26 @@
                     </p:cTn>
                   </p:par>
                   <p:par>
-                    <p:cTn id="67" fill="hold">
+                    <p:cTn id="51" fill="hold">
                       <p:stCondLst>
                         <p:cond delay="indefinite"/>
                       </p:stCondLst>
                       <p:childTnLst>
                         <p:par>
-                          <p:cTn id="68" fill="hold">
+                          <p:cTn id="52" fill="hold">
                             <p:stCondLst>
                               <p:cond delay="0"/>
                             </p:stCondLst>
                             <p:childTnLst>
                               <p:par>
-                                <p:cTn id="69" presetID="10" presetClass="exit" presetSubtype="0" fill="hold" grpId="1" nodeType="clickEffect">
+                                <p:cTn id="53" presetID="10" presetClass="exit" presetSubtype="0" fill="hold" grpId="1" nodeType="clickEffect">
                                   <p:stCondLst>
                                     <p:cond delay="0"/>
                                   </p:stCondLst>
                                   <p:childTnLst>
                                     <p:animEffect transition="out" filter="fade">
                                       <p:cBhvr>
-                                        <p:cTn id="70" dur="500"/>
+                                        <p:cTn id="54" dur="500"/>
                                         <p:tgtEl>
                                           <p:spTgt spid="77"/>
                                         </p:tgtEl>
@@ -7591,7 +8355,7 @@
                                     </p:animEffect>
                                     <p:set>
                                       <p:cBhvr>
-                                        <p:cTn id="71" dur="1" fill="hold">
+                                        <p:cTn id="55" dur="1" fill="hold">
                                           <p:stCondLst>
                                             <p:cond delay="499"/>
                                           </p:stCondLst>
@@ -7611,14 +8375,14 @@
                                 </p:cTn>
                               </p:par>
                               <p:par>
-                                <p:cTn id="72" presetID="10" presetClass="entr" presetSubtype="0" fill="hold" grpId="0" nodeType="withEffect">
+                                <p:cTn id="56" presetID="10" presetClass="entr" presetSubtype="0" fill="hold" grpId="0" nodeType="withEffect">
                                   <p:stCondLst>
                                     <p:cond delay="0"/>
                                   </p:stCondLst>
                                   <p:childTnLst>
                                     <p:set>
                                       <p:cBhvr>
-                                        <p:cTn id="73" dur="1" fill="hold">
+                                        <p:cTn id="57" dur="1" fill="hold">
                                           <p:stCondLst>
                                             <p:cond delay="0"/>
                                           </p:stCondLst>
@@ -7636,7 +8400,7 @@
                                     </p:set>
                                     <p:animEffect transition="in" filter="fade">
                                       <p:cBhvr>
-                                        <p:cTn id="74" dur="500"/>
+                                        <p:cTn id="58" dur="500"/>
                                         <p:tgtEl>
                                           <p:spTgt spid="78"/>
                                         </p:tgtEl>
@@ -7652,26 +8416,26 @@
                     </p:cTn>
                   </p:par>
                   <p:par>
-                    <p:cTn id="75" fill="hold">
+                    <p:cTn id="59" fill="hold">
                       <p:stCondLst>
                         <p:cond delay="indefinite"/>
                       </p:stCondLst>
                       <p:childTnLst>
                         <p:par>
-                          <p:cTn id="76" fill="hold">
+                          <p:cTn id="60" fill="hold">
                             <p:stCondLst>
                               <p:cond delay="0"/>
                             </p:stCondLst>
                             <p:childTnLst>
                               <p:par>
-                                <p:cTn id="77" presetID="10" presetClass="exit" presetSubtype="0" fill="hold" grpId="1" nodeType="clickEffect">
+                                <p:cTn id="61" presetID="10" presetClass="exit" presetSubtype="0" fill="hold" grpId="1" nodeType="clickEffect">
                                   <p:stCondLst>
                                     <p:cond delay="0"/>
                                   </p:stCondLst>
                                   <p:childTnLst>
                                     <p:animEffect transition="out" filter="fade">
                                       <p:cBhvr>
-                                        <p:cTn id="78" dur="500"/>
+                                        <p:cTn id="62" dur="500"/>
                                         <p:tgtEl>
                                           <p:spTgt spid="81"/>
                                         </p:tgtEl>
@@ -7679,7 +8443,7 @@
                                     </p:animEffect>
                                     <p:set>
                                       <p:cBhvr>
-                                        <p:cTn id="79" dur="1" fill="hold">
+                                        <p:cTn id="63" dur="1" fill="hold">
                                           <p:stCondLst>
                                             <p:cond delay="499"/>
                                           </p:stCondLst>
@@ -7699,14 +8463,14 @@
                                 </p:cTn>
                               </p:par>
                               <p:par>
-                                <p:cTn id="80" presetID="10" presetClass="exit" presetSubtype="0" fill="hold" nodeType="withEffect">
+                                <p:cTn id="64" presetID="10" presetClass="exit" presetSubtype="0" fill="hold" nodeType="withEffect">
                                   <p:stCondLst>
                                     <p:cond delay="0"/>
                                   </p:stCondLst>
                                   <p:childTnLst>
                                     <p:animEffect transition="out" filter="fade">
                                       <p:cBhvr>
-                                        <p:cTn id="81" dur="500"/>
+                                        <p:cTn id="65" dur="500"/>
                                         <p:tgtEl>
                                           <p:spTgt spid="84"/>
                                         </p:tgtEl>
@@ -7714,7 +8478,7 @@
                                     </p:animEffect>
                                     <p:set>
                                       <p:cBhvr>
-                                        <p:cTn id="82" dur="1" fill="hold">
+                                        <p:cTn id="66" dur="1" fill="hold">
                                           <p:stCondLst>
                                             <p:cond delay="499"/>
                                           </p:stCondLst>
@@ -7740,26 +8504,26 @@
                     </p:cTn>
                   </p:par>
                   <p:par>
-                    <p:cTn id="83" fill="hold">
+                    <p:cTn id="67" fill="hold">
                       <p:stCondLst>
                         <p:cond delay="indefinite"/>
                       </p:stCondLst>
                       <p:childTnLst>
                         <p:par>
-                          <p:cTn id="84" fill="hold">
+                          <p:cTn id="68" fill="hold">
                             <p:stCondLst>
                               <p:cond delay="0"/>
                             </p:stCondLst>
                             <p:childTnLst>
                               <p:par>
-                                <p:cTn id="85" presetID="10" presetClass="entr" presetSubtype="0" fill="hold" grpId="0" nodeType="clickEffect">
+                                <p:cTn id="69" presetID="10" presetClass="entr" presetSubtype="0" fill="hold" grpId="0" nodeType="clickEffect">
                                   <p:stCondLst>
                                     <p:cond delay="0"/>
                                   </p:stCondLst>
                                   <p:childTnLst>
                                     <p:set>
                                       <p:cBhvr>
-                                        <p:cTn id="86" dur="1" fill="hold">
+                                        <p:cTn id="70" dur="1" fill="hold">
                                           <p:stCondLst>
                                             <p:cond delay="0"/>
                                           </p:stCondLst>
@@ -7777,9 +8541,185 @@
                                     </p:set>
                                     <p:animEffect transition="in" filter="fade">
                                       <p:cBhvr>
+                                        <p:cTn id="71" dur="500"/>
+                                        <p:tgtEl>
+                                          <p:spTgt spid="88"/>
+                                        </p:tgtEl>
+                                      </p:cBhvr>
+                                    </p:animEffect>
+                                  </p:childTnLst>
+                                </p:cTn>
+                              </p:par>
+                            </p:childTnLst>
+                          </p:cTn>
+                        </p:par>
+                      </p:childTnLst>
+                    </p:cTn>
+                  </p:par>
+                  <p:par>
+                    <p:cTn id="72" fill="hold">
+                      <p:stCondLst>
+                        <p:cond delay="indefinite"/>
+                      </p:stCondLst>
+                      <p:childTnLst>
+                        <p:par>
+                          <p:cTn id="73" fill="hold">
+                            <p:stCondLst>
+                              <p:cond delay="0"/>
+                            </p:stCondLst>
+                            <p:childTnLst>
+                              <p:par>
+                                <p:cTn id="74" presetID="10" presetClass="entr" presetSubtype="0" fill="hold" grpId="0" nodeType="clickEffect">
+                                  <p:stCondLst>
+                                    <p:cond delay="0"/>
+                                  </p:stCondLst>
+                                  <p:childTnLst>
+                                    <p:set>
+                                      <p:cBhvr>
+                                        <p:cTn id="75" dur="1" fill="hold">
+                                          <p:stCondLst>
+                                            <p:cond delay="0"/>
+                                          </p:stCondLst>
+                                        </p:cTn>
+                                        <p:tgtEl>
+                                          <p:spTgt spid="89"/>
+                                        </p:tgtEl>
+                                        <p:attrNameLst>
+                                          <p:attrName>style.visibility</p:attrName>
+                                        </p:attrNameLst>
+                                      </p:cBhvr>
+                                      <p:to>
+                                        <p:strVal val="visible"/>
+                                      </p:to>
+                                    </p:set>
+                                    <p:animEffect transition="in" filter="fade">
+                                      <p:cBhvr>
+                                        <p:cTn id="76" dur="500"/>
+                                        <p:tgtEl>
+                                          <p:spTgt spid="89"/>
+                                        </p:tgtEl>
+                                      </p:cBhvr>
+                                    </p:animEffect>
+                                  </p:childTnLst>
+                                </p:cTn>
+                              </p:par>
+                              <p:par>
+                                <p:cTn id="77" presetID="10" presetClass="entr" presetSubtype="0" fill="hold" nodeType="withEffect">
+                                  <p:stCondLst>
+                                    <p:cond delay="0"/>
+                                  </p:stCondLst>
+                                  <p:childTnLst>
+                                    <p:set>
+                                      <p:cBhvr>
+                                        <p:cTn id="78" dur="1" fill="hold">
+                                          <p:stCondLst>
+                                            <p:cond delay="0"/>
+                                          </p:stCondLst>
+                                        </p:cTn>
+                                        <p:tgtEl>
+                                          <p:spTgt spid="91"/>
+                                        </p:tgtEl>
+                                        <p:attrNameLst>
+                                          <p:attrName>style.visibility</p:attrName>
+                                        </p:attrNameLst>
+                                      </p:cBhvr>
+                                      <p:to>
+                                        <p:strVal val="visible"/>
+                                      </p:to>
+                                    </p:set>
+                                    <p:animEffect transition="in" filter="fade">
+                                      <p:cBhvr>
+                                        <p:cTn id="79" dur="500"/>
+                                        <p:tgtEl>
+                                          <p:spTgt spid="91"/>
+                                        </p:tgtEl>
+                                      </p:cBhvr>
+                                    </p:animEffect>
+                                  </p:childTnLst>
+                                </p:cTn>
+                              </p:par>
+                            </p:childTnLst>
+                          </p:cTn>
+                        </p:par>
+                      </p:childTnLst>
+                    </p:cTn>
+                  </p:par>
+                  <p:par>
+                    <p:cTn id="80" fill="hold">
+                      <p:stCondLst>
+                        <p:cond delay="indefinite"/>
+                      </p:stCondLst>
+                      <p:childTnLst>
+                        <p:par>
+                          <p:cTn id="81" fill="hold">
+                            <p:stCondLst>
+                              <p:cond delay="0"/>
+                            </p:stCondLst>
+                            <p:childTnLst>
+                              <p:par>
+                                <p:cTn id="82" presetID="10" presetClass="exit" presetSubtype="0" fill="hold" grpId="1" nodeType="clickEffect">
+                                  <p:stCondLst>
+                                    <p:cond delay="0"/>
+                                  </p:stCondLst>
+                                  <p:childTnLst>
+                                    <p:animEffect transition="out" filter="fade">
+                                      <p:cBhvr>
+                                        <p:cTn id="83" dur="500"/>
+                                        <p:tgtEl>
+                                          <p:spTgt spid="78"/>
+                                        </p:tgtEl>
+                                      </p:cBhvr>
+                                    </p:animEffect>
+                                    <p:set>
+                                      <p:cBhvr>
+                                        <p:cTn id="84" dur="1" fill="hold">
+                                          <p:stCondLst>
+                                            <p:cond delay="499"/>
+                                          </p:stCondLst>
+                                        </p:cTn>
+                                        <p:tgtEl>
+                                          <p:spTgt spid="78"/>
+                                        </p:tgtEl>
+                                        <p:attrNameLst>
+                                          <p:attrName>style.visibility</p:attrName>
+                                        </p:attrNameLst>
+                                      </p:cBhvr>
+                                      <p:to>
+                                        <p:strVal val="hidden"/>
+                                      </p:to>
+                                    </p:set>
+                                  </p:childTnLst>
+                                </p:cTn>
+                              </p:par>
+                              <p:par>
+                                <p:cTn id="85" presetID="10" presetClass="entr" presetSubtype="0" fill="hold" grpId="0" nodeType="withEffect">
+                                  <p:stCondLst>
+                                    <p:cond delay="0"/>
+                                  </p:stCondLst>
+                                  <p:childTnLst>
+                                    <p:set>
+                                      <p:cBhvr>
+                                        <p:cTn id="86" dur="1" fill="hold">
+                                          <p:stCondLst>
+                                            <p:cond delay="0"/>
+                                          </p:stCondLst>
+                                        </p:cTn>
+                                        <p:tgtEl>
+                                          <p:spTgt spid="100"/>
+                                        </p:tgtEl>
+                                        <p:attrNameLst>
+                                          <p:attrName>style.visibility</p:attrName>
+                                        </p:attrNameLst>
+                                      </p:cBhvr>
+                                      <p:to>
+                                        <p:strVal val="visible"/>
+                                      </p:to>
+                                    </p:set>
+                                    <p:animEffect transition="in" filter="fade">
+                                      <p:cBhvr>
                                         <p:cTn id="87" dur="500"/>
                                         <p:tgtEl>
-                                          <p:spTgt spid="88"/>
+                                          <p:spTgt spid="100"/>
                                         </p:tgtEl>
                                       </p:cBhvr>
                                     </p:animEffect>
@@ -7805,7 +8745,7 @@
                             </p:stCondLst>
                             <p:childTnLst>
                               <p:par>
-                                <p:cTn id="90" presetID="10" presetClass="entr" presetSubtype="0" fill="hold" grpId="0" nodeType="clickEffect">
+                                <p:cTn id="90" presetID="10" presetClass="entr" presetSubtype="0" fill="hold" nodeType="clickEffect">
                                   <p:stCondLst>
                                     <p:cond delay="0"/>
                                   </p:stCondLst>
@@ -7813,182 +8753,6 @@
                                     <p:set>
                                       <p:cBhvr>
                                         <p:cTn id="91" dur="1" fill="hold">
-                                          <p:stCondLst>
-                                            <p:cond delay="0"/>
-                                          </p:stCondLst>
-                                        </p:cTn>
-                                        <p:tgtEl>
-                                          <p:spTgt spid="89"/>
-                                        </p:tgtEl>
-                                        <p:attrNameLst>
-                                          <p:attrName>style.visibility</p:attrName>
-                                        </p:attrNameLst>
-                                      </p:cBhvr>
-                                      <p:to>
-                                        <p:strVal val="visible"/>
-                                      </p:to>
-                                    </p:set>
-                                    <p:animEffect transition="in" filter="fade">
-                                      <p:cBhvr>
-                                        <p:cTn id="92" dur="500"/>
-                                        <p:tgtEl>
-                                          <p:spTgt spid="89"/>
-                                        </p:tgtEl>
-                                      </p:cBhvr>
-                                    </p:animEffect>
-                                  </p:childTnLst>
-                                </p:cTn>
-                              </p:par>
-                              <p:par>
-                                <p:cTn id="93" presetID="10" presetClass="entr" presetSubtype="0" fill="hold" nodeType="withEffect">
-                                  <p:stCondLst>
-                                    <p:cond delay="0"/>
-                                  </p:stCondLst>
-                                  <p:childTnLst>
-                                    <p:set>
-                                      <p:cBhvr>
-                                        <p:cTn id="94" dur="1" fill="hold">
-                                          <p:stCondLst>
-                                            <p:cond delay="0"/>
-                                          </p:stCondLst>
-                                        </p:cTn>
-                                        <p:tgtEl>
-                                          <p:spTgt spid="91"/>
-                                        </p:tgtEl>
-                                        <p:attrNameLst>
-                                          <p:attrName>style.visibility</p:attrName>
-                                        </p:attrNameLst>
-                                      </p:cBhvr>
-                                      <p:to>
-                                        <p:strVal val="visible"/>
-                                      </p:to>
-                                    </p:set>
-                                    <p:animEffect transition="in" filter="fade">
-                                      <p:cBhvr>
-                                        <p:cTn id="95" dur="500"/>
-                                        <p:tgtEl>
-                                          <p:spTgt spid="91"/>
-                                        </p:tgtEl>
-                                      </p:cBhvr>
-                                    </p:animEffect>
-                                  </p:childTnLst>
-                                </p:cTn>
-                              </p:par>
-                            </p:childTnLst>
-                          </p:cTn>
-                        </p:par>
-                      </p:childTnLst>
-                    </p:cTn>
-                  </p:par>
-                  <p:par>
-                    <p:cTn id="96" fill="hold">
-                      <p:stCondLst>
-                        <p:cond delay="indefinite"/>
-                      </p:stCondLst>
-                      <p:childTnLst>
-                        <p:par>
-                          <p:cTn id="97" fill="hold">
-                            <p:stCondLst>
-                              <p:cond delay="0"/>
-                            </p:stCondLst>
-                            <p:childTnLst>
-                              <p:par>
-                                <p:cTn id="98" presetID="10" presetClass="exit" presetSubtype="0" fill="hold" grpId="1" nodeType="clickEffect">
-                                  <p:stCondLst>
-                                    <p:cond delay="0"/>
-                                  </p:stCondLst>
-                                  <p:childTnLst>
-                                    <p:animEffect transition="out" filter="fade">
-                                      <p:cBhvr>
-                                        <p:cTn id="99" dur="500"/>
-                                        <p:tgtEl>
-                                          <p:spTgt spid="78"/>
-                                        </p:tgtEl>
-                                      </p:cBhvr>
-                                    </p:animEffect>
-                                    <p:set>
-                                      <p:cBhvr>
-                                        <p:cTn id="100" dur="1" fill="hold">
-                                          <p:stCondLst>
-                                            <p:cond delay="499"/>
-                                          </p:stCondLst>
-                                        </p:cTn>
-                                        <p:tgtEl>
-                                          <p:spTgt spid="78"/>
-                                        </p:tgtEl>
-                                        <p:attrNameLst>
-                                          <p:attrName>style.visibility</p:attrName>
-                                        </p:attrNameLst>
-                                      </p:cBhvr>
-                                      <p:to>
-                                        <p:strVal val="hidden"/>
-                                      </p:to>
-                                    </p:set>
-                                  </p:childTnLst>
-                                </p:cTn>
-                              </p:par>
-                              <p:par>
-                                <p:cTn id="101" presetID="10" presetClass="entr" presetSubtype="0" fill="hold" grpId="0" nodeType="withEffect">
-                                  <p:stCondLst>
-                                    <p:cond delay="0"/>
-                                  </p:stCondLst>
-                                  <p:childTnLst>
-                                    <p:set>
-                                      <p:cBhvr>
-                                        <p:cTn id="102" dur="1" fill="hold">
-                                          <p:stCondLst>
-                                            <p:cond delay="0"/>
-                                          </p:stCondLst>
-                                        </p:cTn>
-                                        <p:tgtEl>
-                                          <p:spTgt spid="100"/>
-                                        </p:tgtEl>
-                                        <p:attrNameLst>
-                                          <p:attrName>style.visibility</p:attrName>
-                                        </p:attrNameLst>
-                                      </p:cBhvr>
-                                      <p:to>
-                                        <p:strVal val="visible"/>
-                                      </p:to>
-                                    </p:set>
-                                    <p:animEffect transition="in" filter="fade">
-                                      <p:cBhvr>
-                                        <p:cTn id="103" dur="500"/>
-                                        <p:tgtEl>
-                                          <p:spTgt spid="100"/>
-                                        </p:tgtEl>
-                                      </p:cBhvr>
-                                    </p:animEffect>
-                                  </p:childTnLst>
-                                </p:cTn>
-                              </p:par>
-                            </p:childTnLst>
-                          </p:cTn>
-                        </p:par>
-                      </p:childTnLst>
-                    </p:cTn>
-                  </p:par>
-                  <p:par>
-                    <p:cTn id="104" fill="hold">
-                      <p:stCondLst>
-                        <p:cond delay="indefinite"/>
-                      </p:stCondLst>
-                      <p:childTnLst>
-                        <p:par>
-                          <p:cTn id="105" fill="hold">
-                            <p:stCondLst>
-                              <p:cond delay="0"/>
-                            </p:stCondLst>
-                            <p:childTnLst>
-                              <p:par>
-                                <p:cTn id="106" presetID="10" presetClass="entr" presetSubtype="0" fill="hold" nodeType="clickEffect">
-                                  <p:stCondLst>
-                                    <p:cond delay="0"/>
-                                  </p:stCondLst>
-                                  <p:childTnLst>
-                                    <p:set>
-                                      <p:cBhvr>
-                                        <p:cTn id="107" dur="1" fill="hold">
                                           <p:stCondLst>
                                             <p:cond delay="0"/>
                                           </p:stCondLst>
@@ -8006,7 +8770,7 @@
                                     </p:set>
                                     <p:animEffect transition="in" filter="fade">
                                       <p:cBhvr>
-                                        <p:cTn id="108" dur="500"/>
+                                        <p:cTn id="92" dur="500"/>
                                         <p:tgtEl>
                                           <p:spTgt spid="103"/>
                                         </p:tgtEl>
@@ -8016,14 +8780,14 @@
                                 </p:cTn>
                               </p:par>
                               <p:par>
-                                <p:cTn id="109" presetID="10" presetClass="entr" presetSubtype="0" fill="hold" grpId="0" nodeType="withEffect">
+                                <p:cTn id="93" presetID="10" presetClass="entr" presetSubtype="0" fill="hold" grpId="0" nodeType="withEffect">
                                   <p:stCondLst>
                                     <p:cond delay="0"/>
                                   </p:stCondLst>
                                   <p:childTnLst>
                                     <p:set>
                                       <p:cBhvr>
-                                        <p:cTn id="110" dur="1" fill="hold">
+                                        <p:cTn id="94" dur="1" fill="hold">
                                           <p:stCondLst>
                                             <p:cond delay="0"/>
                                           </p:stCondLst>
@@ -8041,7 +8805,7 @@
                                     </p:set>
                                     <p:animEffect transition="in" filter="fade">
                                       <p:cBhvr>
-                                        <p:cTn id="111" dur="500"/>
+                                        <p:cTn id="95" dur="500"/>
                                         <p:tgtEl>
                                           <p:spTgt spid="101"/>
                                         </p:tgtEl>
@@ -8092,136 +8856,10 @@
       <p:bldP spid="82" grpId="0"/>
       <p:bldP spid="88" grpId="0"/>
       <p:bldP spid="89" grpId="0"/>
-      <p:bldP spid="99" grpId="0"/>
-      <p:bldP spid="99" grpId="1"/>
       <p:bldP spid="100" grpId="0" animBg="1"/>
       <p:bldP spid="101" grpId="0"/>
     </p:bldLst>
   </p:timing>
-</p:sld>
-</file>
-
-<file path=ppt/slides/slide6.xml><?xml version="1.0" encoding="utf-8"?>
-<p:sld xmlns:a="http://schemas.openxmlformats.org/drawingml/2006/main" xmlns:r="http://schemas.openxmlformats.org/officeDocument/2006/relationships" xmlns:p="http://schemas.openxmlformats.org/presentationml/2006/main">
-  <p:cSld>
-    <p:spTree>
-      <p:nvGrpSpPr>
-        <p:cNvPr id="1" name=""/>
-        <p:cNvGrpSpPr/>
-        <p:nvPr/>
-      </p:nvGrpSpPr>
-      <p:grpSpPr>
-        <a:xfrm>
-          <a:off x="0" y="0"/>
-          <a:ext cx="0" cy="0"/>
-          <a:chOff x="0" y="0"/>
-          <a:chExt cx="0" cy="0"/>
-        </a:xfrm>
-      </p:grpSpPr>
-      <p:sp>
-        <p:nvSpPr>
-          <p:cNvPr id="2" name="タイトル 1"/>
-          <p:cNvSpPr>
-            <a:spLocks noGrp="1"/>
-          </p:cNvSpPr>
-          <p:nvPr>
-            <p:ph type="title"/>
-          </p:nvPr>
-        </p:nvSpPr>
-        <p:spPr/>
-        <p:txBody>
-          <a:bodyPr/>
-          <a:lstStyle/>
-          <a:p>
-            <a:r>
-              <a:rPr kumimoji="1" lang="ja-JP" altLang="en-US" dirty="0"/>
-              <a:t>最終課題について</a:t>
-            </a:r>
-          </a:p>
-        </p:txBody>
-      </p:sp>
-      <p:sp>
-        <p:nvSpPr>
-          <p:cNvPr id="3" name="コンテンツ プレースホルダー 2"/>
-          <p:cNvSpPr>
-            <a:spLocks noGrp="1"/>
-          </p:cNvSpPr>
-          <p:nvPr>
-            <p:ph idx="1"/>
-          </p:nvPr>
-        </p:nvSpPr>
-        <p:spPr/>
-        <p:txBody>
-          <a:bodyPr/>
-          <a:lstStyle/>
-          <a:p>
-            <a:endParaRPr lang="en-US" altLang="ja-JP" dirty="0"/>
-          </a:p>
-          <a:p>
-            <a:pPr>
-              <a:buFont typeface="Wingdings" panose="05000000000000000000" pitchFamily="2" charset="2"/>
-              <a:buChar char="l"/>
-            </a:pPr>
-            <a:r>
-              <a:rPr lang="ja-JP" altLang="en-US" dirty="0"/>
-              <a:t>　テスト計画書を考えるのが大変</a:t>
-            </a:r>
-            <a:endParaRPr lang="en-US" altLang="ja-JP" dirty="0"/>
-          </a:p>
-          <a:p>
-            <a:pPr>
-              <a:buFont typeface="Wingdings" panose="05000000000000000000" pitchFamily="2" charset="2"/>
-              <a:buChar char="l"/>
-            </a:pPr>
-            <a:endParaRPr lang="en-US" altLang="ja-JP" dirty="0"/>
-          </a:p>
-          <a:p>
-            <a:pPr>
-              <a:buFont typeface="Wingdings" panose="05000000000000000000" pitchFamily="2" charset="2"/>
-              <a:buChar char="l"/>
-            </a:pPr>
-            <a:r>
-              <a:rPr lang="ja-JP" altLang="en-US" dirty="0"/>
-              <a:t>　複雑なアルゴリズムの問題でフローチャートから書けるものなのかという疑問</a:t>
-            </a:r>
-            <a:endParaRPr kumimoji="1" lang="ja-JP" altLang="en-US" dirty="0"/>
-          </a:p>
-        </p:txBody>
-      </p:sp>
-      <p:sp>
-        <p:nvSpPr>
-          <p:cNvPr id="4" name="スライド番号プレースホルダー 3"/>
-          <p:cNvSpPr>
-            <a:spLocks noGrp="1"/>
-          </p:cNvSpPr>
-          <p:nvPr>
-            <p:ph type="sldNum" sz="quarter" idx="12"/>
-          </p:nvPr>
-        </p:nvSpPr>
-        <p:spPr/>
-        <p:txBody>
-          <a:bodyPr/>
-          <a:lstStyle/>
-          <a:p>
-            <a:fld id="{4CE482DC-2269-4F26-9D2A-7E44B1A4CD85}" type="slidenum">
-              <a:rPr lang="en-US" smtClean="0"/>
-              <a:pPr/>
-              <a:t>5</a:t>
-            </a:fld>
-            <a:endParaRPr lang="en-US" dirty="0"/>
-          </a:p>
-        </p:txBody>
-      </p:sp>
-    </p:spTree>
-    <p:extLst>
-      <p:ext uri="{BB962C8B-B14F-4D97-AF65-F5344CB8AC3E}">
-        <p14:creationId xmlns:p14="http://schemas.microsoft.com/office/powerpoint/2010/main" val="1546668977"/>
-      </p:ext>
-    </p:extLst>
-  </p:cSld>
-  <p:clrMapOvr>
-    <a:masterClrMapping/>
-  </p:clrMapOvr>
 </p:sld>
 </file>
 
@@ -8259,7 +8897,7 @@
           <a:p>
             <a:r>
               <a:rPr kumimoji="1" lang="ja-JP" altLang="en-US" dirty="0"/>
-              <a:t>得たこと</a:t>
+              <a:t>最終課題について</a:t>
             </a:r>
           </a:p>
         </p:txBody>
@@ -8287,70 +8925,38 @@
               <a:buChar char="l"/>
             </a:pPr>
             <a:r>
-              <a:rPr lang="ja-JP" altLang="en-US" dirty="0"/>
-              <a:t>　苦手な部分がはっきりした</a:t>
-            </a:r>
-            <a:endParaRPr lang="en-US" altLang="ja-JP" dirty="0"/>
-          </a:p>
-          <a:p>
-            <a:pPr lvl="1"/>
-            <a:endParaRPr lang="en-US" altLang="ja-JP" dirty="0"/>
-          </a:p>
-          <a:p>
-            <a:pPr lvl="1"/>
-            <a:r>
-              <a:rPr lang="ja-JP" altLang="en-US" dirty="0"/>
-              <a:t>感想や質問が出てこない</a:t>
-            </a:r>
-            <a:endParaRPr lang="en-US" altLang="ja-JP" dirty="0"/>
-          </a:p>
-          <a:p>
-            <a:pPr lvl="1"/>
-            <a:endParaRPr lang="en-US" altLang="ja-JP" dirty="0"/>
-          </a:p>
-          <a:p>
-            <a:pPr lvl="1"/>
-            <a:r>
-              <a:rPr lang="ja-JP" altLang="en-US" dirty="0"/>
-              <a:t>オブジェクト指向の理解が浅い</a:t>
-            </a:r>
-            <a:endParaRPr lang="en-US" altLang="ja-JP" dirty="0"/>
-          </a:p>
-          <a:p>
-            <a:pPr marL="201168" lvl="1" indent="0">
-              <a:buNone/>
-            </a:pPr>
-            <a:endParaRPr lang="en-US" altLang="ja-JP" dirty="0"/>
+              <a:rPr lang="ja-JP" altLang="en-US" sz="2800" dirty="0"/>
+              <a:t>　テスト計画書を考えるのが大変</a:t>
+            </a:r>
+            <a:endParaRPr lang="en-US" altLang="ja-JP" sz="2800" dirty="0"/>
           </a:p>
           <a:p>
             <a:pPr>
               <a:buFont typeface="Wingdings" panose="05000000000000000000" pitchFamily="2" charset="2"/>
               <a:buChar char="l"/>
             </a:pPr>
-            <a:r>
-              <a:rPr lang="ja-JP" altLang="en-US" dirty="0"/>
-              <a:t>抜けている知識を補完できた</a:t>
-            </a:r>
-            <a:endParaRPr lang="en-US" altLang="ja-JP" dirty="0"/>
-          </a:p>
-          <a:p>
-            <a:pPr lvl="1"/>
-            <a:endParaRPr lang="en-US" altLang="ja-JP" dirty="0"/>
-          </a:p>
-          <a:p>
-            <a:pPr marL="201168" lvl="1" indent="0">
-              <a:buNone/>
+            <a:endParaRPr lang="en-US" altLang="ja-JP" sz="2800" dirty="0"/>
+          </a:p>
+          <a:p>
+            <a:pPr>
+              <a:buFont typeface="Wingdings" panose="05000000000000000000" pitchFamily="2" charset="2"/>
+              <a:buChar char="l"/>
             </a:pPr>
-            <a:endParaRPr lang="en-US" altLang="ja-JP" dirty="0"/>
+            <a:r>
+              <a:rPr lang="ja-JP" altLang="en-US" sz="2800" dirty="0"/>
+              <a:t>　複雑なアルゴリズムの問題でフローチャートから書ける</a:t>
+            </a:r>
+            <a:endParaRPr lang="en-US" altLang="ja-JP" sz="2800" dirty="0"/>
           </a:p>
           <a:p>
             <a:pPr marL="0" indent="0">
               <a:buNone/>
             </a:pPr>
-            <a:endParaRPr lang="en-US" altLang="ja-JP" dirty="0"/>
-          </a:p>
-          <a:p>
-            <a:endParaRPr kumimoji="1" lang="en-US" altLang="ja-JP" dirty="0"/>
+            <a:r>
+              <a:rPr lang="ja-JP" altLang="en-US" sz="2800" dirty="0"/>
+              <a:t>　　ものなのかという疑問</a:t>
+            </a:r>
+            <a:endParaRPr kumimoji="1" lang="ja-JP" altLang="en-US" sz="2800" dirty="0"/>
           </a:p>
         </p:txBody>
       </p:sp>
@@ -8381,7 +8987,7 @@
     </p:spTree>
     <p:extLst>
       <p:ext uri="{BB962C8B-B14F-4D97-AF65-F5344CB8AC3E}">
-        <p14:creationId xmlns:p14="http://schemas.microsoft.com/office/powerpoint/2010/main" val="1355217813"/>
+        <p14:creationId xmlns:p14="http://schemas.microsoft.com/office/powerpoint/2010/main" val="1546668977"/>
       </p:ext>
     </p:extLst>
   </p:cSld>
@@ -8425,13 +9031,8 @@
           <a:p>
             <a:r>
               <a:rPr kumimoji="1" lang="ja-JP" altLang="en-US" dirty="0"/>
-              <a:t>次に</a:t>
-            </a:r>
-            <a:r>
-              <a:rPr lang="ja-JP" altLang="en-US" dirty="0"/>
-              <a:t>生かすこと</a:t>
-            </a:r>
-            <a:endParaRPr kumimoji="1" lang="ja-JP" altLang="en-US" dirty="0"/>
+              <a:t>克服できたこと</a:t>
+            </a:r>
           </a:p>
         </p:txBody>
       </p:sp>
@@ -8458,27 +9059,15 @@
               <a:buChar char="l"/>
             </a:pPr>
             <a:r>
-              <a:rPr lang="ja-JP" altLang="en-US" dirty="0"/>
-              <a:t>　日記を書く</a:t>
-            </a:r>
+              <a:rPr kumimoji="1" lang="ja-JP" altLang="en-US" sz="2800" dirty="0"/>
+              <a:t>　電話対応</a:t>
+            </a:r>
+            <a:endParaRPr kumimoji="1" lang="en-US" altLang="ja-JP" sz="2800" dirty="0"/>
+          </a:p>
+          <a:p>
             <a:endParaRPr lang="en-US" altLang="ja-JP" dirty="0"/>
           </a:p>
           <a:p>
-            <a:pPr>
-              <a:buFont typeface="Wingdings" panose="05000000000000000000" pitchFamily="2" charset="2"/>
-              <a:buChar char="l"/>
-            </a:pPr>
-            <a:endParaRPr kumimoji="1" lang="en-US" altLang="ja-JP" dirty="0"/>
-          </a:p>
-          <a:p>
-            <a:pPr>
-              <a:buFont typeface="Wingdings" panose="05000000000000000000" pitchFamily="2" charset="2"/>
-              <a:buChar char="l"/>
-            </a:pPr>
-            <a:r>
-              <a:rPr lang="ja-JP" altLang="en-US" dirty="0"/>
-              <a:t>　オブジェクト指向の本を読む</a:t>
-            </a:r>
             <a:endParaRPr kumimoji="1" lang="ja-JP" altLang="en-US" dirty="0"/>
           </a:p>
         </p:txBody>
@@ -8510,7 +9099,7 @@
     </p:spTree>
     <p:extLst>
       <p:ext uri="{BB962C8B-B14F-4D97-AF65-F5344CB8AC3E}">
-        <p14:creationId xmlns:p14="http://schemas.microsoft.com/office/powerpoint/2010/main" val="3932478208"/>
+        <p14:creationId xmlns:p14="http://schemas.microsoft.com/office/powerpoint/2010/main" val="584580416"/>
       </p:ext>
     </p:extLst>
   </p:cSld>
@@ -8539,36 +9128,99 @@
       </p:grpSpPr>
       <p:sp>
         <p:nvSpPr>
-          <p:cNvPr id="5" name="テキスト ボックス 4"/>
-          <p:cNvSpPr txBox="1"/>
-          <p:nvPr/>
-        </p:nvSpPr>
-        <p:spPr>
-          <a:xfrm>
-            <a:off x="1694576" y="2726422"/>
-            <a:ext cx="8819626" cy="923330"/>
-          </a:xfrm>
-          <a:prstGeom prst="rect">
-            <a:avLst/>
-          </a:prstGeom>
-          <a:noFill/>
-        </p:spPr>
-        <p:txBody>
-          <a:bodyPr wrap="square" rtlCol="0">
-            <a:spAutoFit/>
-          </a:bodyPr>
-          <a:lstStyle/>
-          <a:p>
-            <a:r>
-              <a:rPr kumimoji="1" lang="ja-JP" altLang="en-US" sz="5400" dirty="0"/>
-              <a:t>ご清聴ありがとうございました</a:t>
-            </a:r>
-          </a:p>
-        </p:txBody>
-      </p:sp>
-      <p:sp>
-        <p:nvSpPr>
-          <p:cNvPr id="6" name="スライド番号プレースホルダー 5"/>
+          <p:cNvPr id="2" name="タイトル 1"/>
+          <p:cNvSpPr>
+            <a:spLocks noGrp="1"/>
+          </p:cNvSpPr>
+          <p:nvPr>
+            <p:ph type="title"/>
+          </p:nvPr>
+        </p:nvSpPr>
+        <p:spPr/>
+        <p:txBody>
+          <a:bodyPr/>
+          <a:lstStyle/>
+          <a:p>
+            <a:r>
+              <a:rPr lang="ja-JP" altLang="en-US" dirty="0"/>
+              <a:t>克服したいこと</a:t>
+            </a:r>
+            <a:endParaRPr lang="en-US" altLang="ja-JP" dirty="0"/>
+          </a:p>
+        </p:txBody>
+      </p:sp>
+      <p:sp>
+        <p:nvSpPr>
+          <p:cNvPr id="3" name="コンテンツ プレースホルダー 2"/>
+          <p:cNvSpPr>
+            <a:spLocks noGrp="1"/>
+          </p:cNvSpPr>
+          <p:nvPr>
+            <p:ph idx="1"/>
+          </p:nvPr>
+        </p:nvSpPr>
+        <p:spPr/>
+        <p:txBody>
+          <a:bodyPr/>
+          <a:lstStyle/>
+          <a:p>
+            <a:pPr lvl="1">
+              <a:buFont typeface="Wingdings" panose="05000000000000000000" pitchFamily="2" charset="2"/>
+              <a:buChar char="l"/>
+            </a:pPr>
+            <a:endParaRPr lang="en-US" altLang="ja-JP" sz="2800" dirty="0"/>
+          </a:p>
+          <a:p>
+            <a:pPr>
+              <a:buFont typeface="Wingdings" panose="05000000000000000000" pitchFamily="2" charset="2"/>
+              <a:buChar char="l"/>
+            </a:pPr>
+            <a:r>
+              <a:rPr lang="ja-JP" altLang="en-US" sz="2800" dirty="0"/>
+              <a:t>　感想や質問が出てこない</a:t>
+            </a:r>
+            <a:endParaRPr lang="en-US" altLang="ja-JP" sz="2800" dirty="0"/>
+          </a:p>
+          <a:p>
+            <a:pPr lvl="1">
+              <a:buFont typeface="Wingdings" panose="05000000000000000000" pitchFamily="2" charset="2"/>
+              <a:buChar char="l"/>
+            </a:pPr>
+            <a:endParaRPr lang="en-US" altLang="ja-JP" sz="2800" dirty="0"/>
+          </a:p>
+          <a:p>
+            <a:pPr>
+              <a:buFont typeface="Wingdings" panose="05000000000000000000" pitchFamily="2" charset="2"/>
+              <a:buChar char="l"/>
+            </a:pPr>
+            <a:r>
+              <a:rPr lang="ja-JP" altLang="en-US" sz="2800" dirty="0"/>
+              <a:t>　オブジェクト指向の理解が浅い</a:t>
+            </a:r>
+            <a:endParaRPr lang="en-US" altLang="ja-JP" sz="2800" dirty="0"/>
+          </a:p>
+          <a:p>
+            <a:pPr marL="201168" lvl="1" indent="0">
+              <a:buNone/>
+            </a:pPr>
+            <a:endParaRPr lang="en-US" altLang="ja-JP" sz="2800" dirty="0"/>
+          </a:p>
+          <a:p>
+            <a:pPr>
+              <a:buFont typeface="Wingdings" panose="05000000000000000000" pitchFamily="2" charset="2"/>
+              <a:buChar char="l"/>
+            </a:pPr>
+            <a:r>
+              <a:rPr lang="ja-JP" altLang="en-US" sz="2800" dirty="0"/>
+              <a:t>　フローチャートから書けない</a:t>
+            </a:r>
+            <a:endParaRPr lang="en-US" altLang="ja-JP" sz="2800" dirty="0"/>
+          </a:p>
+        </p:txBody>
+      </p:sp>
+      <p:sp>
+        <p:nvSpPr>
+          <p:cNvPr id="4" name="スライド番号プレースホルダー 3"/>
           <p:cNvSpPr>
             <a:spLocks noGrp="1"/>
           </p:cNvSpPr>
@@ -8581,7 +9233,7 @@
           <a:bodyPr/>
           <a:lstStyle/>
           <a:p>
-            <a:fld id="{4FAB73BC-B049-4115-A692-8D63A059BFB8}" type="slidenum">
+            <a:fld id="{4CE482DC-2269-4F26-9D2A-7E44B1A4CD85}" type="slidenum">
               <a:rPr lang="en-US" smtClean="0"/>
               <a:pPr/>
               <a:t>8</a:t>
@@ -8593,7 +9245,7 @@
     </p:spTree>
     <p:extLst>
       <p:ext uri="{BB962C8B-B14F-4D97-AF65-F5344CB8AC3E}">
-        <p14:creationId xmlns:p14="http://schemas.microsoft.com/office/powerpoint/2010/main" val="3716417010"/>
+        <p14:creationId xmlns:p14="http://schemas.microsoft.com/office/powerpoint/2010/main" val="1355217813"/>
       </p:ext>
     </p:extLst>
   </p:cSld>

--- a/プレゼン/成果発表(相吉澤).pptx
+++ b/プレゼン/成果発表(相吉澤).pptx
@@ -217,7 +217,7 @@
           <a:p>
             <a:fld id="{CDF0FFA8-4BA0-465D-AFBB-C23495AFAE57}" type="datetimeFigureOut">
               <a:rPr kumimoji="1" lang="ja-JP" altLang="en-US" smtClean="0"/>
-              <a:t>2017/4/29</a:t>
+              <a:t>2017/5/1</a:t>
             </a:fld>
             <a:endParaRPr kumimoji="1" lang="ja-JP" altLang="en-US"/>
           </a:p>
@@ -382,7 +382,7 @@
           <a:p>
             <a:fld id="{6C2CD678-25D7-4565-963F-A838C62DF6B5}" type="datetimeFigureOut">
               <a:rPr kumimoji="1" lang="ja-JP" altLang="en-US" smtClean="0"/>
-              <a:t>2017/4/29</a:t>
+              <a:t>2017/5/1</a:t>
             </a:fld>
             <a:endParaRPr kumimoji="1" lang="ja-JP" altLang="en-US"/>
           </a:p>
@@ -725,43 +725,7 @@
           <a:bodyPr/>
           <a:lstStyle/>
           <a:p>
-            <a:endParaRPr lang="en-US" altLang="ja-JP" dirty="0"/>
-          </a:p>
-          <a:p>
-            <a:endParaRPr lang="en-US" altLang="ja-JP" dirty="0"/>
-          </a:p>
-          <a:p>
-            <a:r>
-              <a:rPr lang="ja-JP" altLang="en-US" dirty="0"/>
-              <a:t>入社</a:t>
-            </a:r>
-            <a:r>
-              <a:rPr lang="ja-JP" altLang="en-US" dirty="0" err="1"/>
-              <a:t>時のの</a:t>
-            </a:r>
-            <a:r>
-              <a:rPr lang="en-US" altLang="ja-JP" dirty="0"/>
-              <a:t>3</a:t>
-            </a:r>
-            <a:r>
-              <a:rPr lang="ja-JP" altLang="en-US" dirty="0"/>
-              <a:t>次面接のときのプレゼンの内容が苦手なことを克服できる</a:t>
-            </a:r>
-            <a:r>
-              <a:rPr lang="ja-JP" altLang="en-US" dirty="0" err="1"/>
-              <a:t>だった</a:t>
-            </a:r>
-            <a:endParaRPr lang="en-US" altLang="ja-JP" dirty="0"/>
-          </a:p>
-          <a:p>
-            <a:endParaRPr kumimoji="1" lang="en-US" altLang="ja-JP" dirty="0"/>
-          </a:p>
-          <a:p>
-            <a:r>
-              <a:rPr lang="ja-JP" altLang="en-US" dirty="0"/>
-              <a:t>苦手な部分というところに焦点を当てて今日のプレゼンテーションを始めたいと思います。</a:t>
-            </a:r>
-            <a:endParaRPr kumimoji="1" lang="ja-JP" altLang="en-US" dirty="0"/>
+            <a:endParaRPr kumimoji="1" lang="ja-JP" altLang="en-US"/>
           </a:p>
         </p:txBody>
       </p:sp>
@@ -782,7 +746,7 @@
           <a:p>
             <a:fld id="{CBF5BE68-8646-425B-8286-811A612EA33E}" type="slidenum">
               <a:rPr kumimoji="1" lang="ja-JP" altLang="en-US" smtClean="0"/>
-              <a:t>1</a:t>
+              <a:t>0</a:t>
             </a:fld>
             <a:endParaRPr kumimoji="1" lang="ja-JP" altLang="en-US"/>
           </a:p>
@@ -791,7 +755,91 @@
     </p:spTree>
     <p:extLst>
       <p:ext uri="{BB962C8B-B14F-4D97-AF65-F5344CB8AC3E}">
-        <p14:creationId xmlns:p14="http://schemas.microsoft.com/office/powerpoint/2010/main" val="1076690226"/>
+        <p14:creationId xmlns:p14="http://schemas.microsoft.com/office/powerpoint/2010/main" val="88859482"/>
+      </p:ext>
+    </p:extLst>
+  </p:cSld>
+  <p:clrMapOvr>
+    <a:masterClrMapping/>
+  </p:clrMapOvr>
+</p:notes>
+</file>
+
+<file path=ppt/notesSlides/notesSlide10.xml><?xml version="1.0" encoding="utf-8"?>
+<p:notes xmlns:a="http://schemas.openxmlformats.org/drawingml/2006/main" xmlns:r="http://schemas.openxmlformats.org/officeDocument/2006/relationships" xmlns:p="http://schemas.openxmlformats.org/presentationml/2006/main">
+  <p:cSld>
+    <p:spTree>
+      <p:nvGrpSpPr>
+        <p:cNvPr id="1" name=""/>
+        <p:cNvGrpSpPr/>
+        <p:nvPr/>
+      </p:nvGrpSpPr>
+      <p:grpSpPr>
+        <a:xfrm>
+          <a:off x="0" y="0"/>
+          <a:ext cx="0" cy="0"/>
+          <a:chOff x="0" y="0"/>
+          <a:chExt cx="0" cy="0"/>
+        </a:xfrm>
+      </p:grpSpPr>
+      <p:sp>
+        <p:nvSpPr>
+          <p:cNvPr id="2" name="スライド イメージ プレースホルダー 1"/>
+          <p:cNvSpPr>
+            <a:spLocks noGrp="1" noRot="1" noChangeAspect="1"/>
+          </p:cNvSpPr>
+          <p:nvPr>
+            <p:ph type="sldImg"/>
+          </p:nvPr>
+        </p:nvSpPr>
+        <p:spPr/>
+      </p:sp>
+      <p:sp>
+        <p:nvSpPr>
+          <p:cNvPr id="3" name="ノート プレースホルダー 2"/>
+          <p:cNvSpPr>
+            <a:spLocks noGrp="1"/>
+          </p:cNvSpPr>
+          <p:nvPr>
+            <p:ph type="body" idx="1"/>
+          </p:nvPr>
+        </p:nvSpPr>
+        <p:spPr/>
+        <p:txBody>
+          <a:bodyPr/>
+          <a:lstStyle/>
+          <a:p>
+            <a:endParaRPr kumimoji="1" lang="ja-JP" altLang="en-US"/>
+          </a:p>
+        </p:txBody>
+      </p:sp>
+      <p:sp>
+        <p:nvSpPr>
+          <p:cNvPr id="4" name="スライド番号プレースホルダー 3"/>
+          <p:cNvSpPr>
+            <a:spLocks noGrp="1"/>
+          </p:cNvSpPr>
+          <p:nvPr>
+            <p:ph type="sldNum" sz="quarter" idx="10"/>
+          </p:nvPr>
+        </p:nvSpPr>
+        <p:spPr/>
+        <p:txBody>
+          <a:bodyPr/>
+          <a:lstStyle/>
+          <a:p>
+            <a:fld id="{CBF5BE68-8646-425B-8286-811A612EA33E}" type="slidenum">
+              <a:rPr kumimoji="1" lang="ja-JP" altLang="en-US" smtClean="0"/>
+              <a:t>9</a:t>
+            </a:fld>
+            <a:endParaRPr kumimoji="1" lang="ja-JP" altLang="en-US"/>
+          </a:p>
+        </p:txBody>
+      </p:sp>
+    </p:spTree>
+    <p:extLst>
+      <p:ext uri="{BB962C8B-B14F-4D97-AF65-F5344CB8AC3E}">
+        <p14:creationId xmlns:p14="http://schemas.microsoft.com/office/powerpoint/2010/main" val="2024550309"/>
       </p:ext>
     </p:extLst>
   </p:cSld>
@@ -845,7 +893,43 @@
           <a:bodyPr/>
           <a:lstStyle/>
           <a:p>
-            <a:endParaRPr kumimoji="1" lang="ja-JP" altLang="en-US"/>
+            <a:endParaRPr lang="en-US" altLang="ja-JP" dirty="0"/>
+          </a:p>
+          <a:p>
+            <a:endParaRPr lang="en-US" altLang="ja-JP" dirty="0"/>
+          </a:p>
+          <a:p>
+            <a:r>
+              <a:rPr lang="ja-JP" altLang="en-US" dirty="0"/>
+              <a:t>入社</a:t>
+            </a:r>
+            <a:r>
+              <a:rPr lang="ja-JP" altLang="en-US" dirty="0" err="1"/>
+              <a:t>時のの</a:t>
+            </a:r>
+            <a:r>
+              <a:rPr lang="en-US" altLang="ja-JP" dirty="0"/>
+              <a:t>3</a:t>
+            </a:r>
+            <a:r>
+              <a:rPr lang="ja-JP" altLang="en-US" dirty="0"/>
+              <a:t>次面接のときのプレゼンの内容が苦手なことを克服できる</a:t>
+            </a:r>
+            <a:r>
+              <a:rPr lang="ja-JP" altLang="en-US" dirty="0" err="1"/>
+              <a:t>だった</a:t>
+            </a:r>
+            <a:endParaRPr lang="en-US" altLang="ja-JP" dirty="0"/>
+          </a:p>
+          <a:p>
+            <a:endParaRPr kumimoji="1" lang="en-US" altLang="ja-JP" dirty="0"/>
+          </a:p>
+          <a:p>
+            <a:r>
+              <a:rPr lang="ja-JP" altLang="en-US" dirty="0"/>
+              <a:t>苦手な部分というところに焦点を当てて今日のプレゼンテーションを始めたいと思います。</a:t>
+            </a:r>
+            <a:endParaRPr kumimoji="1" lang="ja-JP" altLang="en-US" dirty="0"/>
           </a:p>
         </p:txBody>
       </p:sp>
@@ -866,7 +950,7 @@
           <a:p>
             <a:fld id="{CBF5BE68-8646-425B-8286-811A612EA33E}" type="slidenum">
               <a:rPr kumimoji="1" lang="ja-JP" altLang="en-US" smtClean="0"/>
-              <a:t>2</a:t>
+              <a:t>1</a:t>
             </a:fld>
             <a:endParaRPr kumimoji="1" lang="ja-JP" altLang="en-US"/>
           </a:p>
@@ -875,7 +959,7 @@
     </p:spTree>
     <p:extLst>
       <p:ext uri="{BB962C8B-B14F-4D97-AF65-F5344CB8AC3E}">
-        <p14:creationId xmlns:p14="http://schemas.microsoft.com/office/powerpoint/2010/main" val="2663091354"/>
+        <p14:creationId xmlns:p14="http://schemas.microsoft.com/office/powerpoint/2010/main" val="1076690226"/>
       </p:ext>
     </p:extLst>
   </p:cSld>
@@ -929,22 +1013,7 @@
           <a:bodyPr/>
           <a:lstStyle/>
           <a:p>
-            <a:r>
-              <a:rPr kumimoji="1" lang="ja-JP" altLang="en-US" dirty="0"/>
-              <a:t>まず第</a:t>
-            </a:r>
-            <a:r>
-              <a:rPr kumimoji="1" lang="en-US" altLang="ja-JP" dirty="0"/>
-              <a:t>1</a:t>
-            </a:r>
-            <a:r>
-              <a:rPr kumimoji="1" lang="ja-JP" altLang="en-US" dirty="0"/>
-              <a:t>の苦手なこと</a:t>
-            </a:r>
-            <a:endParaRPr kumimoji="1" lang="en-US" altLang="ja-JP" dirty="0"/>
-          </a:p>
-          <a:p>
-            <a:endParaRPr kumimoji="1" lang="ja-JP" altLang="en-US" dirty="0"/>
+            <a:endParaRPr kumimoji="1" lang="ja-JP" altLang="en-US"/>
           </a:p>
         </p:txBody>
       </p:sp>
@@ -965,7 +1034,7 @@
           <a:p>
             <a:fld id="{CBF5BE68-8646-425B-8286-811A612EA33E}" type="slidenum">
               <a:rPr kumimoji="1" lang="ja-JP" altLang="en-US" smtClean="0"/>
-              <a:t>3</a:t>
+              <a:t>2</a:t>
             </a:fld>
             <a:endParaRPr kumimoji="1" lang="ja-JP" altLang="en-US"/>
           </a:p>
@@ -974,7 +1043,7 @@
     </p:spTree>
     <p:extLst>
       <p:ext uri="{BB962C8B-B14F-4D97-AF65-F5344CB8AC3E}">
-        <p14:creationId xmlns:p14="http://schemas.microsoft.com/office/powerpoint/2010/main" val="3243963175"/>
+        <p14:creationId xmlns:p14="http://schemas.microsoft.com/office/powerpoint/2010/main" val="2663091354"/>
       </p:ext>
     </p:extLst>
   </p:cSld>
@@ -1029,9 +1098,20 @@
           <a:lstStyle/>
           <a:p>
             <a:r>
-              <a:rPr kumimoji="1" lang="en-US" altLang="ja-JP" dirty="0" err="1"/>
-              <a:t>aaaa</a:t>
-            </a:r>
+              <a:rPr kumimoji="1" lang="ja-JP" altLang="en-US" dirty="0"/>
+              <a:t>まず第</a:t>
+            </a:r>
+            <a:r>
+              <a:rPr kumimoji="1" lang="en-US" altLang="ja-JP" dirty="0"/>
+              <a:t>1</a:t>
+            </a:r>
+            <a:r>
+              <a:rPr kumimoji="1" lang="ja-JP" altLang="en-US" dirty="0"/>
+              <a:t>の苦手なこと</a:t>
+            </a:r>
+            <a:endParaRPr kumimoji="1" lang="en-US" altLang="ja-JP" dirty="0"/>
+          </a:p>
+          <a:p>
             <a:endParaRPr kumimoji="1" lang="ja-JP" altLang="en-US" dirty="0"/>
           </a:p>
         </p:txBody>
@@ -1053,7 +1133,7 @@
           <a:p>
             <a:fld id="{CBF5BE68-8646-425B-8286-811A612EA33E}" type="slidenum">
               <a:rPr kumimoji="1" lang="ja-JP" altLang="en-US" smtClean="0"/>
-              <a:t>4</a:t>
+              <a:t>3</a:t>
             </a:fld>
             <a:endParaRPr kumimoji="1" lang="ja-JP" altLang="en-US"/>
           </a:p>
@@ -1062,7 +1142,7 @@
     </p:spTree>
     <p:extLst>
       <p:ext uri="{BB962C8B-B14F-4D97-AF65-F5344CB8AC3E}">
-        <p14:creationId xmlns:p14="http://schemas.microsoft.com/office/powerpoint/2010/main" val="12366925"/>
+        <p14:creationId xmlns:p14="http://schemas.microsoft.com/office/powerpoint/2010/main" val="3243963175"/>
       </p:ext>
     </p:extLst>
   </p:cSld>
@@ -1117,152 +1197,8 @@
           <a:lstStyle/>
           <a:p>
             <a:r>
-              <a:rPr lang="ja-JP" altLang="en-US" dirty="0"/>
-              <a:t>なぜ</a:t>
-            </a:r>
-            <a:r>
-              <a:rPr lang="en-US" altLang="ja-JP" dirty="0"/>
-              <a:t>String</a:t>
-            </a:r>
-            <a:r>
-              <a:rPr lang="ja-JP" altLang="en-US" dirty="0"/>
-              <a:t>型は参照値を渡しているのに値渡しの動きを</a:t>
-            </a:r>
-            <a:r>
-              <a:rPr lang="ja-JP" altLang="en-US" dirty="0" err="1"/>
-              <a:t>するの</a:t>
-            </a:r>
-            <a:r>
-              <a:rPr lang="ja-JP" altLang="en-US" dirty="0"/>
-              <a:t>かとうことをここで説明したいと思います。</a:t>
-            </a:r>
-          </a:p>
-          <a:p>
-            <a:r>
-              <a:rPr lang="ja-JP" altLang="en-US" dirty="0"/>
-              <a:t>結論から言います。</a:t>
-            </a:r>
-          </a:p>
-          <a:p>
-            <a:r>
-              <a:rPr lang="en-US" altLang="ja-JP" dirty="0"/>
-              <a:t>String</a:t>
-            </a:r>
-            <a:r>
-              <a:rPr lang="ja-JP" altLang="en-US" dirty="0"/>
-              <a:t>型は値の変更を行うことが出来ません。</a:t>
-            </a:r>
-          </a:p>
-          <a:p>
-            <a:r>
-              <a:rPr lang="ja-JP" altLang="en-US" dirty="0" err="1"/>
-              <a:t>なので</a:t>
-            </a:r>
-            <a:r>
-              <a:rPr lang="ja-JP" altLang="en-US" dirty="0"/>
-              <a:t>値を変更する時は新しい領域を確保し、</a:t>
-            </a:r>
-          </a:p>
-          <a:p>
-            <a:r>
-              <a:rPr lang="ja-JP" altLang="en-US" dirty="0"/>
-              <a:t>新しい参照値になるため値渡しのような動きになります。</a:t>
-            </a:r>
-          </a:p>
-          <a:p>
-            <a:endParaRPr lang="ja-JP" altLang="en-US" dirty="0"/>
-          </a:p>
-          <a:p>
-            <a:r>
-              <a:rPr lang="en-US" altLang="ja-JP" dirty="0"/>
-              <a:t>1</a:t>
-            </a:r>
-          </a:p>
-          <a:p>
-            <a:r>
-              <a:rPr lang="en-US" altLang="ja-JP" dirty="0"/>
-              <a:t>2</a:t>
-            </a:r>
-          </a:p>
-          <a:p>
-            <a:r>
-              <a:rPr lang="en-US" altLang="ja-JP" dirty="0"/>
-              <a:t>3</a:t>
-            </a:r>
-          </a:p>
-          <a:p>
-            <a:r>
-              <a:rPr lang="en-US" altLang="ja-JP" dirty="0"/>
-              <a:t>4</a:t>
-            </a:r>
-          </a:p>
-          <a:p>
-            <a:r>
-              <a:rPr lang="en-US" altLang="ja-JP" dirty="0"/>
-              <a:t>5</a:t>
-            </a:r>
-          </a:p>
-          <a:p>
-            <a:r>
-              <a:rPr lang="en-US" altLang="ja-JP" dirty="0"/>
-              <a:t>6</a:t>
-            </a:r>
-          </a:p>
-          <a:p>
-            <a:r>
-              <a:rPr lang="en-US" altLang="ja-JP" dirty="0"/>
-              <a:t>7</a:t>
-            </a:r>
-          </a:p>
-          <a:p>
-            <a:r>
-              <a:rPr lang="en-US" altLang="ja-JP" dirty="0"/>
-              <a:t>8</a:t>
-            </a:r>
-          </a:p>
-          <a:p>
-            <a:r>
-              <a:rPr lang="en-US" altLang="ja-JP" dirty="0"/>
-              <a:t>9</a:t>
-            </a:r>
-          </a:p>
-          <a:p>
-            <a:r>
-              <a:rPr lang="en-US" altLang="ja-JP" dirty="0"/>
-              <a:t>10</a:t>
-            </a:r>
-          </a:p>
-          <a:p>
-            <a:r>
-              <a:rPr lang="en-US" altLang="ja-JP" dirty="0"/>
-              <a:t>11</a:t>
-            </a:r>
-          </a:p>
-          <a:p>
-            <a:r>
-              <a:rPr lang="en-US" altLang="ja-JP" dirty="0"/>
-              <a:t>12</a:t>
-            </a:r>
-          </a:p>
-          <a:p>
-            <a:r>
-              <a:rPr lang="en-US" altLang="ja-JP" dirty="0"/>
-              <a:t>13</a:t>
-            </a:r>
-          </a:p>
-          <a:p>
-            <a:r>
-              <a:rPr lang="en-US" altLang="ja-JP" dirty="0"/>
-              <a:t>14</a:t>
-            </a:r>
-          </a:p>
-          <a:p>
-            <a:endParaRPr lang="en-US" altLang="ja-JP" dirty="0"/>
-          </a:p>
-          <a:p>
-            <a:r>
-              <a:rPr lang="ja-JP" altLang="en-US" dirty="0"/>
-              <a:t>これを参照渡しと呼ぶのか値渡しと呼ぶのかは別れる部分であるのでここでは</a:t>
+              <a:rPr kumimoji="1" lang="en-US" altLang="ja-JP" dirty="0" err="1"/>
+              <a:t>aaaa</a:t>
             </a:r>
             <a:endParaRPr kumimoji="1" lang="ja-JP" altLang="en-US" dirty="0"/>
           </a:p>
@@ -1285,7 +1221,7 @@
           <a:p>
             <a:fld id="{CBF5BE68-8646-425B-8286-811A612EA33E}" type="slidenum">
               <a:rPr kumimoji="1" lang="ja-JP" altLang="en-US" smtClean="0"/>
-              <a:t>5</a:t>
+              <a:t>4</a:t>
             </a:fld>
             <a:endParaRPr kumimoji="1" lang="ja-JP" altLang="en-US"/>
           </a:p>
@@ -1294,7 +1230,7 @@
     </p:spTree>
     <p:extLst>
       <p:ext uri="{BB962C8B-B14F-4D97-AF65-F5344CB8AC3E}">
-        <p14:creationId xmlns:p14="http://schemas.microsoft.com/office/powerpoint/2010/main" val="3380586277"/>
+        <p14:creationId xmlns:p14="http://schemas.microsoft.com/office/powerpoint/2010/main" val="12366925"/>
       </p:ext>
     </p:extLst>
   </p:cSld>
@@ -1348,7 +1284,155 @@
           <a:bodyPr/>
           <a:lstStyle/>
           <a:p>
-            <a:endParaRPr kumimoji="1" lang="ja-JP" altLang="en-US"/>
+            <a:r>
+              <a:rPr lang="ja-JP" altLang="en-US" dirty="0"/>
+              <a:t>なぜ</a:t>
+            </a:r>
+            <a:r>
+              <a:rPr lang="en-US" altLang="ja-JP" dirty="0"/>
+              <a:t>String</a:t>
+            </a:r>
+            <a:r>
+              <a:rPr lang="ja-JP" altLang="en-US" dirty="0"/>
+              <a:t>型は参照値を渡しているのに値渡しの動きを</a:t>
+            </a:r>
+            <a:r>
+              <a:rPr lang="ja-JP" altLang="en-US" dirty="0" err="1"/>
+              <a:t>するの</a:t>
+            </a:r>
+            <a:r>
+              <a:rPr lang="ja-JP" altLang="en-US" dirty="0"/>
+              <a:t>かとうことをここで説明したいと思います。</a:t>
+            </a:r>
+          </a:p>
+          <a:p>
+            <a:r>
+              <a:rPr lang="ja-JP" altLang="en-US" dirty="0"/>
+              <a:t>結論から言います。</a:t>
+            </a:r>
+          </a:p>
+          <a:p>
+            <a:r>
+              <a:rPr lang="en-US" altLang="ja-JP" dirty="0"/>
+              <a:t>String</a:t>
+            </a:r>
+            <a:r>
+              <a:rPr lang="ja-JP" altLang="en-US" dirty="0"/>
+              <a:t>型は値の変更を行うことが出来ません。</a:t>
+            </a:r>
+          </a:p>
+          <a:p>
+            <a:r>
+              <a:rPr lang="ja-JP" altLang="en-US" dirty="0" err="1"/>
+              <a:t>なので</a:t>
+            </a:r>
+            <a:r>
+              <a:rPr lang="ja-JP" altLang="en-US" dirty="0"/>
+              <a:t>値を変更する時は新しい領域を確保し、</a:t>
+            </a:r>
+          </a:p>
+          <a:p>
+            <a:r>
+              <a:rPr lang="ja-JP" altLang="en-US" dirty="0"/>
+              <a:t>新しい参照値になるため値渡しのような動きになります。</a:t>
+            </a:r>
+          </a:p>
+          <a:p>
+            <a:endParaRPr lang="ja-JP" altLang="en-US" dirty="0"/>
+          </a:p>
+          <a:p>
+            <a:r>
+              <a:rPr lang="en-US" altLang="ja-JP" dirty="0"/>
+              <a:t>1</a:t>
+            </a:r>
+          </a:p>
+          <a:p>
+            <a:r>
+              <a:rPr lang="en-US" altLang="ja-JP" dirty="0"/>
+              <a:t>2</a:t>
+            </a:r>
+          </a:p>
+          <a:p>
+            <a:r>
+              <a:rPr lang="en-US" altLang="ja-JP" dirty="0"/>
+              <a:t>3</a:t>
+            </a:r>
+          </a:p>
+          <a:p>
+            <a:r>
+              <a:rPr lang="en-US" altLang="ja-JP" dirty="0"/>
+              <a:t>4</a:t>
+            </a:r>
+          </a:p>
+          <a:p>
+            <a:r>
+              <a:rPr lang="en-US" altLang="ja-JP" dirty="0"/>
+              <a:t>5</a:t>
+            </a:r>
+          </a:p>
+          <a:p>
+            <a:r>
+              <a:rPr lang="en-US" altLang="ja-JP" dirty="0"/>
+              <a:t>6</a:t>
+            </a:r>
+          </a:p>
+          <a:p>
+            <a:r>
+              <a:rPr lang="en-US" altLang="ja-JP" dirty="0"/>
+              <a:t>7</a:t>
+            </a:r>
+          </a:p>
+          <a:p>
+            <a:r>
+              <a:rPr lang="en-US" altLang="ja-JP" dirty="0"/>
+              <a:t>8</a:t>
+            </a:r>
+          </a:p>
+          <a:p>
+            <a:r>
+              <a:rPr lang="en-US" altLang="ja-JP" dirty="0"/>
+              <a:t>9</a:t>
+            </a:r>
+          </a:p>
+          <a:p>
+            <a:r>
+              <a:rPr lang="en-US" altLang="ja-JP" dirty="0"/>
+              <a:t>10</a:t>
+            </a:r>
+          </a:p>
+          <a:p>
+            <a:r>
+              <a:rPr lang="en-US" altLang="ja-JP" dirty="0"/>
+              <a:t>11</a:t>
+            </a:r>
+          </a:p>
+          <a:p>
+            <a:r>
+              <a:rPr lang="en-US" altLang="ja-JP" dirty="0"/>
+              <a:t>12</a:t>
+            </a:r>
+          </a:p>
+          <a:p>
+            <a:r>
+              <a:rPr lang="en-US" altLang="ja-JP" dirty="0"/>
+              <a:t>13</a:t>
+            </a:r>
+          </a:p>
+          <a:p>
+            <a:r>
+              <a:rPr lang="en-US" altLang="ja-JP" dirty="0"/>
+              <a:t>14</a:t>
+            </a:r>
+          </a:p>
+          <a:p>
+            <a:endParaRPr lang="en-US" altLang="ja-JP" dirty="0"/>
+          </a:p>
+          <a:p>
+            <a:r>
+              <a:rPr lang="ja-JP" altLang="en-US" dirty="0"/>
+              <a:t>これを参照渡しと呼ぶのか値渡しと呼ぶのかは別れる部分であるのでここでは</a:t>
+            </a:r>
+            <a:endParaRPr kumimoji="1" lang="ja-JP" altLang="en-US" dirty="0"/>
           </a:p>
         </p:txBody>
       </p:sp>
@@ -1369,7 +1453,7 @@
           <a:p>
             <a:fld id="{CBF5BE68-8646-425B-8286-811A612EA33E}" type="slidenum">
               <a:rPr kumimoji="1" lang="ja-JP" altLang="en-US" smtClean="0"/>
-              <a:t>6</a:t>
+              <a:t>5</a:t>
             </a:fld>
             <a:endParaRPr kumimoji="1" lang="ja-JP" altLang="en-US"/>
           </a:p>
@@ -1378,7 +1462,7 @@
     </p:spTree>
     <p:extLst>
       <p:ext uri="{BB962C8B-B14F-4D97-AF65-F5344CB8AC3E}">
-        <p14:creationId xmlns:p14="http://schemas.microsoft.com/office/powerpoint/2010/main" val="2642989754"/>
+        <p14:creationId xmlns:p14="http://schemas.microsoft.com/office/powerpoint/2010/main" val="3380586277"/>
       </p:ext>
     </p:extLst>
   </p:cSld>
@@ -1432,21 +1516,7 @@
           <a:bodyPr/>
           <a:lstStyle/>
           <a:p>
-            <a:r>
-              <a:rPr kumimoji="1" lang="ja-JP" altLang="en-US" dirty="0"/>
-              <a:t>電話を取るのもでるのも苦手だった。</a:t>
-            </a:r>
-            <a:endParaRPr kumimoji="1" lang="en-US" altLang="ja-JP" dirty="0"/>
-          </a:p>
-          <a:p>
-            <a:r>
-              <a:rPr kumimoji="1" lang="ja-JP" altLang="en-US" dirty="0"/>
-              <a:t>サポセン電話</a:t>
-            </a:r>
-            <a:endParaRPr kumimoji="1" lang="en-US" altLang="ja-JP" dirty="0"/>
-          </a:p>
-          <a:p>
-            <a:endParaRPr kumimoji="1" lang="ja-JP" altLang="en-US" dirty="0"/>
+            <a:endParaRPr kumimoji="1" lang="ja-JP" altLang="en-US"/>
           </a:p>
         </p:txBody>
       </p:sp>
@@ -1467,7 +1537,7 @@
           <a:p>
             <a:fld id="{CBF5BE68-8646-425B-8286-811A612EA33E}" type="slidenum">
               <a:rPr kumimoji="1" lang="ja-JP" altLang="en-US" smtClean="0"/>
-              <a:t>7</a:t>
+              <a:t>6</a:t>
             </a:fld>
             <a:endParaRPr kumimoji="1" lang="ja-JP" altLang="en-US"/>
           </a:p>
@@ -1476,7 +1546,7 @@
     </p:spTree>
     <p:extLst>
       <p:ext uri="{BB962C8B-B14F-4D97-AF65-F5344CB8AC3E}">
-        <p14:creationId xmlns:p14="http://schemas.microsoft.com/office/powerpoint/2010/main" val="1605302921"/>
+        <p14:creationId xmlns:p14="http://schemas.microsoft.com/office/powerpoint/2010/main" val="2642989754"/>
       </p:ext>
     </p:extLst>
   </p:cSld>
@@ -1530,7 +1600,21 @@
           <a:bodyPr/>
           <a:lstStyle/>
           <a:p>
-            <a:endParaRPr kumimoji="1" lang="ja-JP" altLang="en-US"/>
+            <a:r>
+              <a:rPr kumimoji="1" lang="ja-JP" altLang="en-US" dirty="0"/>
+              <a:t>電話を取るのもでるのも苦手だった。</a:t>
+            </a:r>
+            <a:endParaRPr kumimoji="1" lang="en-US" altLang="ja-JP" dirty="0"/>
+          </a:p>
+          <a:p>
+            <a:r>
+              <a:rPr kumimoji="1" lang="ja-JP" altLang="en-US" dirty="0"/>
+              <a:t>サポセン電話</a:t>
+            </a:r>
+            <a:endParaRPr kumimoji="1" lang="en-US" altLang="ja-JP" dirty="0"/>
+          </a:p>
+          <a:p>
+            <a:endParaRPr kumimoji="1" lang="ja-JP" altLang="en-US" dirty="0"/>
           </a:p>
         </p:txBody>
       </p:sp>
@@ -1551,7 +1635,7 @@
           <a:p>
             <a:fld id="{CBF5BE68-8646-425B-8286-811A612EA33E}" type="slidenum">
               <a:rPr kumimoji="1" lang="ja-JP" altLang="en-US" smtClean="0"/>
-              <a:t>8</a:t>
+              <a:t>7</a:t>
             </a:fld>
             <a:endParaRPr kumimoji="1" lang="ja-JP" altLang="en-US"/>
           </a:p>
@@ -1560,7 +1644,7 @@
     </p:spTree>
     <p:extLst>
       <p:ext uri="{BB962C8B-B14F-4D97-AF65-F5344CB8AC3E}">
-        <p14:creationId xmlns:p14="http://schemas.microsoft.com/office/powerpoint/2010/main" val="3295397735"/>
+        <p14:creationId xmlns:p14="http://schemas.microsoft.com/office/powerpoint/2010/main" val="1605302921"/>
       </p:ext>
     </p:extLst>
   </p:cSld>
@@ -1635,7 +1719,7 @@
           <a:p>
             <a:fld id="{CBF5BE68-8646-425B-8286-811A612EA33E}" type="slidenum">
               <a:rPr kumimoji="1" lang="ja-JP" altLang="en-US" smtClean="0"/>
-              <a:t>9</a:t>
+              <a:t>8</a:t>
             </a:fld>
             <a:endParaRPr kumimoji="1" lang="ja-JP" altLang="en-US"/>
           </a:p>
@@ -1644,7 +1728,7 @@
     </p:spTree>
     <p:extLst>
       <p:ext uri="{BB962C8B-B14F-4D97-AF65-F5344CB8AC3E}">
-        <p14:creationId xmlns:p14="http://schemas.microsoft.com/office/powerpoint/2010/main" val="2024550309"/>
+        <p14:creationId xmlns:p14="http://schemas.microsoft.com/office/powerpoint/2010/main" val="3295397735"/>
       </p:ext>
     </p:extLst>
   </p:cSld>
@@ -1880,7 +1964,7 @@
           <a:p>
             <a:fld id="{B42B6356-61B0-499F-8F57-1A8B98A92062}" type="datetime1">
               <a:rPr lang="en-US" altLang="ja-JP" smtClean="0"/>
-              <a:t>4/29/2017</a:t>
+              <a:t>5/1/2017</a:t>
             </a:fld>
             <a:endParaRPr lang="en-US" dirty="0"/>
           </a:p>
@@ -2120,7 +2204,7 @@
           <a:p>
             <a:fld id="{6DBE768B-FE97-49B7-A90C-9A232A0EF449}" type="datetime1">
               <a:rPr lang="en-US" altLang="ja-JP" smtClean="0"/>
-              <a:t>4/29/2017</a:t>
+              <a:t>5/1/2017</a:t>
             </a:fld>
             <a:endParaRPr lang="en-US" dirty="0"/>
           </a:p>
@@ -2408,7 +2492,7 @@
           <a:p>
             <a:fld id="{E8B07D8F-D3FF-4F48-AE6B-7E1A73427EC2}" type="datetime1">
               <a:rPr lang="en-US" altLang="ja-JP" smtClean="0"/>
-              <a:t>4/29/2017</a:t>
+              <a:t>5/1/2017</a:t>
             </a:fld>
             <a:endParaRPr lang="en-US" dirty="0"/>
           </a:p>
@@ -2610,7 +2694,7 @@
           <a:p>
             <a:fld id="{D3AF2997-750D-43CC-ABE3-CA9AECF246AB}" type="datetime1">
               <a:rPr lang="en-US" altLang="ja-JP" smtClean="0"/>
-              <a:t>4/29/2017</a:t>
+              <a:t>5/1/2017</a:t>
             </a:fld>
             <a:endParaRPr lang="en-US" dirty="0"/>
           </a:p>
@@ -2958,7 +3042,7 @@
           <a:p>
             <a:fld id="{2DAAEF50-F8F0-4D65-924D-E9EDB2E94BAA}" type="datetime1">
               <a:rPr lang="en-US" altLang="ja-JP" smtClean="0"/>
-              <a:t>4/29/2017</a:t>
+              <a:t>5/1/2017</a:t>
             </a:fld>
             <a:endParaRPr lang="en-US" dirty="0"/>
           </a:p>
@@ -3297,7 +3381,7 @@
           <a:p>
             <a:fld id="{7DD4AF03-3104-49E1-A055-F9CBA41F00F3}" type="datetime1">
               <a:rPr lang="en-US" altLang="ja-JP" smtClean="0"/>
-              <a:t>4/29/2017</a:t>
+              <a:t>5/1/2017</a:t>
             </a:fld>
             <a:endParaRPr lang="en-US" dirty="0"/>
           </a:p>
@@ -3740,7 +3824,7 @@
           <a:p>
             <a:fld id="{FF0D45FE-C881-4969-81BF-4DDAEA6F97A5}" type="datetime1">
               <a:rPr lang="en-US" altLang="ja-JP" smtClean="0"/>
-              <a:t>4/29/2017</a:t>
+              <a:t>5/1/2017</a:t>
             </a:fld>
             <a:endParaRPr lang="en-US" dirty="0"/>
           </a:p>
@@ -3858,7 +3942,7 @@
           <a:p>
             <a:fld id="{D6D8704D-D75A-45B8-97A4-3FFFBB438CF2}" type="datetime1">
               <a:rPr lang="en-US" altLang="ja-JP" smtClean="0"/>
-              <a:t>4/29/2017</a:t>
+              <a:t>5/1/2017</a:t>
             </a:fld>
             <a:endParaRPr lang="en-US" dirty="0"/>
           </a:p>
@@ -4029,7 +4113,7 @@
           <a:p>
             <a:fld id="{8A0E49A1-99DF-4A10-8920-595A2673E1EE}" type="datetime1">
               <a:rPr lang="en-US" altLang="ja-JP" smtClean="0"/>
-              <a:t>4/29/2017</a:t>
+              <a:t>5/1/2017</a:t>
             </a:fld>
             <a:endParaRPr lang="en-US" dirty="0"/>
           </a:p>
@@ -4420,7 +4504,7 @@
           <a:p>
             <a:fld id="{D682D3D4-45B3-4DAE-8940-E75B8FB01BBA}" type="datetime1">
               <a:rPr lang="en-US" altLang="ja-JP" smtClean="0"/>
-              <a:t>4/29/2017</a:t>
+              <a:t>5/1/2017</a:t>
             </a:fld>
             <a:endParaRPr lang="en-US" dirty="0"/>
           </a:p>
@@ -4798,7 +4882,7 @@
           <a:p>
             <a:fld id="{BB63FF05-AB67-4E88-966A-A9F6731CB903}" type="datetime1">
               <a:rPr lang="en-US" altLang="ja-JP" smtClean="0"/>
-              <a:t>4/29/2017</a:t>
+              <a:t>5/1/2017</a:t>
             </a:fld>
             <a:endParaRPr lang="en-US" dirty="0"/>
           </a:p>
@@ -5117,7 +5201,7 @@
           <a:p>
             <a:fld id="{5F0311A2-7FB0-43E3-88DA-9E4233BFA6E0}" type="datetime1">
               <a:rPr lang="en-US" altLang="ja-JP" smtClean="0"/>
-              <a:t>4/29/2017</a:t>
+              <a:t>5/1/2017</a:t>
             </a:fld>
             <a:endParaRPr lang="en-US" dirty="0"/>
           </a:p>
@@ -5795,6 +5879,24 @@
             <a:r>
               <a:rPr lang="ja-JP" altLang="en-US" sz="2800" dirty="0"/>
               <a:t>　オブジェクト指向の本を読む</a:t>
+            </a:r>
+            <a:endParaRPr lang="en-US" altLang="ja-JP" sz="2800" dirty="0"/>
+          </a:p>
+          <a:p>
+            <a:pPr>
+              <a:buFont typeface="Wingdings" panose="05000000000000000000" pitchFamily="2" charset="2"/>
+              <a:buChar char="l"/>
+            </a:pPr>
+            <a:endParaRPr kumimoji="1" lang="en-US" altLang="ja-JP" sz="2800" dirty="0"/>
+          </a:p>
+          <a:p>
+            <a:pPr>
+              <a:buFont typeface="Wingdings" panose="05000000000000000000" pitchFamily="2" charset="2"/>
+              <a:buChar char="l"/>
+            </a:pPr>
+            <a:r>
+              <a:rPr lang="ja-JP" altLang="en-US" sz="2800"/>
+              <a:t>　プログラムを書く時はフローチャートから書くようにする</a:t>
             </a:r>
             <a:endParaRPr kumimoji="1" lang="ja-JP" altLang="en-US" sz="2800" dirty="0"/>
           </a:p>

--- a/プレゼン/成果発表(相吉澤).pptx
+++ b/プレゼン/成果発表(相吉澤).pptx
@@ -5744,7 +5744,7 @@
           <a:p>
             <a:r>
               <a:rPr kumimoji="1" lang="ja-JP" altLang="en-US" dirty="0"/>
-              <a:t>成果発表</a:t>
+              <a:t>基礎言語成果発表</a:t>
             </a:r>
           </a:p>
         </p:txBody>
@@ -5767,6 +5767,14 @@
             <a:r>
               <a:rPr lang="en-US" altLang="ja-JP" dirty="0"/>
               <a:t>2017/5/2</a:t>
+            </a:r>
+            <a:r>
+              <a:rPr lang="ja-JP" altLang="en-US" dirty="0"/>
+              <a:t>　社員番号：</a:t>
+            </a:r>
+            <a:r>
+              <a:rPr lang="en-US" altLang="ja-JP" dirty="0"/>
+              <a:t>205</a:t>
             </a:r>
             <a:r>
               <a:rPr lang="ja-JP" altLang="en-US" dirty="0"/>

--- a/プレゼン/成果発表(相吉澤).pptx
+++ b/プレゼン/成果発表(相吉澤).pptx
@@ -1196,10 +1196,6 @@
           <a:bodyPr/>
           <a:lstStyle/>
           <a:p>
-            <a:r>
-              <a:rPr kumimoji="1" lang="en-US" altLang="ja-JP" dirty="0" err="1"/>
-              <a:t>aaaa</a:t>
-            </a:r>
             <a:endParaRPr kumimoji="1" lang="ja-JP" altLang="en-US" dirty="0"/>
           </a:p>
         </p:txBody>
@@ -1279,7 +1275,12 @@
             <p:ph type="body" idx="1"/>
           </p:nvPr>
         </p:nvSpPr>
-        <p:spPr/>
+        <p:spPr>
+          <a:xfrm>
+            <a:off x="685800" y="4400549"/>
+            <a:ext cx="5486400" cy="4284663"/>
+          </a:xfrm>
+        </p:spPr>
         <p:txBody>
           <a:bodyPr/>
           <a:lstStyle/>
@@ -1338,13 +1339,39 @@
             </a:r>
           </a:p>
           <a:p>
-            <a:endParaRPr lang="ja-JP" altLang="en-US" dirty="0"/>
-          </a:p>
-          <a:p>
             <a:r>
               <a:rPr lang="en-US" altLang="ja-JP" dirty="0"/>
-              <a:t>1</a:t>
-            </a:r>
+              <a:t>1String </a:t>
+            </a:r>
+            <a:r>
+              <a:rPr lang="en-US" altLang="ja-JP" dirty="0" err="1"/>
+              <a:t>str</a:t>
+            </a:r>
+            <a:r>
+              <a:rPr lang="en-US" altLang="ja-JP" dirty="0"/>
+              <a:t>=“</a:t>
+            </a:r>
+            <a:r>
+              <a:rPr lang="en-US" altLang="ja-JP" dirty="0" err="1"/>
+              <a:t>abc</a:t>
+            </a:r>
+            <a:r>
+              <a:rPr lang="en-US" altLang="ja-JP" dirty="0"/>
+              <a:t>”</a:t>
+            </a:r>
+            <a:r>
+              <a:rPr lang="ja-JP" altLang="en-US" dirty="0"/>
+              <a:t>が事項され変数</a:t>
+            </a:r>
+            <a:r>
+              <a:rPr lang="en-US" altLang="ja-JP" dirty="0" err="1"/>
+              <a:t>str</a:t>
+            </a:r>
+            <a:r>
+              <a:rPr lang="ja-JP" altLang="en-US" dirty="0"/>
+              <a:t>が作られます</a:t>
+            </a:r>
+            <a:endParaRPr lang="en-US" altLang="ja-JP" dirty="0"/>
           </a:p>
           <a:p>
             <a:r>
@@ -1430,7 +1457,7 @@
           <a:p>
             <a:r>
               <a:rPr lang="ja-JP" altLang="en-US" dirty="0"/>
-              <a:t>これを参照渡しと呼ぶのか値渡しと呼ぶのかは別れる部分であるのでここでは</a:t>
+              <a:t>これを参照渡しと呼ぶのか値渡しと呼ぶのかは別れる部分であるのでここでは言い切りません</a:t>
             </a:r>
             <a:endParaRPr kumimoji="1" lang="ja-JP" altLang="en-US" dirty="0"/>
           </a:p>

--- a/プレゼン/成果発表(相吉澤).pptx
+++ b/プレゼン/成果発表(相吉澤).pptx
@@ -809,7 +809,20 @@
           <a:bodyPr/>
           <a:lstStyle/>
           <a:p>
-            <a:endParaRPr kumimoji="1" lang="ja-JP" altLang="en-US"/>
+            <a:r>
+              <a:rPr kumimoji="1" lang="ja-JP" altLang="en-US" dirty="0"/>
+              <a:t>日記だけでなく映画とか文章を読んだ時</a:t>
+            </a:r>
+            <a:endParaRPr kumimoji="1" lang="en-US" altLang="ja-JP" dirty="0"/>
+          </a:p>
+          <a:p>
+            <a:endParaRPr lang="en-US" altLang="ja-JP" dirty="0"/>
+          </a:p>
+          <a:p>
+            <a:r>
+              <a:rPr kumimoji="1" lang="ja-JP" altLang="en-US"/>
+              <a:t>杉山さんがオブジェクト指向で何故作るのかという本を読んだ</a:t>
+            </a:r>
           </a:p>
         </p:txBody>
       </p:sp>
@@ -840,6 +853,90 @@
     <p:extLst>
       <p:ext uri="{BB962C8B-B14F-4D97-AF65-F5344CB8AC3E}">
         <p14:creationId xmlns:p14="http://schemas.microsoft.com/office/powerpoint/2010/main" val="2024550309"/>
+      </p:ext>
+    </p:extLst>
+  </p:cSld>
+  <p:clrMapOvr>
+    <a:masterClrMapping/>
+  </p:clrMapOvr>
+</p:notes>
+</file>
+
+<file path=ppt/notesSlides/notesSlide11.xml><?xml version="1.0" encoding="utf-8"?>
+<p:notes xmlns:a="http://schemas.openxmlformats.org/drawingml/2006/main" xmlns:r="http://schemas.openxmlformats.org/officeDocument/2006/relationships" xmlns:p="http://schemas.openxmlformats.org/presentationml/2006/main">
+  <p:cSld>
+    <p:spTree>
+      <p:nvGrpSpPr>
+        <p:cNvPr id="1" name=""/>
+        <p:cNvGrpSpPr/>
+        <p:nvPr/>
+      </p:nvGrpSpPr>
+      <p:grpSpPr>
+        <a:xfrm>
+          <a:off x="0" y="0"/>
+          <a:ext cx="0" cy="0"/>
+          <a:chOff x="0" y="0"/>
+          <a:chExt cx="0" cy="0"/>
+        </a:xfrm>
+      </p:grpSpPr>
+      <p:sp>
+        <p:nvSpPr>
+          <p:cNvPr id="2" name="スライド イメージ プレースホルダー 1"/>
+          <p:cNvSpPr>
+            <a:spLocks noGrp="1" noRot="1" noChangeAspect="1"/>
+          </p:cNvSpPr>
+          <p:nvPr>
+            <p:ph type="sldImg"/>
+          </p:nvPr>
+        </p:nvSpPr>
+        <p:spPr/>
+      </p:sp>
+      <p:sp>
+        <p:nvSpPr>
+          <p:cNvPr id="3" name="ノート プレースホルダー 2"/>
+          <p:cNvSpPr>
+            <a:spLocks noGrp="1"/>
+          </p:cNvSpPr>
+          <p:nvPr>
+            <p:ph type="body" idx="1"/>
+          </p:nvPr>
+        </p:nvSpPr>
+        <p:spPr/>
+        <p:txBody>
+          <a:bodyPr/>
+          <a:lstStyle/>
+          <a:p>
+            <a:endParaRPr kumimoji="1" lang="ja-JP" altLang="en-US"/>
+          </a:p>
+        </p:txBody>
+      </p:sp>
+      <p:sp>
+        <p:nvSpPr>
+          <p:cNvPr id="4" name="スライド番号プレースホルダー 3"/>
+          <p:cNvSpPr>
+            <a:spLocks noGrp="1"/>
+          </p:cNvSpPr>
+          <p:nvPr>
+            <p:ph type="sldNum" sz="quarter" idx="10"/>
+          </p:nvPr>
+        </p:nvSpPr>
+        <p:spPr/>
+        <p:txBody>
+          <a:bodyPr/>
+          <a:lstStyle/>
+          <a:p>
+            <a:fld id="{CBF5BE68-8646-425B-8286-811A612EA33E}" type="slidenum">
+              <a:rPr kumimoji="1" lang="ja-JP" altLang="en-US" smtClean="0"/>
+              <a:t>10</a:t>
+            </a:fld>
+            <a:endParaRPr kumimoji="1" lang="ja-JP" altLang="en-US"/>
+          </a:p>
+        </p:txBody>
+      </p:sp>
+    </p:spTree>
+    <p:extLst>
+      <p:ext uri="{BB962C8B-B14F-4D97-AF65-F5344CB8AC3E}">
+        <p14:creationId xmlns:p14="http://schemas.microsoft.com/office/powerpoint/2010/main" val="2109495207"/>
       </p:ext>
     </p:extLst>
   </p:cSld>
@@ -1196,6 +1293,20 @@
           <a:bodyPr/>
           <a:lstStyle/>
           <a:p>
+            <a:r>
+              <a:rPr kumimoji="1" lang="ja-JP" altLang="en-US" dirty="0"/>
+              <a:t>説明できそうな部分と、できなさそうな部分の差が激しかった</a:t>
+            </a:r>
+            <a:endParaRPr kumimoji="1" lang="en-US" altLang="ja-JP" dirty="0"/>
+          </a:p>
+          <a:p>
+            <a:endParaRPr kumimoji="1" lang="en-US" altLang="ja-JP" dirty="0"/>
+          </a:p>
+          <a:p>
+            <a:r>
+              <a:rPr lang="ja-JP" altLang="en-US" dirty="0"/>
+              <a:t>クラス、抽象クラス、インターフェイスに入ってからは自分なりに説明することができず、ほぼ教科書通りの説明になっていた。</a:t>
+            </a:r>
             <a:endParaRPr kumimoji="1" lang="ja-JP" altLang="en-US" dirty="0"/>
           </a:p>
         </p:txBody>
@@ -1278,7 +1389,7 @@
         <p:spPr>
           <a:xfrm>
             <a:off x="685800" y="4400549"/>
-            <a:ext cx="5486400" cy="4284663"/>
+            <a:ext cx="5692966" cy="4545147"/>
           </a:xfrm>
         </p:spPr>
         <p:txBody>
@@ -1287,6 +1398,12 @@
           <a:p>
             <a:r>
               <a:rPr lang="ja-JP" altLang="en-US" dirty="0"/>
+              <a:t>左がコードで右はメモリ</a:t>
+            </a:r>
+          </a:p>
+          <a:p>
+            <a:r>
+              <a:rPr lang="ja-JP" altLang="en-US" dirty="0"/>
               <a:t>なぜ</a:t>
             </a:r>
             <a:r>
@@ -1319,23 +1436,7 @@
             </a:r>
             <a:r>
               <a:rPr lang="ja-JP" altLang="en-US" dirty="0"/>
-              <a:t>型は値の変更を行うことが出来ません。</a:t>
-            </a:r>
-          </a:p>
-          <a:p>
-            <a:r>
-              <a:rPr lang="ja-JP" altLang="en-US" dirty="0" err="1"/>
-              <a:t>なので</a:t>
-            </a:r>
-            <a:r>
-              <a:rPr lang="ja-JP" altLang="en-US" dirty="0"/>
-              <a:t>値を変更する時は新しい領域を確保し、</a:t>
-            </a:r>
-          </a:p>
-          <a:p>
-            <a:r>
-              <a:rPr lang="ja-JP" altLang="en-US" dirty="0"/>
-              <a:t>新しい参照値になるため値渡しのような動きになります。</a:t>
+              <a:t>型は値の変更を行うこと新しい領域に文字列を作成しそこの参照値を指すようになるからです。</a:t>
             </a:r>
           </a:p>
           <a:p>
@@ -1361,7 +1462,17 @@
             </a:r>
             <a:r>
               <a:rPr lang="ja-JP" altLang="en-US" dirty="0"/>
-              <a:t>が事項され変数</a:t>
+              <a:t>が実行されます。</a:t>
+            </a:r>
+          </a:p>
+          <a:p>
+            <a:r>
+              <a:rPr lang="en-US" altLang="ja-JP" dirty="0"/>
+              <a:t>2</a:t>
+            </a:r>
+            <a:r>
+              <a:rPr lang="ja-JP" altLang="en-US" dirty="0"/>
+              <a:t>すると、変数</a:t>
             </a:r>
             <a:r>
               <a:rPr lang="en-US" altLang="ja-JP" dirty="0" err="1"/>
@@ -1371,24 +1482,51 @@
               <a:rPr lang="ja-JP" altLang="en-US" dirty="0"/>
               <a:t>が作られます</a:t>
             </a:r>
-            <a:endParaRPr lang="en-US" altLang="ja-JP" dirty="0"/>
-          </a:p>
-          <a:p>
-            <a:r>
-              <a:rPr lang="en-US" altLang="ja-JP" dirty="0"/>
-              <a:t>2</a:t>
-            </a:r>
           </a:p>
           <a:p>
             <a:r>
               <a:rPr lang="en-US" altLang="ja-JP" dirty="0"/>
               <a:t>3</a:t>
             </a:r>
-          </a:p>
-          <a:p>
+            <a:r>
+              <a:rPr lang="ja-JP" altLang="en-US" dirty="0"/>
+              <a:t>そして、</a:t>
+            </a:r>
+            <a:r>
+              <a:rPr lang="en-US" altLang="ja-JP" dirty="0" err="1"/>
+              <a:t>str</a:t>
+            </a:r>
+            <a:r>
+              <a:rPr lang="ja-JP" altLang="en-US" dirty="0"/>
+              <a:t>の中身には参照値が入ります。その参照値の中身を観ることで</a:t>
+            </a:r>
+            <a:r>
+              <a:rPr lang="en-US" altLang="ja-JP" dirty="0" err="1"/>
+              <a:t>abc</a:t>
+            </a:r>
             <a:r>
               <a:rPr lang="en-US" altLang="ja-JP" dirty="0"/>
-              <a:t>4</a:t>
+              <a:t> </a:t>
+            </a:r>
+          </a:p>
+          <a:p>
+            <a:r>
+              <a:rPr lang="en-US" altLang="ja-JP" dirty="0"/>
+              <a:t>  </a:t>
+            </a:r>
+            <a:r>
+              <a:rPr lang="ja-JP" altLang="en-US" dirty="0"/>
+              <a:t>を表示できます。</a:t>
+            </a:r>
+          </a:p>
+          <a:p>
+            <a:r>
+              <a:rPr lang="en-US" altLang="ja-JP" dirty="0"/>
+              <a:t>4test</a:t>
+            </a:r>
+            <a:r>
+              <a:rPr lang="ja-JP" altLang="en-US" dirty="0"/>
+              <a:t>メソッドの実行に移ります。</a:t>
             </a:r>
           </a:p>
           <a:p>
@@ -1396,17 +1534,131 @@
               <a:rPr lang="en-US" altLang="ja-JP" dirty="0"/>
               <a:t>5</a:t>
             </a:r>
+            <a:r>
+              <a:rPr lang="ja-JP" altLang="en-US" dirty="0"/>
+              <a:t>変数</a:t>
+            </a:r>
+            <a:r>
+              <a:rPr lang="en-US" altLang="ja-JP" dirty="0"/>
+              <a:t>str1</a:t>
+            </a:r>
+            <a:r>
+              <a:rPr lang="ja-JP" altLang="en-US" dirty="0"/>
+              <a:t>が作られます</a:t>
+            </a:r>
           </a:p>
           <a:p>
             <a:r>
               <a:rPr lang="en-US" altLang="ja-JP" dirty="0"/>
               <a:t>6</a:t>
             </a:r>
-          </a:p>
-          <a:p>
+            <a:r>
+              <a:rPr lang="ja-JP" altLang="en-US" dirty="0"/>
+              <a:t>この時に</a:t>
+            </a:r>
+            <a:r>
+              <a:rPr lang="en-US" altLang="ja-JP" dirty="0" err="1"/>
+              <a:t>str</a:t>
+            </a:r>
+            <a:r>
+              <a:rPr lang="ja-JP" altLang="en-US" dirty="0"/>
+              <a:t>の参照地が</a:t>
+            </a:r>
             <a:r>
               <a:rPr lang="en-US" altLang="ja-JP" dirty="0"/>
-              <a:t>7</a:t>
+              <a:t>str1</a:t>
+            </a:r>
+            <a:r>
+              <a:rPr lang="ja-JP" altLang="en-US" dirty="0"/>
+              <a:t>にコピーされます</a:t>
+            </a:r>
+          </a:p>
+          <a:p>
+            <a:r>
+              <a:rPr lang="en-US" altLang="ja-JP" dirty="0"/>
+              <a:t>7str1</a:t>
+            </a:r>
+            <a:r>
+              <a:rPr lang="ja-JP" altLang="en-US" dirty="0"/>
+              <a:t>＝</a:t>
+            </a:r>
+            <a:r>
+              <a:rPr lang="en-US" altLang="ja-JP" dirty="0"/>
+              <a:t>123</a:t>
+            </a:r>
+            <a:r>
+              <a:rPr lang="ja-JP" altLang="en-US" dirty="0"/>
+              <a:t>が実行されます。もし</a:t>
+            </a:r>
+            <a:r>
+              <a:rPr lang="en-US" altLang="ja-JP" dirty="0"/>
+              <a:t>String</a:t>
+            </a:r>
+            <a:r>
+              <a:rPr lang="ja-JP" altLang="en-US" dirty="0"/>
+              <a:t>の値の変更ができるのなら</a:t>
+            </a:r>
+            <a:r>
+              <a:rPr lang="en-US" altLang="ja-JP" dirty="0" err="1"/>
+              <a:t>abc</a:t>
+            </a:r>
+            <a:r>
+              <a:rPr lang="ja-JP" altLang="en-US" dirty="0"/>
+              <a:t>を</a:t>
+            </a:r>
+            <a:r>
+              <a:rPr lang="en-US" altLang="ja-JP" dirty="0"/>
+              <a:t>123</a:t>
+            </a:r>
+            <a:r>
+              <a:rPr lang="ja-JP" altLang="en-US" dirty="0"/>
+              <a:t>に変</a:t>
+            </a:r>
+            <a:endParaRPr lang="en-US" altLang="ja-JP" dirty="0"/>
+          </a:p>
+          <a:p>
+            <a:r>
+              <a:rPr lang="en-US" altLang="ja-JP" dirty="0"/>
+              <a:t>  </a:t>
+            </a:r>
+            <a:r>
+              <a:rPr lang="ja-JP" altLang="en-US" dirty="0"/>
+              <a:t>更し</a:t>
+            </a:r>
+            <a:r>
+              <a:rPr lang="en-US" altLang="ja-JP" dirty="0" err="1"/>
+              <a:t>str</a:t>
+            </a:r>
+            <a:r>
+              <a:rPr lang="ja-JP" altLang="en-US" dirty="0"/>
+              <a:t>の中身も変わってしまうというと言ったことが起こるのですが</a:t>
+            </a:r>
+            <a:endParaRPr lang="en-US" altLang="ja-JP" dirty="0"/>
+          </a:p>
+          <a:p>
+            <a:r>
+              <a:rPr lang="en-US" altLang="ja-JP" dirty="0"/>
+              <a:t> </a:t>
+            </a:r>
+            <a:r>
+              <a:rPr lang="ja-JP" altLang="en-US" dirty="0"/>
+              <a:t> </a:t>
+            </a:r>
+            <a:r>
+              <a:rPr lang="en-US" altLang="ja-JP" dirty="0"/>
+              <a:t>String</a:t>
+            </a:r>
+            <a:r>
+              <a:rPr lang="ja-JP" altLang="en-US" dirty="0"/>
+              <a:t>は値の変更が出来ません。</a:t>
+            </a:r>
+            <a:r>
+              <a:rPr lang="ja-JP" altLang="en-US" dirty="0" err="1"/>
+              <a:t>なの</a:t>
+            </a:r>
+            <a:r>
+              <a:rPr lang="ja-JP" altLang="en-US" dirty="0"/>
+              <a:t>で、</a:t>
             </a:r>
           </a:p>
           <a:p>
@@ -1414,52 +1666,80 @@
               <a:rPr lang="en-US" altLang="ja-JP" dirty="0"/>
               <a:t>8</a:t>
             </a:r>
+            <a:r>
+              <a:rPr lang="ja-JP" altLang="en-US" dirty="0"/>
+              <a:t>新たに文字列の領域を取り、</a:t>
+            </a:r>
           </a:p>
           <a:p>
             <a:r>
               <a:rPr lang="en-US" altLang="ja-JP" dirty="0"/>
               <a:t>9</a:t>
             </a:r>
+            <a:r>
+              <a:rPr lang="ja-JP" altLang="en-US" dirty="0"/>
+              <a:t>そこに１２３を代入します。</a:t>
+            </a:r>
           </a:p>
           <a:p>
             <a:r>
               <a:rPr lang="en-US" altLang="ja-JP" dirty="0"/>
               <a:t>10</a:t>
             </a:r>
+            <a:r>
+              <a:rPr lang="ja-JP" altLang="en-US" dirty="0" err="1"/>
+              <a:t>なの</a:t>
+            </a:r>
+            <a:r>
+              <a:rPr lang="ja-JP" altLang="en-US" dirty="0"/>
+              <a:t>で</a:t>
+            </a:r>
+            <a:r>
+              <a:rPr lang="en-US" altLang="ja-JP" dirty="0" err="1"/>
+              <a:t>str</a:t>
+            </a:r>
+            <a:r>
+              <a:rPr lang="ja-JP" altLang="en-US" dirty="0"/>
+              <a:t>側にはなんの変更もなく</a:t>
+            </a:r>
           </a:p>
           <a:p>
             <a:r>
               <a:rPr lang="en-US" altLang="ja-JP" dirty="0"/>
               <a:t>11</a:t>
             </a:r>
-          </a:p>
-          <a:p>
+            <a:r>
+              <a:rPr lang="ja-JP" altLang="en-US" dirty="0"/>
+              <a:t>出力結果は</a:t>
+            </a:r>
+            <a:r>
+              <a:rPr lang="en-US" altLang="ja-JP" dirty="0" err="1"/>
+              <a:t>abc</a:t>
+            </a:r>
+            <a:r>
+              <a:rPr lang="ja-JP" altLang="en-US" dirty="0"/>
+              <a:t>となります。</a:t>
+            </a:r>
+          </a:p>
+          <a:p>
+            <a:r>
+              <a:rPr lang="ja-JP" altLang="en-US" dirty="0"/>
+              <a:t>ちなみに</a:t>
+            </a:r>
             <a:r>
               <a:rPr lang="en-US" altLang="ja-JP" dirty="0"/>
-              <a:t>12</a:t>
-            </a:r>
-          </a:p>
-          <a:p>
-            <a:r>
-              <a:rPr lang="en-US" altLang="ja-JP" dirty="0"/>
-              <a:t>13</a:t>
-            </a:r>
-          </a:p>
-          <a:p>
-            <a:r>
-              <a:rPr lang="en-US" altLang="ja-JP" dirty="0"/>
-              <a:t>14</a:t>
-            </a:r>
-          </a:p>
-          <a:p>
-            <a:endParaRPr lang="en-US" altLang="ja-JP" dirty="0"/>
-          </a:p>
-          <a:p>
+              <a:t>String</a:t>
+            </a:r>
             <a:r>
               <a:rPr lang="ja-JP" altLang="en-US" dirty="0"/>
-              <a:t>これを参照渡しと呼ぶのか値渡しと呼ぶのかは別れる部分であるのでここでは言い切りません</a:t>
-            </a:r>
-            <a:endParaRPr kumimoji="1" lang="ja-JP" altLang="en-US" dirty="0"/>
+              <a:t>の配列を渡すと参照渡しの動きになりますが、</a:t>
+            </a:r>
+          </a:p>
+          <a:p>
+            <a:r>
+              <a:rPr lang="ja-JP" altLang="en-US" dirty="0"/>
+              <a:t>なぜそうなるのかは、このやり方と同じように考えるとわかると思うので試してみてください。</a:t>
+            </a:r>
           </a:p>
         </p:txBody>
       </p:sp>
@@ -1543,7 +1823,23 @@
           <a:bodyPr/>
           <a:lstStyle/>
           <a:p>
-            <a:endParaRPr kumimoji="1" lang="ja-JP" altLang="en-US"/>
+            <a:r>
+              <a:rPr lang="ja-JP" altLang="en-US" dirty="0"/>
+              <a:t>最終課題の説明</a:t>
+            </a:r>
+            <a:endParaRPr lang="en-US" altLang="ja-JP" dirty="0"/>
+          </a:p>
+          <a:p>
+            <a:endParaRPr kumimoji="1" lang="en-US" altLang="ja-JP" dirty="0"/>
+          </a:p>
+          <a:p>
+            <a:endParaRPr lang="en-US" altLang="ja-JP" dirty="0"/>
+          </a:p>
+          <a:p>
+            <a:r>
+              <a:rPr kumimoji="1" lang="ja-JP" altLang="en-US" dirty="0"/>
+              <a:t>イメージが沸かなくてプログラムから作った</a:t>
+            </a:r>
           </a:p>
         </p:txBody>
       </p:sp>
@@ -1991,7 +2287,7 @@
           <a:p>
             <a:fld id="{B42B6356-61B0-499F-8F57-1A8B98A92062}" type="datetime1">
               <a:rPr lang="en-US" altLang="ja-JP" smtClean="0"/>
-              <a:t>5/1/2017</a:t>
+              <a:t>5/2/2017</a:t>
             </a:fld>
             <a:endParaRPr lang="en-US" dirty="0"/>
           </a:p>
@@ -2077,6 +2373,36 @@
           </a:fontRef>
         </p:style>
       </p:cxnSp>
+      <p:sp>
+        <p:nvSpPr>
+          <p:cNvPr id="11" name="テキスト ボックス 10"/>
+          <p:cNvSpPr txBox="1"/>
+          <p:nvPr userDrawn="1"/>
+        </p:nvSpPr>
+        <p:spPr>
+          <a:xfrm>
+            <a:off x="11554976" y="0"/>
+            <a:ext cx="625941" cy="369332"/>
+          </a:xfrm>
+          <a:prstGeom prst="rect">
+            <a:avLst/>
+          </a:prstGeom>
+          <a:noFill/>
+        </p:spPr>
+        <p:txBody>
+          <a:bodyPr wrap="none" rtlCol="0">
+            <a:spAutoFit/>
+          </a:bodyPr>
+          <a:lstStyle/>
+          <a:p>
+            <a:r>
+              <a:rPr kumimoji="1" lang="en-US" altLang="ja-JP" dirty="0" err="1"/>
+              <a:t>LevB</a:t>
+            </a:r>
+            <a:endParaRPr kumimoji="1" lang="ja-JP" altLang="en-US" dirty="0"/>
+          </a:p>
+        </p:txBody>
+      </p:sp>
     </p:spTree>
     <p:extLst>
       <p:ext uri="{BB962C8B-B14F-4D97-AF65-F5344CB8AC3E}">
@@ -2721,7 +3047,7 @@
           <a:p>
             <a:fld id="{D3AF2997-750D-43CC-ABE3-CA9AECF246AB}" type="datetime1">
               <a:rPr lang="en-US" altLang="ja-JP" smtClean="0"/>
-              <a:t>5/1/2017</a:t>
+              <a:t>5/2/2017</a:t>
             </a:fld>
             <a:endParaRPr lang="en-US" dirty="0"/>
           </a:p>
@@ -2771,6 +3097,36 @@
               <a:t>‹#›</a:t>
             </a:fld>
             <a:endParaRPr lang="en-US" dirty="0"/>
+          </a:p>
+        </p:txBody>
+      </p:sp>
+      <p:sp>
+        <p:nvSpPr>
+          <p:cNvPr id="8" name="テキスト ボックス 7"/>
+          <p:cNvSpPr txBox="1"/>
+          <p:nvPr userDrawn="1"/>
+        </p:nvSpPr>
+        <p:spPr>
+          <a:xfrm>
+            <a:off x="11573448" y="0"/>
+            <a:ext cx="625941" cy="369332"/>
+          </a:xfrm>
+          <a:prstGeom prst="rect">
+            <a:avLst/>
+          </a:prstGeom>
+          <a:noFill/>
+        </p:spPr>
+        <p:txBody>
+          <a:bodyPr wrap="none" rtlCol="0">
+            <a:spAutoFit/>
+          </a:bodyPr>
+          <a:lstStyle/>
+          <a:p>
+            <a:r>
+              <a:rPr kumimoji="1" lang="en-US" altLang="ja-JP" dirty="0" err="1"/>
+              <a:t>LevB</a:t>
+            </a:r>
+            <a:endParaRPr kumimoji="1" lang="ja-JP" altLang="en-US" dirty="0"/>
           </a:p>
         </p:txBody>
       </p:sp>
@@ -4201,6 +4557,35 @@
           </a:p>
         </p:txBody>
       </p:sp>
+      <p:sp>
+        <p:nvSpPr>
+          <p:cNvPr id="2" name="正方形/長方形 1"/>
+          <p:cNvSpPr/>
+          <p:nvPr userDrawn="1"/>
+        </p:nvSpPr>
+        <p:spPr>
+          <a:xfrm>
+            <a:off x="11566059" y="0"/>
+            <a:ext cx="625941" cy="369332"/>
+          </a:xfrm>
+          <a:prstGeom prst="rect">
+            <a:avLst/>
+          </a:prstGeom>
+        </p:spPr>
+        <p:txBody>
+          <a:bodyPr wrap="none">
+            <a:spAutoFit/>
+          </a:bodyPr>
+          <a:lstStyle/>
+          <a:p>
+            <a:r>
+              <a:rPr kumimoji="1" lang="en-US" altLang="ja-JP" dirty="0" err="1"/>
+              <a:t>LevB</a:t>
+            </a:r>
+            <a:endParaRPr lang="ja-JP" altLang="en-US" dirty="0"/>
+          </a:p>
+        </p:txBody>
+      </p:sp>
     </p:spTree>
     <p:extLst>
       <p:ext uri="{BB962C8B-B14F-4D97-AF65-F5344CB8AC3E}">
@@ -5228,7 +5613,7 @@
           <a:p>
             <a:fld id="{5F0311A2-7FB0-43E3-88DA-9E4233BFA6E0}" type="datetime1">
               <a:rPr lang="en-US" altLang="ja-JP" smtClean="0"/>
-              <a:t>5/1/2017</a:t>
+              <a:t>5/2/2017</a:t>
             </a:fld>
             <a:endParaRPr lang="en-US" dirty="0"/>
           </a:p>
@@ -5824,6 +6209,14 @@
   <p:clrMapOvr>
     <a:masterClrMapping/>
   </p:clrMapOvr>
+  <mc:AlternateContent xmlns:mc="http://schemas.openxmlformats.org/markup-compatibility/2006">
+    <mc:Choice xmlns:p14="http://schemas.microsoft.com/office/powerpoint/2010/main" Requires="p14">
+      <p:transition spd="slow" p14:dur="2000" advTm="2493"/>
+    </mc:Choice>
+    <mc:Fallback>
+      <p:transition spd="slow" advTm="2493"/>
+    </mc:Fallback>
+  </mc:AlternateContent>
 </p:sld>
 </file>
 
@@ -5923,17 +6316,6 @@
               <a:buChar char="l"/>
             </a:pPr>
             <a:endParaRPr kumimoji="1" lang="en-US" altLang="ja-JP" sz="2800" dirty="0"/>
-          </a:p>
-          <a:p>
-            <a:pPr>
-              <a:buFont typeface="Wingdings" panose="05000000000000000000" pitchFamily="2" charset="2"/>
-              <a:buChar char="l"/>
-            </a:pPr>
-            <a:r>
-              <a:rPr lang="ja-JP" altLang="en-US" sz="2800"/>
-              <a:t>　プログラムを書く時はフローチャートから書くようにする</a:t>
-            </a:r>
-            <a:endParaRPr kumimoji="1" lang="ja-JP" altLang="en-US" sz="2800" dirty="0"/>
           </a:p>
         </p:txBody>
       </p:sp>
@@ -6580,12 +6962,8 @@
               <a:buChar char="l"/>
             </a:pPr>
             <a:r>
-              <a:rPr lang="ja-JP" altLang="en-US" dirty="0"/>
-              <a:t>　</a:t>
-            </a:r>
-            <a:r>
               <a:rPr lang="ja-JP" altLang="en-US" sz="2400" dirty="0"/>
-              <a:t>分かっている部分とわからない部分がはっきりした</a:t>
+              <a:t>　分かっている部分とわからない部分がはっきりした</a:t>
             </a:r>
             <a:endParaRPr lang="en-US" altLang="ja-JP" sz="2400" dirty="0"/>
           </a:p>
@@ -8687,33 +9065,15 @@
                                   </p:childTnLst>
                                 </p:cTn>
                               </p:par>
-                            </p:childTnLst>
-                          </p:cTn>
-                        </p:par>
-                      </p:childTnLst>
-                    </p:cTn>
-                  </p:par>
-                  <p:par>
-                    <p:cTn id="72" fill="hold">
-                      <p:stCondLst>
-                        <p:cond delay="indefinite"/>
-                      </p:stCondLst>
-                      <p:childTnLst>
-                        <p:par>
-                          <p:cTn id="73" fill="hold">
-                            <p:stCondLst>
-                              <p:cond delay="0"/>
-                            </p:stCondLst>
-                            <p:childTnLst>
                               <p:par>
-                                <p:cTn id="74" presetID="10" presetClass="entr" presetSubtype="0" fill="hold" grpId="0" nodeType="clickEffect">
+                                <p:cTn id="72" presetID="10" presetClass="entr" presetSubtype="0" fill="hold" grpId="0" nodeType="withEffect">
                                   <p:stCondLst>
                                     <p:cond delay="0"/>
                                   </p:stCondLst>
                                   <p:childTnLst>
                                     <p:set>
                                       <p:cBhvr>
-                                        <p:cTn id="75" dur="1" fill="hold">
+                                        <p:cTn id="73" dur="1" fill="hold">
                                           <p:stCondLst>
                                             <p:cond delay="0"/>
                                           </p:stCondLst>
@@ -8731,7 +9091,7 @@
                                     </p:set>
                                     <p:animEffect transition="in" filter="fade">
                                       <p:cBhvr>
-                                        <p:cTn id="76" dur="500"/>
+                                        <p:cTn id="74" dur="500"/>
                                         <p:tgtEl>
                                           <p:spTgt spid="89"/>
                                         </p:tgtEl>
@@ -8741,14 +9101,14 @@
                                 </p:cTn>
                               </p:par>
                               <p:par>
-                                <p:cTn id="77" presetID="10" presetClass="entr" presetSubtype="0" fill="hold" nodeType="withEffect">
+                                <p:cTn id="75" presetID="10" presetClass="entr" presetSubtype="0" fill="hold" nodeType="withEffect">
                                   <p:stCondLst>
                                     <p:cond delay="0"/>
                                   </p:stCondLst>
                                   <p:childTnLst>
                                     <p:set>
                                       <p:cBhvr>
-                                        <p:cTn id="78" dur="1" fill="hold">
+                                        <p:cTn id="76" dur="1" fill="hold">
                                           <p:stCondLst>
                                             <p:cond delay="0"/>
                                           </p:stCondLst>
@@ -8766,7 +9126,7 @@
                                     </p:set>
                                     <p:animEffect transition="in" filter="fade">
                                       <p:cBhvr>
-                                        <p:cTn id="79" dur="500"/>
+                                        <p:cTn id="77" dur="500"/>
                                         <p:tgtEl>
                                           <p:spTgt spid="91"/>
                                         </p:tgtEl>
@@ -8782,26 +9142,26 @@
                     </p:cTn>
                   </p:par>
                   <p:par>
-                    <p:cTn id="80" fill="hold">
+                    <p:cTn id="78" fill="hold">
                       <p:stCondLst>
                         <p:cond delay="indefinite"/>
                       </p:stCondLst>
                       <p:childTnLst>
                         <p:par>
-                          <p:cTn id="81" fill="hold">
+                          <p:cTn id="79" fill="hold">
                             <p:stCondLst>
                               <p:cond delay="0"/>
                             </p:stCondLst>
                             <p:childTnLst>
                               <p:par>
-                                <p:cTn id="82" presetID="10" presetClass="exit" presetSubtype="0" fill="hold" grpId="1" nodeType="clickEffect">
+                                <p:cTn id="80" presetID="10" presetClass="exit" presetSubtype="0" fill="hold" grpId="1" nodeType="clickEffect">
                                   <p:stCondLst>
                                     <p:cond delay="0"/>
                                   </p:stCondLst>
                                   <p:childTnLst>
                                     <p:animEffect transition="out" filter="fade">
                                       <p:cBhvr>
-                                        <p:cTn id="83" dur="500"/>
+                                        <p:cTn id="81" dur="500"/>
                                         <p:tgtEl>
                                           <p:spTgt spid="78"/>
                                         </p:tgtEl>
@@ -8809,7 +9169,7 @@
                                     </p:animEffect>
                                     <p:set>
                                       <p:cBhvr>
-                                        <p:cTn id="84" dur="1" fill="hold">
+                                        <p:cTn id="82" dur="1" fill="hold">
                                           <p:stCondLst>
                                             <p:cond delay="499"/>
                                           </p:stCondLst>
@@ -8829,14 +9189,14 @@
                                 </p:cTn>
                               </p:par>
                               <p:par>
-                                <p:cTn id="85" presetID="10" presetClass="entr" presetSubtype="0" fill="hold" grpId="0" nodeType="withEffect">
+                                <p:cTn id="83" presetID="10" presetClass="entr" presetSubtype="0" fill="hold" grpId="0" nodeType="withEffect">
                                   <p:stCondLst>
                                     <p:cond delay="0"/>
                                   </p:stCondLst>
                                   <p:childTnLst>
                                     <p:set>
                                       <p:cBhvr>
-                                        <p:cTn id="86" dur="1" fill="hold">
+                                        <p:cTn id="84" dur="1" fill="hold">
                                           <p:stCondLst>
                                             <p:cond delay="0"/>
                                           </p:stCondLst>
@@ -8854,7 +9214,7 @@
                                     </p:set>
                                     <p:animEffect transition="in" filter="fade">
                                       <p:cBhvr>
-                                        <p:cTn id="87" dur="500"/>
+                                        <p:cTn id="85" dur="500"/>
                                         <p:tgtEl>
                                           <p:spTgt spid="100"/>
                                         </p:tgtEl>
@@ -8870,26 +9230,26 @@
                     </p:cTn>
                   </p:par>
                   <p:par>
-                    <p:cTn id="88" fill="hold">
+                    <p:cTn id="86" fill="hold">
                       <p:stCondLst>
                         <p:cond delay="indefinite"/>
                       </p:stCondLst>
                       <p:childTnLst>
                         <p:par>
-                          <p:cTn id="89" fill="hold">
+                          <p:cTn id="87" fill="hold">
                             <p:stCondLst>
                               <p:cond delay="0"/>
                             </p:stCondLst>
                             <p:childTnLst>
                               <p:par>
-                                <p:cTn id="90" presetID="10" presetClass="entr" presetSubtype="0" fill="hold" nodeType="clickEffect">
+                                <p:cTn id="88" presetID="10" presetClass="entr" presetSubtype="0" fill="hold" nodeType="clickEffect">
                                   <p:stCondLst>
                                     <p:cond delay="0"/>
                                   </p:stCondLst>
                                   <p:childTnLst>
                                     <p:set>
                                       <p:cBhvr>
-                                        <p:cTn id="91" dur="1" fill="hold">
+                                        <p:cTn id="89" dur="1" fill="hold">
                                           <p:stCondLst>
                                             <p:cond delay="0"/>
                                           </p:stCondLst>
@@ -8907,7 +9267,7 @@
                                     </p:set>
                                     <p:animEffect transition="in" filter="fade">
                                       <p:cBhvr>
-                                        <p:cTn id="92" dur="500"/>
+                                        <p:cTn id="90" dur="500"/>
                                         <p:tgtEl>
                                           <p:spTgt spid="103"/>
                                         </p:tgtEl>
@@ -8917,14 +9277,14 @@
                                 </p:cTn>
                               </p:par>
                               <p:par>
-                                <p:cTn id="93" presetID="10" presetClass="entr" presetSubtype="0" fill="hold" grpId="0" nodeType="withEffect">
+                                <p:cTn id="91" presetID="10" presetClass="entr" presetSubtype="0" fill="hold" grpId="0" nodeType="withEffect">
                                   <p:stCondLst>
                                     <p:cond delay="0"/>
                                   </p:stCondLst>
                                   <p:childTnLst>
                                     <p:set>
                                       <p:cBhvr>
-                                        <p:cTn id="94" dur="1" fill="hold">
+                                        <p:cTn id="92" dur="1" fill="hold">
                                           <p:stCondLst>
                                             <p:cond delay="0"/>
                                           </p:stCondLst>
@@ -8942,7 +9302,7 @@
                                     </p:set>
                                     <p:animEffect transition="in" filter="fade">
                                       <p:cBhvr>
-                                        <p:cTn id="95" dur="500"/>
+                                        <p:cTn id="93" dur="500"/>
                                         <p:tgtEl>
                                           <p:spTgt spid="101"/>
                                         </p:tgtEl>
@@ -9343,14 +9703,9 @@
             <a:endParaRPr lang="en-US" altLang="ja-JP" sz="2800" dirty="0"/>
           </a:p>
           <a:p>
-            <a:pPr>
-              <a:buFont typeface="Wingdings" panose="05000000000000000000" pitchFamily="2" charset="2"/>
-              <a:buChar char="l"/>
+            <a:pPr marL="0" indent="0">
+              <a:buNone/>
             </a:pPr>
-            <a:r>
-              <a:rPr lang="ja-JP" altLang="en-US" sz="2800" dirty="0"/>
-              <a:t>　フローチャートから書けない</a:t>
-            </a:r>
             <a:endParaRPr lang="en-US" altLang="ja-JP" sz="2800" dirty="0"/>
           </a:p>
         </p:txBody>
